--- a/iot_jsp2/iot_jsp_page/문희주_웹페이지_발표.pptx
+++ b/iot_jsp2/iot_jsp_page/문희주_웹페이지_발표.pptx
@@ -10,43 +10,53 @@
     <p:sldId id="273" r:id="rId4"/>
     <p:sldId id="275" r:id="rId5"/>
     <p:sldId id="274" r:id="rId6"/>
-    <p:sldId id="267" r:id="rId7"/>
-    <p:sldId id="258" r:id="rId8"/>
-    <p:sldId id="271" r:id="rId9"/>
-    <p:sldId id="260" r:id="rId10"/>
-    <p:sldId id="262" r:id="rId11"/>
-    <p:sldId id="263" r:id="rId12"/>
-    <p:sldId id="264" r:id="rId13"/>
-    <p:sldId id="268" r:id="rId14"/>
-    <p:sldId id="265" r:id="rId15"/>
-    <p:sldId id="266" r:id="rId16"/>
-    <p:sldId id="269" r:id="rId17"/>
-    <p:sldId id="270" r:id="rId18"/>
-    <p:sldId id="259" r:id="rId19"/>
+    <p:sldId id="276" r:id="rId7"/>
+    <p:sldId id="278" r:id="rId8"/>
+    <p:sldId id="285" r:id="rId9"/>
+    <p:sldId id="286" r:id="rId10"/>
+    <p:sldId id="267" r:id="rId11"/>
+    <p:sldId id="258" r:id="rId12"/>
+    <p:sldId id="271" r:id="rId13"/>
+    <p:sldId id="279" r:id="rId14"/>
+    <p:sldId id="280" r:id="rId15"/>
+    <p:sldId id="260" r:id="rId16"/>
+    <p:sldId id="281" r:id="rId17"/>
+    <p:sldId id="283" r:id="rId18"/>
+    <p:sldId id="284" r:id="rId19"/>
+    <p:sldId id="282" r:id="rId20"/>
+    <p:sldId id="262" r:id="rId21"/>
+    <p:sldId id="263" r:id="rId22"/>
+    <p:sldId id="264" r:id="rId23"/>
+    <p:sldId id="268" r:id="rId24"/>
+    <p:sldId id="265" r:id="rId25"/>
+    <p:sldId id="266" r:id="rId26"/>
+    <p:sldId id="269" r:id="rId27"/>
+    <p:sldId id="270" r:id="rId28"/>
+    <p:sldId id="259" r:id="rId29"/>
   </p:sldIdLst>
   <p:sldSz cx="9144000" cy="6858000" type="screen4x3"/>
   <p:notesSz cx="6858000" cy="9144000"/>
   <p:embeddedFontLst>
     <p:embeddedFont>
+      <p:font typeface="a옛날목욕탕M" pitchFamily="18" charset="-127"/>
+      <p:regular r:id="rId30"/>
+    </p:embeddedFont>
+    <p:embeddedFont>
+      <p:font typeface="a옛날목욕탕B" pitchFamily="18" charset="-127"/>
+      <p:regular r:id="rId31"/>
+    </p:embeddedFont>
+    <p:embeddedFont>
+      <p:font typeface="a옛날목욕탕L" pitchFamily="18" charset="-127"/>
+      <p:regular r:id="rId32"/>
+    </p:embeddedFont>
+    <p:embeddedFont>
       <p:font typeface="맑은 고딕" pitchFamily="50" charset="-127"/>
-      <p:regular r:id="rId20"/>
-      <p:bold r:id="rId21"/>
+      <p:regular r:id="rId33"/>
+      <p:bold r:id="rId34"/>
     </p:embeddedFont>
     <p:embeddedFont>
       <p:font typeface="a옛날사진관4" pitchFamily="18" charset="-127"/>
-      <p:regular r:id="rId22"/>
-    </p:embeddedFont>
-    <p:embeddedFont>
-      <p:font typeface="a옛날목욕탕L" pitchFamily="18" charset="-127"/>
-      <p:regular r:id="rId23"/>
-    </p:embeddedFont>
-    <p:embeddedFont>
-      <p:font typeface="a옛날목욕탕M" pitchFamily="18" charset="-127"/>
-      <p:regular r:id="rId24"/>
-    </p:embeddedFont>
-    <p:embeddedFont>
-      <p:font typeface="a옛날목욕탕B" pitchFamily="18" charset="-127"/>
-      <p:regular r:id="rId25"/>
+      <p:regular r:id="rId35"/>
     </p:embeddedFont>
   </p:embeddedFontLst>
   <p:defaultTextStyle>
@@ -328,7 +338,7 @@
           <a:p>
             <a:fld id="{A643A276-3D8B-4F89-91E1-AB6E4EF25AD0}" type="datetimeFigureOut">
               <a:rPr lang="ko-KR" altLang="en-US" smtClean="0"/>
-              <a:t>2018-01-10</a:t>
+              <a:t>2018-01-11</a:t>
             </a:fld>
             <a:endParaRPr lang="ko-KR" altLang="en-US"/>
           </a:p>
@@ -498,7 +508,7 @@
           <a:p>
             <a:fld id="{A643A276-3D8B-4F89-91E1-AB6E4EF25AD0}" type="datetimeFigureOut">
               <a:rPr lang="ko-KR" altLang="en-US" smtClean="0"/>
-              <a:t>2018-01-10</a:t>
+              <a:t>2018-01-11</a:t>
             </a:fld>
             <a:endParaRPr lang="ko-KR" altLang="en-US"/>
           </a:p>
@@ -678,7 +688,7 @@
           <a:p>
             <a:fld id="{A643A276-3D8B-4F89-91E1-AB6E4EF25AD0}" type="datetimeFigureOut">
               <a:rPr lang="ko-KR" altLang="en-US" smtClean="0"/>
-              <a:t>2018-01-10</a:t>
+              <a:t>2018-01-11</a:t>
             </a:fld>
             <a:endParaRPr lang="ko-KR" altLang="en-US"/>
           </a:p>
@@ -848,7 +858,7 @@
           <a:p>
             <a:fld id="{A643A276-3D8B-4F89-91E1-AB6E4EF25AD0}" type="datetimeFigureOut">
               <a:rPr lang="ko-KR" altLang="en-US" smtClean="0"/>
-              <a:t>2018-01-10</a:t>
+              <a:t>2018-01-11</a:t>
             </a:fld>
             <a:endParaRPr lang="ko-KR" altLang="en-US"/>
           </a:p>
@@ -1094,7 +1104,7 @@
           <a:p>
             <a:fld id="{A643A276-3D8B-4F89-91E1-AB6E4EF25AD0}" type="datetimeFigureOut">
               <a:rPr lang="ko-KR" altLang="en-US" smtClean="0"/>
-              <a:t>2018-01-10</a:t>
+              <a:t>2018-01-11</a:t>
             </a:fld>
             <a:endParaRPr lang="ko-KR" altLang="en-US"/>
           </a:p>
@@ -1382,7 +1392,7 @@
           <a:p>
             <a:fld id="{A643A276-3D8B-4F89-91E1-AB6E4EF25AD0}" type="datetimeFigureOut">
               <a:rPr lang="ko-KR" altLang="en-US" smtClean="0"/>
-              <a:t>2018-01-10</a:t>
+              <a:t>2018-01-11</a:t>
             </a:fld>
             <a:endParaRPr lang="ko-KR" altLang="en-US"/>
           </a:p>
@@ -1804,7 +1814,7 @@
           <a:p>
             <a:fld id="{A643A276-3D8B-4F89-91E1-AB6E4EF25AD0}" type="datetimeFigureOut">
               <a:rPr lang="ko-KR" altLang="en-US" smtClean="0"/>
-              <a:t>2018-01-10</a:t>
+              <a:t>2018-01-11</a:t>
             </a:fld>
             <a:endParaRPr lang="ko-KR" altLang="en-US"/>
           </a:p>
@@ -1922,7 +1932,7 @@
           <a:p>
             <a:fld id="{A643A276-3D8B-4F89-91E1-AB6E4EF25AD0}" type="datetimeFigureOut">
               <a:rPr lang="ko-KR" altLang="en-US" smtClean="0"/>
-              <a:t>2018-01-10</a:t>
+              <a:t>2018-01-11</a:t>
             </a:fld>
             <a:endParaRPr lang="ko-KR" altLang="en-US"/>
           </a:p>
@@ -2017,7 +2027,7 @@
           <a:p>
             <a:fld id="{A643A276-3D8B-4F89-91E1-AB6E4EF25AD0}" type="datetimeFigureOut">
               <a:rPr lang="ko-KR" altLang="en-US" smtClean="0"/>
-              <a:t>2018-01-10</a:t>
+              <a:t>2018-01-11</a:t>
             </a:fld>
             <a:endParaRPr lang="ko-KR" altLang="en-US"/>
           </a:p>
@@ -2294,7 +2304,7 @@
           <a:p>
             <a:fld id="{A643A276-3D8B-4F89-91E1-AB6E4EF25AD0}" type="datetimeFigureOut">
               <a:rPr lang="ko-KR" altLang="en-US" smtClean="0"/>
-              <a:t>2018-01-10</a:t>
+              <a:t>2018-01-11</a:t>
             </a:fld>
             <a:endParaRPr lang="ko-KR" altLang="en-US"/>
           </a:p>
@@ -2547,7 +2557,7 @@
           <a:p>
             <a:fld id="{A643A276-3D8B-4F89-91E1-AB6E4EF25AD0}" type="datetimeFigureOut">
               <a:rPr lang="ko-KR" altLang="en-US" smtClean="0"/>
-              <a:t>2018-01-10</a:t>
+              <a:t>2018-01-11</a:t>
             </a:fld>
             <a:endParaRPr lang="ko-KR" altLang="en-US"/>
           </a:p>
@@ -2760,7 +2770,7 @@
           <a:p>
             <a:fld id="{A643A276-3D8B-4F89-91E1-AB6E4EF25AD0}" type="datetimeFigureOut">
               <a:rPr lang="ko-KR" altLang="en-US" smtClean="0"/>
-              <a:t>2018-01-10</a:t>
+              <a:t>2018-01-11</a:t>
             </a:fld>
             <a:endParaRPr lang="ko-KR" altLang="en-US"/>
           </a:p>
@@ -3361,8 +3371,8 @@
         </p:nvCxnSpPr>
         <p:spPr>
           <a:xfrm>
-            <a:off x="-180528" y="404664"/>
-            <a:ext cx="1296144" cy="0"/>
+            <a:off x="1691680" y="2708920"/>
+            <a:ext cx="5760640" cy="0"/>
           </a:xfrm>
           <a:prstGeom prst="line">
             <a:avLst/>
@@ -3386,14 +3396,14 @@
       </p:cxnSp>
       <p:sp>
         <p:nvSpPr>
-          <p:cNvPr id="9" name="TextBox 8"/>
+          <p:cNvPr id="8" name="TextBox 7"/>
           <p:cNvSpPr txBox="1"/>
           <p:nvPr/>
         </p:nvSpPr>
         <p:spPr>
           <a:xfrm>
-            <a:off x="107504" y="418506"/>
-            <a:ext cx="2808312" cy="369332"/>
+            <a:off x="1728700" y="1844824"/>
+            <a:ext cx="5688632" cy="630942"/>
           </a:xfrm>
           <a:prstGeom prst="rect">
             <a:avLst/>
@@ -3406,186 +3416,32 @@
           </a:bodyPr>
           <a:lstStyle/>
           <a:p>
-            <a:r>
-              <a:rPr lang="en-US" altLang="ko-KR" dirty="0" smtClean="0">
-                <a:latin typeface="a옛날목욕탕M" pitchFamily="18" charset="-127"/>
-                <a:ea typeface="a옛날목욕탕M" pitchFamily="18" charset="-127"/>
-              </a:rPr>
-              <a:t>Sign-</a:t>
-            </a:r>
-            <a:r>
-              <a:rPr lang="en-US" altLang="ko-KR" dirty="0" smtClean="0">
-                <a:latin typeface="a옛날목욕탕M" pitchFamily="18" charset="-127"/>
-                <a:ea typeface="a옛날목욕탕M" pitchFamily="18" charset="-127"/>
-              </a:rPr>
-              <a:t>up</a:t>
-            </a:r>
-            <a:endParaRPr lang="ko-KR" altLang="en-US" dirty="0">
-              <a:latin typeface="a옛날목욕탕M" pitchFamily="18" charset="-127"/>
-              <a:ea typeface="a옛날목욕탕M" pitchFamily="18" charset="-127"/>
+            <a:pPr algn="ctr"/>
+            <a:r>
+              <a:rPr lang="en-US" altLang="ko-KR" sz="3500" dirty="0" smtClean="0">
+                <a:latin typeface="a옛날목욕탕L" pitchFamily="18" charset="-127"/>
+                <a:ea typeface="a옛날목욕탕L" pitchFamily="18" charset="-127"/>
+              </a:rPr>
+              <a:t>Index </a:t>
+            </a:r>
+            <a:r>
+              <a:rPr lang="ko-KR" altLang="en-US" sz="3500" dirty="0" smtClean="0">
+                <a:latin typeface="a옛날목욕탕L" pitchFamily="18" charset="-127"/>
+                <a:ea typeface="a옛날목욕탕L" pitchFamily="18" charset="-127"/>
+              </a:rPr>
+              <a:t>설명</a:t>
+            </a:r>
+            <a:endParaRPr lang="en-US" altLang="ko-KR" sz="3500" dirty="0" smtClean="0">
+              <a:latin typeface="a옛날목욕탕L" pitchFamily="18" charset="-127"/>
+              <a:ea typeface="a옛날목욕탕L" pitchFamily="18" charset="-127"/>
             </a:endParaRPr>
           </a:p>
         </p:txBody>
       </p:sp>
-      <p:cxnSp>
-        <p:nvCxnSpPr>
-          <p:cNvPr id="10" name="직선 연결선 9"/>
-          <p:cNvCxnSpPr/>
-          <p:nvPr/>
-        </p:nvCxnSpPr>
-        <p:spPr>
-          <a:xfrm>
-            <a:off x="1835696" y="6525344"/>
-            <a:ext cx="7416824" cy="0"/>
-          </a:xfrm>
-          <a:prstGeom prst="line">
-            <a:avLst/>
-          </a:prstGeom>
-          <a:effectLst/>
-        </p:spPr>
-        <p:style>
-          <a:lnRef idx="3">
-            <a:schemeClr val="accent1"/>
-          </a:lnRef>
-          <a:fillRef idx="0">
-            <a:schemeClr val="accent1"/>
-          </a:fillRef>
-          <a:effectRef idx="2">
-            <a:schemeClr val="accent1"/>
-          </a:effectRef>
-          <a:fontRef idx="minor">
-            <a:schemeClr val="tx1"/>
-          </a:fontRef>
-        </p:style>
-      </p:cxnSp>
-      <p:sp>
-        <p:nvSpPr>
-          <p:cNvPr id="6" name="TextBox 5"/>
-          <p:cNvSpPr txBox="1"/>
-          <p:nvPr/>
-        </p:nvSpPr>
-        <p:spPr>
-          <a:xfrm>
-            <a:off x="1724345" y="5301208"/>
-            <a:ext cx="7200800" cy="646331"/>
-          </a:xfrm>
-          <a:prstGeom prst="rect">
-            <a:avLst/>
-          </a:prstGeom>
-          <a:noFill/>
-        </p:spPr>
-        <p:txBody>
-          <a:bodyPr wrap="square" rtlCol="0">
-            <a:spAutoFit/>
-          </a:bodyPr>
-          <a:lstStyle/>
-          <a:p>
-            <a:r>
-              <a:rPr lang="en-US" altLang="ko-KR" dirty="0" err="1" smtClean="0">
-                <a:latin typeface="a옛날사진관4" pitchFamily="18" charset="-127"/>
-                <a:ea typeface="a옛날사진관4" pitchFamily="18" charset="-127"/>
-              </a:rPr>
-              <a:t>UserAge</a:t>
-            </a:r>
-            <a:r>
-              <a:rPr lang="ko-KR" altLang="en-US" dirty="0" smtClean="0">
-                <a:latin typeface="a옛날사진관4" pitchFamily="18" charset="-127"/>
-                <a:ea typeface="a옛날사진관4" pitchFamily="18" charset="-127"/>
-              </a:rPr>
-              <a:t>에서는 숫자만 입력 가능하다</a:t>
-            </a:r>
-            <a:r>
-              <a:rPr lang="en-US" altLang="ko-KR" dirty="0" smtClean="0">
-                <a:latin typeface="a옛날사진관4" pitchFamily="18" charset="-127"/>
-                <a:ea typeface="a옛날사진관4" pitchFamily="18" charset="-127"/>
-              </a:rPr>
-              <a:t>.</a:t>
-            </a:r>
-          </a:p>
-          <a:p>
-            <a:r>
-              <a:rPr lang="ko-KR" altLang="en-US" dirty="0" smtClean="0">
-                <a:latin typeface="a옛날사진관4" pitchFamily="18" charset="-127"/>
-                <a:ea typeface="a옛날사진관4" pitchFamily="18" charset="-127"/>
-              </a:rPr>
-              <a:t>회원가입이 완료되면 </a:t>
-            </a:r>
-            <a:r>
-              <a:rPr lang="en-US" altLang="ko-KR" dirty="0" smtClean="0">
-                <a:latin typeface="a옛날사진관4" pitchFamily="18" charset="-127"/>
-                <a:ea typeface="a옛날사진관4" pitchFamily="18" charset="-127"/>
-              </a:rPr>
-              <a:t>Login </a:t>
-            </a:r>
-            <a:r>
-              <a:rPr lang="ko-KR" altLang="en-US" dirty="0" smtClean="0">
-                <a:latin typeface="a옛날사진관4" pitchFamily="18" charset="-127"/>
-                <a:ea typeface="a옛날사진관4" pitchFamily="18" charset="-127"/>
-              </a:rPr>
-              <a:t>페이지로 이동한다</a:t>
-            </a:r>
-            <a:r>
-              <a:rPr lang="en-US" altLang="ko-KR" dirty="0" smtClean="0">
-                <a:latin typeface="a옛날사진관4" pitchFamily="18" charset="-127"/>
-                <a:ea typeface="a옛날사진관4" pitchFamily="18" charset="-127"/>
-              </a:rPr>
-              <a:t>.</a:t>
-            </a:r>
-          </a:p>
-        </p:txBody>
-      </p:sp>
-      <p:pic>
-        <p:nvPicPr>
-          <p:cNvPr id="4099" name="Picture 3" descr="C:\Users\DJA\Downloads\screencapture-localhost-view-user-signin-1515569451506.png"/>
-          <p:cNvPicPr>
-            <a:picLocks noChangeAspect="1" noChangeArrowheads="1"/>
-          </p:cNvPicPr>
-          <p:nvPr/>
-        </p:nvPicPr>
-        <p:blipFill>
-          <a:blip r:embed="rId2">
-            <a:extLst>
-              <a:ext uri="{28A0092B-C50C-407E-A947-70E740481C1C}">
-                <a14:useLocalDpi xmlns:a14="http://schemas.microsoft.com/office/drawing/2010/main" val="0"/>
-              </a:ext>
-            </a:extLst>
-          </a:blip>
-          <a:srcRect/>
-          <a:stretch>
-            <a:fillRect/>
-          </a:stretch>
-        </p:blipFill>
-        <p:spPr bwMode="auto">
-          <a:xfrm>
-            <a:off x="0" y="787838"/>
-            <a:ext cx="9144000" cy="4405313"/>
-          </a:xfrm>
-          <a:prstGeom prst="rect">
-            <a:avLst/>
-          </a:prstGeom>
-          <a:noFill/>
-          <a:ln>
-            <a:solidFill>
-              <a:schemeClr val="bg1">
-                <a:lumMod val="75000"/>
-              </a:schemeClr>
-            </a:solidFill>
-          </a:ln>
-          <a:extLst>
-            <a:ext uri="{909E8E84-426E-40DD-AFC4-6F175D3DCCD1}">
-              <a14:hiddenFill xmlns:a14="http://schemas.microsoft.com/office/drawing/2010/main">
-                <a:solidFill>
-                  <a:srgbClr val="FFFFFF"/>
-                </a:solidFill>
-              </a14:hiddenFill>
-            </a:ext>
-          </a:extLst>
-        </p:spPr>
-      </p:pic>
     </p:spTree>
     <p:extLst>
       <p:ext uri="{BB962C8B-B14F-4D97-AF65-F5344CB8AC3E}">
-        <p14:creationId xmlns:p14="http://schemas.microsoft.com/office/powerpoint/2010/main" val="2710222129"/>
+        <p14:creationId xmlns:p14="http://schemas.microsoft.com/office/powerpoint/2010/main" val="362054839"/>
       </p:ext>
     </p:extLst>
   </p:cSld>
@@ -3666,11 +3522,11 @@
           <a:lstStyle/>
           <a:p>
             <a:r>
-              <a:rPr lang="en-US" altLang="ko-KR" dirty="0">
+              <a:rPr lang="ko-KR" altLang="en-US" dirty="0" smtClean="0">
                 <a:latin typeface="a옛날목욕탕M" pitchFamily="18" charset="-127"/>
                 <a:ea typeface="a옛날목욕탕M" pitchFamily="18" charset="-127"/>
               </a:rPr>
-              <a:t>User List</a:t>
+              <a:t>화면 설명</a:t>
             </a:r>
             <a:endParaRPr lang="ko-KR" altLang="en-US" dirty="0">
               <a:latin typeface="a옛날목욕탕M" pitchFamily="18" charset="-127"/>
@@ -3710,9 +3566,123 @@
           </a:fontRef>
         </p:style>
       </p:cxnSp>
+      <p:sp>
+        <p:nvSpPr>
+          <p:cNvPr id="15" name="TextBox 14"/>
+          <p:cNvSpPr txBox="1"/>
+          <p:nvPr/>
+        </p:nvSpPr>
+        <p:spPr>
+          <a:xfrm>
+            <a:off x="1691680" y="5301208"/>
+            <a:ext cx="7200800" cy="923330"/>
+          </a:xfrm>
+          <a:prstGeom prst="rect">
+            <a:avLst/>
+          </a:prstGeom>
+          <a:noFill/>
+        </p:spPr>
+        <p:txBody>
+          <a:bodyPr wrap="square" rtlCol="0">
+            <a:spAutoFit/>
+          </a:bodyPr>
+          <a:lstStyle/>
+          <a:p>
+            <a:r>
+              <a:rPr lang="ko-KR" altLang="en-US" dirty="0" smtClean="0">
+                <a:latin typeface="a옛날사진관4" pitchFamily="18" charset="-127"/>
+                <a:ea typeface="a옛날사진관4" pitchFamily="18" charset="-127"/>
+              </a:rPr>
+              <a:t>상단에</a:t>
+            </a:r>
+            <a:r>
+              <a:rPr lang="ko-KR" altLang="en-US" dirty="0">
+                <a:latin typeface="a옛날사진관4" pitchFamily="18" charset="-127"/>
+                <a:ea typeface="a옛날사진관4" pitchFamily="18" charset="-127"/>
+              </a:rPr>
+              <a:t>는 </a:t>
+            </a:r>
+            <a:r>
+              <a:rPr lang="ko-KR" altLang="en-US" dirty="0" err="1" smtClean="0">
+                <a:latin typeface="a옛날사진관4" pitchFamily="18" charset="-127"/>
+                <a:ea typeface="a옛날사진관4" pitchFamily="18" charset="-127"/>
+              </a:rPr>
+              <a:t>매뉴바가</a:t>
+            </a:r>
+            <a:r>
+              <a:rPr lang="ko-KR" altLang="en-US" dirty="0" smtClean="0">
+                <a:latin typeface="a옛날사진관4" pitchFamily="18" charset="-127"/>
+                <a:ea typeface="a옛날사진관4" pitchFamily="18" charset="-127"/>
+              </a:rPr>
+              <a:t> 적용되어있으며</a:t>
+            </a:r>
+            <a:endParaRPr lang="en-US" altLang="ko-KR" dirty="0" smtClean="0">
+              <a:latin typeface="a옛날사진관4" pitchFamily="18" charset="-127"/>
+              <a:ea typeface="a옛날사진관4" pitchFamily="18" charset="-127"/>
+            </a:endParaRPr>
+          </a:p>
+          <a:p>
+            <a:r>
+              <a:rPr lang="en-US" altLang="ko-KR" dirty="0" smtClean="0">
+                <a:latin typeface="a옛날사진관4" pitchFamily="18" charset="-127"/>
+                <a:ea typeface="a옛날사진관4" pitchFamily="18" charset="-127"/>
+              </a:rPr>
+              <a:t>Body </a:t>
+            </a:r>
+            <a:r>
+              <a:rPr lang="ko-KR" altLang="en-US" dirty="0" smtClean="0">
+                <a:latin typeface="a옛날사진관4" pitchFamily="18" charset="-127"/>
+                <a:ea typeface="a옛날사진관4" pitchFamily="18" charset="-127"/>
+              </a:rPr>
+              <a:t>부분에는 백그라운드로 영상을 출력해주었다</a:t>
+            </a:r>
+            <a:r>
+              <a:rPr lang="en-US" altLang="ko-KR" dirty="0" smtClean="0">
+                <a:latin typeface="a옛날사진관4" pitchFamily="18" charset="-127"/>
+                <a:ea typeface="a옛날사진관4" pitchFamily="18" charset="-127"/>
+              </a:rPr>
+              <a:t>.</a:t>
+            </a:r>
+          </a:p>
+          <a:p>
+            <a:r>
+              <a:rPr lang="ko-KR" altLang="en-US" dirty="0" smtClean="0">
+                <a:latin typeface="a옛날사진관4" pitchFamily="18" charset="-127"/>
+                <a:ea typeface="a옛날사진관4" pitchFamily="18" charset="-127"/>
+              </a:rPr>
+              <a:t>또</a:t>
+            </a:r>
+            <a:r>
+              <a:rPr lang="ko-KR" altLang="en-US" dirty="0">
+                <a:latin typeface="a옛날사진관4" pitchFamily="18" charset="-127"/>
+                <a:ea typeface="a옛날사진관4" pitchFamily="18" charset="-127"/>
+              </a:rPr>
+              <a:t>한 </a:t>
+            </a:r>
+            <a:r>
+              <a:rPr lang="ko-KR" altLang="en-US" dirty="0" smtClean="0">
+                <a:latin typeface="a옛날사진관4" pitchFamily="18" charset="-127"/>
+                <a:ea typeface="a옛날사진관4" pitchFamily="18" charset="-127"/>
+              </a:rPr>
+              <a:t>환영 메시지로 유저의 이름을 출력하였다</a:t>
+            </a:r>
+            <a:r>
+              <a:rPr lang="en-US" altLang="ko-KR" dirty="0" smtClean="0">
+                <a:latin typeface="a옛날사진관4" pitchFamily="18" charset="-127"/>
+                <a:ea typeface="a옛날사진관4" pitchFamily="18" charset="-127"/>
+              </a:rPr>
+              <a:t>.</a:t>
+            </a:r>
+            <a:endParaRPr lang="ko-KR" altLang="en-US" dirty="0">
+              <a:latin typeface="a옛날사진관4" pitchFamily="18" charset="-127"/>
+              <a:ea typeface="a옛날사진관4" pitchFamily="18" charset="-127"/>
+            </a:endParaRPr>
+          </a:p>
+        </p:txBody>
+      </p:sp>
       <p:pic>
         <p:nvPicPr>
-          <p:cNvPr id="5122" name="Picture 2" descr="C:\Users\DJA\Downloads\screencapture-localhost-view-user-list-1515569571286.png"/>
+          <p:cNvPr id="2051" name="Picture 3" descr="C:\Users\DJA\Downloads\screencapture-localhost-1515568629566.png"/>
           <p:cNvPicPr>
             <a:picLocks noChangeAspect="1" noChangeArrowheads="1"/>
           </p:cNvPicPr>
@@ -3733,7 +3703,7 @@
         </p:blipFill>
         <p:spPr bwMode="auto">
           <a:xfrm>
-            <a:off x="0" y="787837"/>
+            <a:off x="0" y="787838"/>
             <a:ext cx="9144000" cy="4405313"/>
           </a:xfrm>
           <a:prstGeom prst="rect">
@@ -3758,93 +3728,10 @@
           </a:extLst>
         </p:spPr>
       </p:pic>
-      <p:sp>
-        <p:nvSpPr>
-          <p:cNvPr id="6" name="TextBox 5"/>
-          <p:cNvSpPr txBox="1"/>
-          <p:nvPr/>
-        </p:nvSpPr>
-        <p:spPr>
-          <a:xfrm>
-            <a:off x="1724345" y="5301208"/>
-            <a:ext cx="7200800" cy="646331"/>
-          </a:xfrm>
-          <a:prstGeom prst="rect">
-            <a:avLst/>
-          </a:prstGeom>
-          <a:noFill/>
-        </p:spPr>
-        <p:txBody>
-          <a:bodyPr wrap="square" rtlCol="0">
-            <a:spAutoFit/>
-          </a:bodyPr>
-          <a:lstStyle/>
-          <a:p>
-            <a:r>
-              <a:rPr lang="ko-KR" altLang="en-US" dirty="0" smtClean="0">
-                <a:latin typeface="a옛날사진관4" pitchFamily="18" charset="-127"/>
-                <a:ea typeface="a옛날사진관4" pitchFamily="18" charset="-127"/>
-              </a:rPr>
-              <a:t>오른쪽 위 검색 기능으로 원하는 값을 검색할 수 있다</a:t>
-            </a:r>
-            <a:r>
-              <a:rPr lang="en-US" altLang="ko-KR" dirty="0" smtClean="0">
-                <a:latin typeface="a옛날사진관4" pitchFamily="18" charset="-127"/>
-                <a:ea typeface="a옛날사진관4" pitchFamily="18" charset="-127"/>
-              </a:rPr>
-              <a:t>.</a:t>
-            </a:r>
-          </a:p>
-          <a:p>
-            <a:r>
-              <a:rPr lang="ko-KR" altLang="en-US" dirty="0" smtClean="0">
-                <a:latin typeface="a옛날사진관4" pitchFamily="18" charset="-127"/>
-                <a:ea typeface="a옛날사진관4" pitchFamily="18" charset="-127"/>
-              </a:rPr>
-              <a:t>각각</a:t>
-            </a:r>
-            <a:r>
-              <a:rPr lang="ko-KR" altLang="en-US" dirty="0">
-                <a:latin typeface="a옛날사진관4" pitchFamily="18" charset="-127"/>
-                <a:ea typeface="a옛날사진관4" pitchFamily="18" charset="-127"/>
-              </a:rPr>
-              <a:t>의 </a:t>
-            </a:r>
-            <a:r>
-              <a:rPr lang="ko-KR" altLang="en-US" dirty="0" smtClean="0">
-                <a:latin typeface="a옛날사진관4" pitchFamily="18" charset="-127"/>
-                <a:ea typeface="a옛날사진관4" pitchFamily="18" charset="-127"/>
-              </a:rPr>
-              <a:t>리스트의 </a:t>
-            </a:r>
-            <a:r>
-              <a:rPr lang="en-US" altLang="ko-KR" dirty="0" smtClean="0">
-                <a:latin typeface="a옛날사진관4" pitchFamily="18" charset="-127"/>
-                <a:ea typeface="a옛날사진관4" pitchFamily="18" charset="-127"/>
-              </a:rPr>
-              <a:t>* </a:t>
-            </a:r>
-            <a:r>
-              <a:rPr lang="ko-KR" altLang="en-US" dirty="0" smtClean="0">
-                <a:latin typeface="a옛날사진관4" pitchFamily="18" charset="-127"/>
-                <a:ea typeface="a옛날사진관4" pitchFamily="18" charset="-127"/>
-              </a:rPr>
-              <a:t>밑에 있는 버튼으로 수정과 삭제를 할 수 있다</a:t>
-            </a:r>
-            <a:r>
-              <a:rPr lang="en-US" altLang="ko-KR" dirty="0" smtClean="0">
-                <a:latin typeface="a옛날사진관4" pitchFamily="18" charset="-127"/>
-                <a:ea typeface="a옛날사진관4" pitchFamily="18" charset="-127"/>
-              </a:rPr>
-              <a:t>.</a:t>
-            </a:r>
-          </a:p>
-        </p:txBody>
-      </p:sp>
     </p:spTree>
     <p:extLst>
       <p:ext uri="{BB962C8B-B14F-4D97-AF65-F5344CB8AC3E}">
-        <p14:creationId xmlns:p14="http://schemas.microsoft.com/office/powerpoint/2010/main" val="1917544431"/>
+        <p14:creationId xmlns:p14="http://schemas.microsoft.com/office/powerpoint/2010/main" val="1295074175"/>
       </p:ext>
     </p:extLst>
   </p:cSld>
@@ -3925,11 +3812,18 @@
           <a:lstStyle/>
           <a:p>
             <a:r>
-              <a:rPr lang="en-US" altLang="ko-KR" dirty="0" smtClean="0">
+              <a:rPr lang="ko-KR" altLang="en-US" dirty="0" smtClean="0">
                 <a:latin typeface="a옛날목욕탕M" pitchFamily="18" charset="-127"/>
                 <a:ea typeface="a옛날목욕탕M" pitchFamily="18" charset="-127"/>
               </a:rPr>
-              <a:t>Class List</a:t>
+              <a:t>코드 </a:t>
+            </a:r>
+            <a:r>
+              <a:rPr lang="ko-KR" altLang="en-US" dirty="0" smtClean="0">
+                <a:latin typeface="a옛날목욕탕M" pitchFamily="18" charset="-127"/>
+                <a:ea typeface="a옛날목욕탕M" pitchFamily="18" charset="-127"/>
+              </a:rPr>
+              <a:t>설명</a:t>
             </a:r>
             <a:endParaRPr lang="ko-KR" altLang="en-US" dirty="0">
               <a:latin typeface="a옛날목욕탕M" pitchFamily="18" charset="-127"/>
@@ -3971,7 +3865,7 @@
       </p:cxnSp>
       <p:pic>
         <p:nvPicPr>
-          <p:cNvPr id="6146" name="Picture 2" descr="C:\Users\DJA\Downloads\screencapture-localhost-view-class-list-1515569901225.png"/>
+          <p:cNvPr id="3074" name="Picture 2" descr="D:\iot_study\workspace\git\iot_jsp\iot_jsp2\iot_jsp_page\index.PNG"/>
           <p:cNvPicPr>
             <a:picLocks noChangeAspect="1" noChangeArrowheads="1"/>
           </p:cNvPicPr>
@@ -3992,19 +3886,15 @@
         </p:blipFill>
         <p:spPr bwMode="auto">
           <a:xfrm>
-            <a:off x="0" y="787838"/>
-            <a:ext cx="9144000" cy="4405313"/>
+            <a:off x="73061" y="1268760"/>
+            <a:ext cx="5859462" cy="2505075"/>
           </a:xfrm>
           <a:prstGeom prst="rect">
             <a:avLst/>
           </a:prstGeom>
           <a:noFill/>
           <a:ln>
-            <a:solidFill>
-              <a:schemeClr val="bg1">
-                <a:lumMod val="75000"/>
-              </a:schemeClr>
-            </a:solidFill>
+            <a:noFill/>
           </a:ln>
           <a:extLst>
             <a:ext uri="{909E8E84-426E-40DD-AFC4-6F175D3DCCD1}">
@@ -4019,14 +3909,14 @@
       </p:pic>
       <p:sp>
         <p:nvSpPr>
-          <p:cNvPr id="6" name="TextBox 5"/>
+          <p:cNvPr id="2" name="TextBox 1"/>
           <p:cNvSpPr txBox="1"/>
           <p:nvPr/>
         </p:nvSpPr>
         <p:spPr>
           <a:xfrm>
-            <a:off x="1724345" y="5301208"/>
-            <a:ext cx="7200800" cy="369332"/>
+            <a:off x="3923928" y="1634627"/>
+            <a:ext cx="5040560" cy="323165"/>
           </a:xfrm>
           <a:prstGeom prst="rect">
             <a:avLst/>
@@ -4040,58 +3930,190 @@
           <a:lstStyle/>
           <a:p>
             <a:r>
-              <a:rPr lang="ko-KR" altLang="en-US" dirty="0" smtClean="0">
-                <a:latin typeface="a옛날사진관4" pitchFamily="18" charset="-127"/>
-                <a:ea typeface="a옛날사진관4" pitchFamily="18" charset="-127"/>
-              </a:rPr>
-              <a:t>리스</a:t>
-            </a:r>
-            <a:r>
-              <a:rPr lang="ko-KR" altLang="en-US" dirty="0">
-                <a:latin typeface="a옛날사진관4" pitchFamily="18" charset="-127"/>
-                <a:ea typeface="a옛날사진관4" pitchFamily="18" charset="-127"/>
-              </a:rPr>
-              <a:t>트 </a:t>
-            </a:r>
-            <a:r>
-              <a:rPr lang="ko-KR" altLang="en-US" dirty="0" smtClean="0">
-                <a:latin typeface="a옛날사진관4" pitchFamily="18" charset="-127"/>
-                <a:ea typeface="a옛날사진관4" pitchFamily="18" charset="-127"/>
-              </a:rPr>
-              <a:t>하단의 </a:t>
-            </a:r>
-            <a:r>
-              <a:rPr lang="en-US" altLang="ko-KR" dirty="0" smtClean="0">
-                <a:latin typeface="a옛날사진관4" pitchFamily="18" charset="-127"/>
-                <a:ea typeface="a옛날사진관4" pitchFamily="18" charset="-127"/>
-              </a:rPr>
-              <a:t>+</a:t>
-            </a:r>
-            <a:r>
-              <a:rPr lang="ko-KR" altLang="en-US" dirty="0" smtClean="0">
-                <a:latin typeface="a옛날사진관4" pitchFamily="18" charset="-127"/>
-                <a:ea typeface="a옛날사진관4" pitchFamily="18" charset="-127"/>
-              </a:rPr>
-              <a:t>버튼으로 반을 추가할 수 있다</a:t>
-            </a:r>
-            <a:r>
-              <a:rPr lang="en-US" altLang="ko-KR" dirty="0" smtClean="0">
+              <a:rPr lang="en-US" altLang="ko-KR" sz="1500" dirty="0" err="1" smtClean="0">
+                <a:latin typeface="a옛날사진관4" pitchFamily="18" charset="-127"/>
+                <a:ea typeface="a옛날사진관4" pitchFamily="18" charset="-127"/>
+              </a:rPr>
+              <a:t>Common.jspl</a:t>
+            </a:r>
+            <a:r>
+              <a:rPr lang="ko-KR" altLang="en-US" sz="1500" dirty="0">
+                <a:latin typeface="a옛날사진관4" pitchFamily="18" charset="-127"/>
+                <a:ea typeface="a옛날사진관4" pitchFamily="18" charset="-127"/>
+              </a:rPr>
+              <a:t>의 </a:t>
+            </a:r>
+            <a:r>
+              <a:rPr lang="ko-KR" altLang="en-US" sz="1500" dirty="0" smtClean="0">
+                <a:latin typeface="a옛날사진관4" pitchFamily="18" charset="-127"/>
+                <a:ea typeface="a옛날사진관4" pitchFamily="18" charset="-127"/>
+              </a:rPr>
+              <a:t>변수를 사용하여 이름을 받아온다</a:t>
+            </a:r>
+            <a:r>
+              <a:rPr lang="en-US" altLang="ko-KR" sz="1500" dirty="0" smtClean="0">
                 <a:latin typeface="a옛날사진관4" pitchFamily="18" charset="-127"/>
                 <a:ea typeface="a옛날사진관4" pitchFamily="18" charset="-127"/>
               </a:rPr>
               <a:t>.</a:t>
             </a:r>
-            <a:endParaRPr lang="en-US" altLang="ko-KR" dirty="0" smtClean="0">
+            <a:endParaRPr lang="ko-KR" altLang="en-US" sz="1500" dirty="0">
               <a:latin typeface="a옛날사진관4" pitchFamily="18" charset="-127"/>
               <a:ea typeface="a옛날사진관4" pitchFamily="18" charset="-127"/>
             </a:endParaRPr>
           </a:p>
         </p:txBody>
       </p:sp>
+      <p:cxnSp>
+        <p:nvCxnSpPr>
+          <p:cNvPr id="4" name="직선 연결선 3"/>
+          <p:cNvCxnSpPr>
+            <a:endCxn id="2" idx="1"/>
+          </p:cNvCxnSpPr>
+          <p:nvPr/>
+        </p:nvCxnSpPr>
+        <p:spPr>
+          <a:xfrm flipV="1">
+            <a:off x="2915816" y="1796210"/>
+            <a:ext cx="1008112" cy="161582"/>
+          </a:xfrm>
+          <a:prstGeom prst="line">
+            <a:avLst/>
+          </a:prstGeom>
+          <a:ln>
+            <a:solidFill>
+              <a:schemeClr val="tx2">
+                <a:lumMod val="60000"/>
+                <a:lumOff val="40000"/>
+              </a:schemeClr>
+            </a:solidFill>
+          </a:ln>
+          <a:effectLst/>
+        </p:spPr>
+        <p:style>
+          <a:lnRef idx="3">
+            <a:schemeClr val="accent1"/>
+          </a:lnRef>
+          <a:fillRef idx="0">
+            <a:schemeClr val="accent1"/>
+          </a:fillRef>
+          <a:effectRef idx="2">
+            <a:schemeClr val="accent1"/>
+          </a:effectRef>
+          <a:fontRef idx="minor">
+            <a:schemeClr val="tx1"/>
+          </a:fontRef>
+        </p:style>
+      </p:cxnSp>
+      <p:sp>
+        <p:nvSpPr>
+          <p:cNvPr id="6" name="TextBox 5"/>
+          <p:cNvSpPr txBox="1"/>
+          <p:nvPr/>
+        </p:nvSpPr>
+        <p:spPr>
+          <a:xfrm>
+            <a:off x="4716016" y="3717032"/>
+            <a:ext cx="3960440" cy="323165"/>
+          </a:xfrm>
+          <a:prstGeom prst="rect">
+            <a:avLst/>
+          </a:prstGeom>
+          <a:noFill/>
+        </p:spPr>
+        <p:txBody>
+          <a:bodyPr wrap="square" rtlCol="0">
+            <a:spAutoFit/>
+          </a:bodyPr>
+          <a:lstStyle/>
+          <a:p>
+            <a:r>
+              <a:rPr lang="en-US" altLang="ko-KR" sz="1500" dirty="0" err="1" smtClean="0">
+                <a:latin typeface="a옛날사진관4" pitchFamily="18" charset="-127"/>
+                <a:ea typeface="a옛날사진관4" pitchFamily="18" charset="-127"/>
+              </a:rPr>
+              <a:t>Iframe</a:t>
+            </a:r>
+            <a:r>
+              <a:rPr lang="ko-KR" altLang="en-US" sz="1500" dirty="0" smtClean="0">
+                <a:latin typeface="a옛날사진관4" pitchFamily="18" charset="-127"/>
+                <a:ea typeface="a옛날사진관4" pitchFamily="18" charset="-127"/>
+              </a:rPr>
+              <a:t>을 이용하여 </a:t>
+            </a:r>
+            <a:r>
+              <a:rPr lang="ko-KR" altLang="en-US" sz="1500" dirty="0" err="1" smtClean="0">
+                <a:latin typeface="a옛날사진관4" pitchFamily="18" charset="-127"/>
+                <a:ea typeface="a옛날사진관4" pitchFamily="18" charset="-127"/>
+              </a:rPr>
+              <a:t>유튜브</a:t>
+            </a:r>
+            <a:r>
+              <a:rPr lang="ko-KR" altLang="en-US" sz="1500" dirty="0" smtClean="0">
+                <a:latin typeface="a옛날사진관4" pitchFamily="18" charset="-127"/>
+                <a:ea typeface="a옛날사진관4" pitchFamily="18" charset="-127"/>
+              </a:rPr>
+              <a:t> 영상을 받아온다</a:t>
+            </a:r>
+            <a:r>
+              <a:rPr lang="en-US" altLang="ko-KR" sz="1500" dirty="0" smtClean="0">
+                <a:latin typeface="a옛날사진관4" pitchFamily="18" charset="-127"/>
+                <a:ea typeface="a옛날사진관4" pitchFamily="18" charset="-127"/>
+              </a:rPr>
+              <a:t>.</a:t>
+            </a:r>
+            <a:endParaRPr lang="ko-KR" altLang="en-US" sz="1500" dirty="0">
+              <a:latin typeface="a옛날사진관4" pitchFamily="18" charset="-127"/>
+              <a:ea typeface="a옛날사진관4" pitchFamily="18" charset="-127"/>
+            </a:endParaRPr>
+          </a:p>
+        </p:txBody>
+      </p:sp>
+      <p:cxnSp>
+        <p:nvCxnSpPr>
+          <p:cNvPr id="8" name="직선 연결선 7"/>
+          <p:cNvCxnSpPr>
+            <a:endCxn id="6" idx="1"/>
+          </p:cNvCxnSpPr>
+          <p:nvPr/>
+        </p:nvCxnSpPr>
+        <p:spPr>
+          <a:xfrm>
+            <a:off x="3275856" y="3212976"/>
+            <a:ext cx="1440160" cy="665639"/>
+          </a:xfrm>
+          <a:prstGeom prst="line">
+            <a:avLst/>
+          </a:prstGeom>
+          <a:ln>
+            <a:solidFill>
+              <a:schemeClr val="tx2">
+                <a:lumMod val="60000"/>
+                <a:lumOff val="40000"/>
+              </a:schemeClr>
+            </a:solidFill>
+          </a:ln>
+          <a:effectLst/>
+        </p:spPr>
+        <p:style>
+          <a:lnRef idx="3">
+            <a:schemeClr val="accent1"/>
+          </a:lnRef>
+          <a:fillRef idx="0">
+            <a:schemeClr val="accent1"/>
+          </a:fillRef>
+          <a:effectRef idx="2">
+            <a:schemeClr val="accent1"/>
+          </a:effectRef>
+          <a:fontRef idx="minor">
+            <a:schemeClr val="tx1"/>
+          </a:fontRef>
+        </p:style>
+      </p:cxnSp>
     </p:spTree>
     <p:extLst>
       <p:ext uri="{BB962C8B-B14F-4D97-AF65-F5344CB8AC3E}">
-        <p14:creationId xmlns:p14="http://schemas.microsoft.com/office/powerpoint/2010/main" val="1731848282"/>
+        <p14:creationId xmlns:p14="http://schemas.microsoft.com/office/powerpoint/2010/main" val="2852993343"/>
       </p:ext>
     </p:extLst>
   </p:cSld>
@@ -4126,8 +4148,8 @@
         </p:nvCxnSpPr>
         <p:spPr>
           <a:xfrm>
-            <a:off x="1691680" y="2708920"/>
-            <a:ext cx="5760640" cy="0"/>
+            <a:off x="-180528" y="404664"/>
+            <a:ext cx="1296144" cy="0"/>
           </a:xfrm>
           <a:prstGeom prst="line">
             <a:avLst/>
@@ -4151,14 +4173,14 @@
       </p:cxnSp>
       <p:sp>
         <p:nvSpPr>
-          <p:cNvPr id="8" name="TextBox 7"/>
+          <p:cNvPr id="9" name="TextBox 8"/>
           <p:cNvSpPr txBox="1"/>
           <p:nvPr/>
         </p:nvSpPr>
         <p:spPr>
           <a:xfrm>
-            <a:off x="1728700" y="1844824"/>
-            <a:ext cx="5688632" cy="630942"/>
+            <a:off x="107504" y="418506"/>
+            <a:ext cx="2808312" cy="369332"/>
           </a:xfrm>
           <a:prstGeom prst="rect">
             <a:avLst/>
@@ -4171,25 +4193,415 @@
           </a:bodyPr>
           <a:lstStyle/>
           <a:p>
-            <a:pPr algn="ctr"/>
-            <a:r>
-              <a:rPr lang="ko-KR" altLang="en-US" sz="3500" dirty="0" smtClean="0">
-                <a:latin typeface="a옛날목욕탕L" pitchFamily="18" charset="-127"/>
-                <a:ea typeface="a옛날목욕탕L" pitchFamily="18" charset="-127"/>
-              </a:rPr>
-              <a:t>화면 구조 설명</a:t>
-            </a:r>
-            <a:endParaRPr lang="en-US" altLang="ko-KR" sz="3500" dirty="0" smtClean="0">
-              <a:latin typeface="a옛날목욕탕L" pitchFamily="18" charset="-127"/>
-              <a:ea typeface="a옛날목욕탕L" pitchFamily="18" charset="-127"/>
+            <a:r>
+              <a:rPr lang="en-US" altLang="ko-KR" dirty="0" err="1" smtClean="0">
+                <a:latin typeface="a옛날목욕탕M" pitchFamily="18" charset="-127"/>
+                <a:ea typeface="a옛날목욕탕M" pitchFamily="18" charset="-127"/>
+              </a:rPr>
+              <a:t>Iframe</a:t>
+            </a:r>
+            <a:r>
+              <a:rPr lang="en-US" altLang="ko-KR" dirty="0" smtClean="0">
+                <a:latin typeface="a옛날목욕탕M" pitchFamily="18" charset="-127"/>
+                <a:ea typeface="a옛날목욕탕M" pitchFamily="18" charset="-127"/>
+              </a:rPr>
+              <a:t> </a:t>
+            </a:r>
+            <a:r>
+              <a:rPr lang="ko-KR" altLang="en-US" dirty="0" smtClean="0">
+                <a:latin typeface="a옛날목욕탕M" pitchFamily="18" charset="-127"/>
+                <a:ea typeface="a옛날목욕탕M" pitchFamily="18" charset="-127"/>
+              </a:rPr>
+              <a:t>설명</a:t>
+            </a:r>
+            <a:endParaRPr lang="ko-KR" altLang="en-US" dirty="0">
+              <a:latin typeface="a옛날목욕탕M" pitchFamily="18" charset="-127"/>
+              <a:ea typeface="a옛날목욕탕M" pitchFamily="18" charset="-127"/>
             </a:endParaRPr>
           </a:p>
         </p:txBody>
       </p:sp>
+      <p:cxnSp>
+        <p:nvCxnSpPr>
+          <p:cNvPr id="10" name="직선 연결선 9"/>
+          <p:cNvCxnSpPr/>
+          <p:nvPr/>
+        </p:nvCxnSpPr>
+        <p:spPr>
+          <a:xfrm>
+            <a:off x="1835696" y="6525344"/>
+            <a:ext cx="7416824" cy="0"/>
+          </a:xfrm>
+          <a:prstGeom prst="line">
+            <a:avLst/>
+          </a:prstGeom>
+          <a:effectLst/>
+        </p:spPr>
+        <p:style>
+          <a:lnRef idx="3">
+            <a:schemeClr val="accent1"/>
+          </a:lnRef>
+          <a:fillRef idx="0">
+            <a:schemeClr val="accent1"/>
+          </a:fillRef>
+          <a:effectRef idx="2">
+            <a:schemeClr val="accent1"/>
+          </a:effectRef>
+          <a:fontRef idx="minor">
+            <a:schemeClr val="tx1"/>
+          </a:fontRef>
+        </p:style>
+      </p:cxnSp>
+      <p:pic>
+        <p:nvPicPr>
+          <p:cNvPr id="4098" name="Picture 2" descr="D:\iot_study\workspace\git\iot_jsp\iot_jsp2\iot_jsp_page\index_iframe.PNG"/>
+          <p:cNvPicPr>
+            <a:picLocks noChangeAspect="1" noChangeArrowheads="1"/>
+          </p:cNvPicPr>
+          <p:nvPr/>
+        </p:nvPicPr>
+        <p:blipFill rotWithShape="1">
+          <a:blip r:embed="rId2">
+            <a:extLst>
+              <a:ext uri="{28A0092B-C50C-407E-A947-70E740481C1C}">
+                <a14:useLocalDpi xmlns:a14="http://schemas.microsoft.com/office/drawing/2010/main" val="0"/>
+              </a:ext>
+            </a:extLst>
+          </a:blip>
+          <a:srcRect l="-3" r="-887" b="21764"/>
+          <a:stretch/>
+        </p:blipFill>
+        <p:spPr bwMode="auto">
+          <a:xfrm>
+            <a:off x="530770" y="1052735"/>
+            <a:ext cx="3060000" cy="3672000"/>
+          </a:xfrm>
+          <a:prstGeom prst="rect">
+            <a:avLst/>
+          </a:prstGeom>
+          <a:noFill/>
+          <a:extLst>
+            <a:ext uri="{909E8E84-426E-40DD-AFC4-6F175D3DCCD1}">
+              <a14:hiddenFill xmlns:a14="http://schemas.microsoft.com/office/drawing/2010/main">
+                <a:solidFill>
+                  <a:srgbClr val="FFFFFF"/>
+                </a:solidFill>
+              </a14:hiddenFill>
+            </a:ext>
+          </a:extLst>
+        </p:spPr>
+      </p:pic>
+      <p:sp>
+        <p:nvSpPr>
+          <p:cNvPr id="2" name="TextBox 1"/>
+          <p:cNvSpPr txBox="1"/>
+          <p:nvPr/>
+        </p:nvSpPr>
+        <p:spPr>
+          <a:xfrm>
+            <a:off x="3563887" y="1020053"/>
+            <a:ext cx="4464497" cy="323165"/>
+          </a:xfrm>
+          <a:prstGeom prst="rect">
+            <a:avLst/>
+          </a:prstGeom>
+          <a:noFill/>
+        </p:spPr>
+        <p:txBody>
+          <a:bodyPr wrap="square" rtlCol="0">
+            <a:spAutoFit/>
+          </a:bodyPr>
+          <a:lstStyle/>
+          <a:p>
+            <a:r>
+              <a:rPr lang="ko-KR" altLang="en-US" sz="1500" dirty="0" smtClean="0">
+                <a:latin typeface="a옛날사진관4" pitchFamily="18" charset="-127"/>
+                <a:ea typeface="a옛날사진관4" pitchFamily="18" charset="-127"/>
+              </a:rPr>
+              <a:t>영상을 화면 전체에 채우고 고정하기 위한 코드이다</a:t>
+            </a:r>
+            <a:r>
+              <a:rPr lang="en-US" altLang="ko-KR" sz="1500" dirty="0" smtClean="0">
+                <a:latin typeface="a옛날사진관4" pitchFamily="18" charset="-127"/>
+                <a:ea typeface="a옛날사진관4" pitchFamily="18" charset="-127"/>
+              </a:rPr>
+              <a:t>.</a:t>
+            </a:r>
+            <a:endParaRPr lang="ko-KR" altLang="en-US" sz="1500" dirty="0">
+              <a:latin typeface="a옛날사진관4" pitchFamily="18" charset="-127"/>
+              <a:ea typeface="a옛날사진관4" pitchFamily="18" charset="-127"/>
+            </a:endParaRPr>
+          </a:p>
+        </p:txBody>
+      </p:sp>
+      <p:cxnSp>
+        <p:nvCxnSpPr>
+          <p:cNvPr id="4" name="직선 연결선 3"/>
+          <p:cNvCxnSpPr>
+            <a:endCxn id="2" idx="1"/>
+          </p:cNvCxnSpPr>
+          <p:nvPr/>
+        </p:nvCxnSpPr>
+        <p:spPr>
+          <a:xfrm>
+            <a:off x="1835696" y="1181635"/>
+            <a:ext cx="1728191" cy="1"/>
+          </a:xfrm>
+          <a:prstGeom prst="line">
+            <a:avLst/>
+          </a:prstGeom>
+          <a:ln>
+            <a:solidFill>
+              <a:schemeClr val="tx2">
+                <a:lumMod val="60000"/>
+                <a:lumOff val="40000"/>
+              </a:schemeClr>
+            </a:solidFill>
+          </a:ln>
+          <a:effectLst/>
+        </p:spPr>
+        <p:style>
+          <a:lnRef idx="3">
+            <a:schemeClr val="accent1"/>
+          </a:lnRef>
+          <a:fillRef idx="0">
+            <a:schemeClr val="accent1"/>
+          </a:fillRef>
+          <a:effectRef idx="2">
+            <a:schemeClr val="accent1"/>
+          </a:effectRef>
+          <a:fontRef idx="minor">
+            <a:schemeClr val="tx1"/>
+          </a:fontRef>
+        </p:style>
+      </p:cxnSp>
+      <p:sp>
+        <p:nvSpPr>
+          <p:cNvPr id="6" name="TextBox 5"/>
+          <p:cNvSpPr txBox="1"/>
+          <p:nvPr/>
+        </p:nvSpPr>
+        <p:spPr>
+          <a:xfrm>
+            <a:off x="4932040" y="2475330"/>
+            <a:ext cx="3384376" cy="323165"/>
+          </a:xfrm>
+          <a:prstGeom prst="rect">
+            <a:avLst/>
+          </a:prstGeom>
+          <a:noFill/>
+        </p:spPr>
+        <p:txBody>
+          <a:bodyPr wrap="square" rtlCol="0">
+            <a:spAutoFit/>
+          </a:bodyPr>
+          <a:lstStyle/>
+          <a:p>
+            <a:r>
+              <a:rPr lang="en-US" altLang="ko-KR" sz="1500" dirty="0" err="1" smtClean="0">
+                <a:latin typeface="a옛날사진관4" pitchFamily="18" charset="-127"/>
+                <a:ea typeface="a옛날사진관4" pitchFamily="18" charset="-127"/>
+              </a:rPr>
+              <a:t>Iframe</a:t>
+            </a:r>
+            <a:r>
+              <a:rPr lang="ko-KR" altLang="en-US" sz="1500" dirty="0" smtClean="0">
+                <a:latin typeface="a옛날사진관4" pitchFamily="18" charset="-127"/>
+                <a:ea typeface="a옛날사진관4" pitchFamily="18" charset="-127"/>
+              </a:rPr>
+              <a:t>위치</a:t>
+            </a:r>
+            <a:r>
+              <a:rPr lang="ko-KR" altLang="en-US" sz="1500" dirty="0">
+                <a:latin typeface="a옛날사진관4" pitchFamily="18" charset="-127"/>
+                <a:ea typeface="a옛날사진관4" pitchFamily="18" charset="-127"/>
+              </a:rPr>
+              <a:t>를 </a:t>
+            </a:r>
+            <a:r>
+              <a:rPr lang="ko-KR" altLang="en-US" sz="1500" dirty="0" smtClean="0">
+                <a:latin typeface="a옛날사진관4" pitchFamily="18" charset="-127"/>
+                <a:ea typeface="a옛날사진관4" pitchFamily="18" charset="-127"/>
+              </a:rPr>
+              <a:t>조정하기 위한 코드이다</a:t>
+            </a:r>
+            <a:r>
+              <a:rPr lang="en-US" altLang="ko-KR" sz="1500" dirty="0" smtClean="0">
+                <a:latin typeface="a옛날사진관4" pitchFamily="18" charset="-127"/>
+                <a:ea typeface="a옛날사진관4" pitchFamily="18" charset="-127"/>
+              </a:rPr>
+              <a:t>.</a:t>
+            </a:r>
+            <a:endParaRPr lang="ko-KR" altLang="en-US" sz="1500" dirty="0">
+              <a:latin typeface="a옛날사진관4" pitchFamily="18" charset="-127"/>
+              <a:ea typeface="a옛날사진관4" pitchFamily="18" charset="-127"/>
+            </a:endParaRPr>
+          </a:p>
+        </p:txBody>
+      </p:sp>
+      <p:cxnSp>
+        <p:nvCxnSpPr>
+          <p:cNvPr id="13" name="직선 연결선 12"/>
+          <p:cNvCxnSpPr>
+            <a:endCxn id="6" idx="1"/>
+          </p:cNvCxnSpPr>
+          <p:nvPr/>
+        </p:nvCxnSpPr>
+        <p:spPr>
+          <a:xfrm>
+            <a:off x="3563887" y="2636912"/>
+            <a:ext cx="1368153" cy="1"/>
+          </a:xfrm>
+          <a:prstGeom prst="line">
+            <a:avLst/>
+          </a:prstGeom>
+          <a:ln>
+            <a:solidFill>
+              <a:schemeClr val="tx2">
+                <a:lumMod val="60000"/>
+                <a:lumOff val="40000"/>
+              </a:schemeClr>
+            </a:solidFill>
+          </a:ln>
+          <a:effectLst/>
+        </p:spPr>
+        <p:style>
+          <a:lnRef idx="3">
+            <a:schemeClr val="accent1"/>
+          </a:lnRef>
+          <a:fillRef idx="0">
+            <a:schemeClr val="accent1"/>
+          </a:fillRef>
+          <a:effectRef idx="2">
+            <a:schemeClr val="accent1"/>
+          </a:effectRef>
+          <a:fontRef idx="minor">
+            <a:schemeClr val="tx1"/>
+          </a:fontRef>
+        </p:style>
+      </p:cxnSp>
+      <p:sp>
+        <p:nvSpPr>
+          <p:cNvPr id="15" name="TextBox 14"/>
+          <p:cNvSpPr txBox="1"/>
+          <p:nvPr/>
+        </p:nvSpPr>
+        <p:spPr>
+          <a:xfrm>
+            <a:off x="4716016" y="3645024"/>
+            <a:ext cx="3816424" cy="553998"/>
+          </a:xfrm>
+          <a:prstGeom prst="rect">
+            <a:avLst/>
+          </a:prstGeom>
+          <a:noFill/>
+        </p:spPr>
+        <p:txBody>
+          <a:bodyPr wrap="square" rtlCol="0">
+            <a:spAutoFit/>
+          </a:bodyPr>
+          <a:lstStyle/>
+          <a:p>
+            <a:r>
+              <a:rPr lang="ko-KR" altLang="en-US" sz="1500" dirty="0" err="1" smtClean="0">
+                <a:latin typeface="a옛날사진관4" pitchFamily="18" charset="-127"/>
+                <a:ea typeface="a옛날사진관4" pitchFamily="18" charset="-127"/>
+              </a:rPr>
+              <a:t>뷰</a:t>
+            </a:r>
+            <a:r>
+              <a:rPr lang="ko-KR" altLang="en-US" sz="1500" dirty="0" smtClean="0">
+                <a:latin typeface="a옛날사진관4" pitchFamily="18" charset="-127"/>
+                <a:ea typeface="a옛날사진관4" pitchFamily="18" charset="-127"/>
+              </a:rPr>
+              <a:t> 포트 너비가 </a:t>
+            </a:r>
+            <a:r>
+              <a:rPr lang="en-US" altLang="ko-KR" sz="1500" dirty="0" smtClean="0">
+                <a:latin typeface="a옛날사진관4" pitchFamily="18" charset="-127"/>
+                <a:ea typeface="a옛날사진관4" pitchFamily="18" charset="-127"/>
+              </a:rPr>
+              <a:t>16/9 </a:t>
+            </a:r>
+            <a:r>
+              <a:rPr lang="ko-KR" altLang="en-US" sz="1500" dirty="0" smtClean="0">
+                <a:latin typeface="a옛날사진관4" pitchFamily="18" charset="-127"/>
+                <a:ea typeface="a옛날사진관4" pitchFamily="18" charset="-127"/>
+              </a:rPr>
+              <a:t>비율일 때 </a:t>
+            </a:r>
+            <a:endParaRPr lang="en-US" altLang="ko-KR" sz="1500" dirty="0" smtClean="0">
+              <a:latin typeface="a옛날사진관4" pitchFamily="18" charset="-127"/>
+              <a:ea typeface="a옛날사진관4" pitchFamily="18" charset="-127"/>
+            </a:endParaRPr>
+          </a:p>
+          <a:p>
+            <a:r>
+              <a:rPr lang="ko-KR" altLang="en-US" sz="1500" dirty="0" smtClean="0">
+                <a:latin typeface="a옛날사진관4" pitchFamily="18" charset="-127"/>
+                <a:ea typeface="a옛날사진관4" pitchFamily="18" charset="-127"/>
+              </a:rPr>
+              <a:t>실행하는 코드이다</a:t>
+            </a:r>
+            <a:r>
+              <a:rPr lang="en-US" altLang="ko-KR" sz="1500" dirty="0" smtClean="0">
+                <a:latin typeface="a옛날사진관4" pitchFamily="18" charset="-127"/>
+                <a:ea typeface="a옛날사진관4" pitchFamily="18" charset="-127"/>
+              </a:rPr>
+              <a:t>.</a:t>
+            </a:r>
+            <a:endParaRPr lang="ko-KR" altLang="en-US" sz="1500" dirty="0">
+              <a:latin typeface="a옛날사진관4" pitchFamily="18" charset="-127"/>
+              <a:ea typeface="a옛날사진관4" pitchFamily="18" charset="-127"/>
+            </a:endParaRPr>
+          </a:p>
+        </p:txBody>
+      </p:sp>
+      <p:cxnSp>
+        <p:nvCxnSpPr>
+          <p:cNvPr id="18" name="직선 연결선 17"/>
+          <p:cNvCxnSpPr>
+            <a:endCxn id="15" idx="1"/>
+          </p:cNvCxnSpPr>
+          <p:nvPr/>
+        </p:nvCxnSpPr>
+        <p:spPr>
+          <a:xfrm>
+            <a:off x="2915816" y="3922023"/>
+            <a:ext cx="1800200" cy="0"/>
+          </a:xfrm>
+          <a:prstGeom prst="line">
+            <a:avLst/>
+          </a:prstGeom>
+          <a:ln>
+            <a:solidFill>
+              <a:schemeClr val="tx2">
+                <a:lumMod val="60000"/>
+                <a:lumOff val="40000"/>
+              </a:schemeClr>
+            </a:solidFill>
+          </a:ln>
+          <a:effectLst/>
+        </p:spPr>
+        <p:style>
+          <a:lnRef idx="3">
+            <a:schemeClr val="accent1"/>
+          </a:lnRef>
+          <a:fillRef idx="0">
+            <a:schemeClr val="accent1"/>
+          </a:fillRef>
+          <a:effectRef idx="2">
+            <a:schemeClr val="accent1"/>
+          </a:effectRef>
+          <a:fontRef idx="minor">
+            <a:schemeClr val="tx1"/>
+          </a:fontRef>
+        </p:style>
+      </p:cxnSp>
     </p:spTree>
     <p:extLst>
       <p:ext uri="{BB962C8B-B14F-4D97-AF65-F5344CB8AC3E}">
-        <p14:creationId xmlns:p14="http://schemas.microsoft.com/office/powerpoint/2010/main" val="362054839"/>
+        <p14:creationId xmlns:p14="http://schemas.microsoft.com/office/powerpoint/2010/main" val="485205423"/>
       </p:ext>
     </p:extLst>
   </p:cSld>
@@ -4224,8 +4636,8 @@
         </p:nvCxnSpPr>
         <p:spPr>
           <a:xfrm>
-            <a:off x="-180528" y="404664"/>
-            <a:ext cx="1296144" cy="0"/>
+            <a:off x="1691680" y="2708920"/>
+            <a:ext cx="5760640" cy="0"/>
           </a:xfrm>
           <a:prstGeom prst="line">
             <a:avLst/>
@@ -4249,14 +4661,14 @@
       </p:cxnSp>
       <p:sp>
         <p:nvSpPr>
-          <p:cNvPr id="9" name="TextBox 8"/>
+          <p:cNvPr id="8" name="TextBox 7"/>
           <p:cNvSpPr txBox="1"/>
           <p:nvPr/>
         </p:nvSpPr>
         <p:spPr>
           <a:xfrm>
-            <a:off x="107504" y="418506"/>
-            <a:ext cx="2808312" cy="369332"/>
+            <a:off x="1728700" y="1844824"/>
+            <a:ext cx="5688632" cy="630942"/>
           </a:xfrm>
           <a:prstGeom prst="rect">
             <a:avLst/>
@@ -4269,76 +4681,32 @@
           </a:bodyPr>
           <a:lstStyle/>
           <a:p>
-            <a:r>
-              <a:rPr lang="en-US" altLang="ko-KR" dirty="0" smtClean="0">
-                <a:latin typeface="a옛날목욕탕M" pitchFamily="18" charset="-127"/>
-                <a:ea typeface="a옛날목욕탕M" pitchFamily="18" charset="-127"/>
-              </a:rPr>
-              <a:t>Index </a:t>
-            </a:r>
-            <a:r>
-              <a:rPr lang="ko-KR" altLang="en-US" dirty="0" smtClean="0">
-                <a:latin typeface="a옛날목욕탕M" pitchFamily="18" charset="-127"/>
-                <a:ea typeface="a옛날목욕탕M" pitchFamily="18" charset="-127"/>
-              </a:rPr>
-              <a:t>페이</a:t>
-            </a:r>
-            <a:r>
-              <a:rPr lang="ko-KR" altLang="en-US" dirty="0">
-                <a:latin typeface="a옛날목욕탕M" pitchFamily="18" charset="-127"/>
-                <a:ea typeface="a옛날목욕탕M" pitchFamily="18" charset="-127"/>
-              </a:rPr>
-              <a:t>지 </a:t>
-            </a:r>
-            <a:r>
-              <a:rPr lang="ko-KR" altLang="en-US" dirty="0" smtClean="0">
-                <a:latin typeface="a옛날목욕탕M" pitchFamily="18" charset="-127"/>
-                <a:ea typeface="a옛날목욕탕M" pitchFamily="18" charset="-127"/>
+            <a:pPr algn="ctr"/>
+            <a:r>
+              <a:rPr lang="en-US" altLang="ko-KR" sz="3500" dirty="0" smtClean="0">
+                <a:latin typeface="a옛날목욕탕L" pitchFamily="18" charset="-127"/>
+                <a:ea typeface="a옛날목욕탕L" pitchFamily="18" charset="-127"/>
+              </a:rPr>
+              <a:t>Login </a:t>
+            </a:r>
+            <a:r>
+              <a:rPr lang="ko-KR" altLang="en-US" sz="3500" dirty="0" smtClean="0">
+                <a:latin typeface="a옛날목욕탕L" pitchFamily="18" charset="-127"/>
+                <a:ea typeface="a옛날목욕탕L" pitchFamily="18" charset="-127"/>
               </a:rPr>
               <a:t>설명</a:t>
             </a:r>
-            <a:endParaRPr lang="ko-KR" altLang="en-US" dirty="0">
-              <a:latin typeface="a옛날목욕탕M" pitchFamily="18" charset="-127"/>
-              <a:ea typeface="a옛날목욕탕M" pitchFamily="18" charset="-127"/>
+            <a:endParaRPr lang="en-US" altLang="ko-KR" sz="3500" dirty="0" smtClean="0">
+              <a:latin typeface="a옛날목욕탕L" pitchFamily="18" charset="-127"/>
+              <a:ea typeface="a옛날목욕탕L" pitchFamily="18" charset="-127"/>
             </a:endParaRPr>
           </a:p>
         </p:txBody>
       </p:sp>
-      <p:cxnSp>
-        <p:nvCxnSpPr>
-          <p:cNvPr id="10" name="직선 연결선 9"/>
-          <p:cNvCxnSpPr/>
-          <p:nvPr/>
-        </p:nvCxnSpPr>
-        <p:spPr>
-          <a:xfrm>
-            <a:off x="1835696" y="6525344"/>
-            <a:ext cx="7416824" cy="0"/>
-          </a:xfrm>
-          <a:prstGeom prst="line">
-            <a:avLst/>
-          </a:prstGeom>
-          <a:effectLst/>
-        </p:spPr>
-        <p:style>
-          <a:lnRef idx="3">
-            <a:schemeClr val="accent1"/>
-          </a:lnRef>
-          <a:fillRef idx="0">
-            <a:schemeClr val="accent1"/>
-          </a:fillRef>
-          <a:effectRef idx="2">
-            <a:schemeClr val="accent1"/>
-          </a:effectRef>
-          <a:fontRef idx="minor">
-            <a:schemeClr val="tx1"/>
-          </a:fontRef>
-        </p:style>
-      </p:cxnSp>
     </p:spTree>
     <p:extLst>
       <p:ext uri="{BB962C8B-B14F-4D97-AF65-F5344CB8AC3E}">
-        <p14:creationId xmlns:p14="http://schemas.microsoft.com/office/powerpoint/2010/main" val="1900881418"/>
+        <p14:creationId xmlns:p14="http://schemas.microsoft.com/office/powerpoint/2010/main" val="2522174771"/>
       </p:ext>
     </p:extLst>
   </p:cSld>
@@ -4419,11 +4787,11 @@
           <a:lstStyle/>
           <a:p>
             <a:r>
-              <a:rPr lang="ko-KR" altLang="en-US" dirty="0" smtClean="0">
+              <a:rPr lang="en-US" altLang="ko-KR" dirty="0" smtClean="0">
                 <a:latin typeface="a옛날목욕탕M" pitchFamily="18" charset="-127"/>
                 <a:ea typeface="a옛날목욕탕M" pitchFamily="18" charset="-127"/>
               </a:rPr>
-              <a:t>여기는 설명 페이지</a:t>
+              <a:t>Login</a:t>
             </a:r>
             <a:endParaRPr lang="ko-KR" altLang="en-US" dirty="0">
               <a:latin typeface="a옛날목욕탕M" pitchFamily="18" charset="-127"/>
@@ -4463,10 +4831,168 @@
           </a:fontRef>
         </p:style>
       </p:cxnSp>
+      <p:pic>
+        <p:nvPicPr>
+          <p:cNvPr id="1026" name="Picture 2" descr="C:\Users\DJA\Downloads\screencapture-localhost-user-logout-1515568594878.png"/>
+          <p:cNvPicPr>
+            <a:picLocks noChangeAspect="1" noChangeArrowheads="1"/>
+          </p:cNvPicPr>
+          <p:nvPr/>
+        </p:nvPicPr>
+        <p:blipFill>
+          <a:blip r:embed="rId2">
+            <a:extLst>
+              <a:ext uri="{28A0092B-C50C-407E-A947-70E740481C1C}">
+                <a14:useLocalDpi xmlns:a14="http://schemas.microsoft.com/office/drawing/2010/main" val="0"/>
+              </a:ext>
+            </a:extLst>
+          </a:blip>
+          <a:srcRect/>
+          <a:stretch>
+            <a:fillRect/>
+          </a:stretch>
+        </p:blipFill>
+        <p:spPr bwMode="auto">
+          <a:xfrm>
+            <a:off x="0" y="787838"/>
+            <a:ext cx="9144000" cy="4405313"/>
+          </a:xfrm>
+          <a:prstGeom prst="rect">
+            <a:avLst/>
+          </a:prstGeom>
+          <a:noFill/>
+          <a:ln>
+            <a:solidFill>
+              <a:schemeClr val="bg1">
+                <a:lumMod val="75000"/>
+              </a:schemeClr>
+            </a:solidFill>
+          </a:ln>
+          <a:extLst>
+            <a:ext uri="{909E8E84-426E-40DD-AFC4-6F175D3DCCD1}">
+              <a14:hiddenFill xmlns:a14="http://schemas.microsoft.com/office/drawing/2010/main">
+                <a:solidFill>
+                  <a:srgbClr val="FFFFFF"/>
+                </a:solidFill>
+              </a14:hiddenFill>
+            </a:ext>
+          </a:extLst>
+        </p:spPr>
+      </p:pic>
+      <p:sp>
+        <p:nvSpPr>
+          <p:cNvPr id="6" name="TextBox 5"/>
+          <p:cNvSpPr txBox="1"/>
+          <p:nvPr/>
+        </p:nvSpPr>
+        <p:spPr>
+          <a:xfrm>
+            <a:off x="1691680" y="5301208"/>
+            <a:ext cx="7200800" cy="923330"/>
+          </a:xfrm>
+          <a:prstGeom prst="rect">
+            <a:avLst/>
+          </a:prstGeom>
+          <a:noFill/>
+        </p:spPr>
+        <p:txBody>
+          <a:bodyPr wrap="square" rtlCol="0">
+            <a:spAutoFit/>
+          </a:bodyPr>
+          <a:lstStyle/>
+          <a:p>
+            <a:r>
+              <a:rPr lang="ko-KR" altLang="en-US" dirty="0">
+                <a:latin typeface="a옛날사진관4" pitchFamily="18" charset="-127"/>
+                <a:ea typeface="a옛날사진관4" pitchFamily="18" charset="-127"/>
+              </a:rPr>
+              <a:t>로그인 이 되어있지 않다면 이 페이지로 이동된다</a:t>
+            </a:r>
+            <a:r>
+              <a:rPr lang="en-US" altLang="ko-KR" dirty="0">
+                <a:latin typeface="a옛날사진관4" pitchFamily="18" charset="-127"/>
+                <a:ea typeface="a옛날사진관4" pitchFamily="18" charset="-127"/>
+              </a:rPr>
+              <a:t>.</a:t>
+            </a:r>
+          </a:p>
+          <a:p>
+            <a:r>
+              <a:rPr lang="ko-KR" altLang="en-US" dirty="0">
+                <a:latin typeface="a옛날사진관4" pitchFamily="18" charset="-127"/>
+                <a:ea typeface="a옛날사진관4" pitchFamily="18" charset="-127"/>
+              </a:rPr>
+              <a:t>체크박스를 클릭한 뒤 </a:t>
+            </a:r>
+            <a:r>
+              <a:rPr lang="ko-KR" altLang="en-US" dirty="0" err="1">
+                <a:latin typeface="a옛날사진관4" pitchFamily="18" charset="-127"/>
+                <a:ea typeface="a옛날사진관4" pitchFamily="18" charset="-127"/>
+              </a:rPr>
+              <a:t>로그인할시</a:t>
+            </a:r>
+            <a:r>
+              <a:rPr lang="ko-KR" altLang="en-US" dirty="0">
+                <a:latin typeface="a옛날사진관4" pitchFamily="18" charset="-127"/>
+                <a:ea typeface="a옛날사진관4" pitchFamily="18" charset="-127"/>
+              </a:rPr>
+              <a:t> </a:t>
+            </a:r>
+            <a:r>
+              <a:rPr lang="en-US" altLang="ko-KR" dirty="0">
+                <a:latin typeface="a옛날사진관4" pitchFamily="18" charset="-127"/>
+                <a:ea typeface="a옛날사진관4" pitchFamily="18" charset="-127"/>
+              </a:rPr>
+              <a:t>Id</a:t>
+            </a:r>
+            <a:r>
+              <a:rPr lang="ko-KR" altLang="en-US" dirty="0">
+                <a:latin typeface="a옛날사진관4" pitchFamily="18" charset="-127"/>
+                <a:ea typeface="a옛날사진관4" pitchFamily="18" charset="-127"/>
+              </a:rPr>
+              <a:t>가 저장된다</a:t>
+            </a:r>
+            <a:r>
+              <a:rPr lang="en-US" altLang="ko-KR" dirty="0">
+                <a:latin typeface="a옛날사진관4" pitchFamily="18" charset="-127"/>
+                <a:ea typeface="a옛날사진관4" pitchFamily="18" charset="-127"/>
+              </a:rPr>
+              <a:t>.</a:t>
+            </a:r>
+          </a:p>
+          <a:p>
+            <a:r>
+              <a:rPr lang="en-US" altLang="ko-KR" dirty="0">
+                <a:latin typeface="a옛날사진관4" pitchFamily="18" charset="-127"/>
+                <a:ea typeface="a옛날사진관4" pitchFamily="18" charset="-127"/>
+              </a:rPr>
+              <a:t>Register</a:t>
+            </a:r>
+            <a:r>
+              <a:rPr lang="ko-KR" altLang="en-US" dirty="0">
+                <a:latin typeface="a옛날사진관4" pitchFamily="18" charset="-127"/>
+                <a:ea typeface="a옛날사진관4" pitchFamily="18" charset="-127"/>
+              </a:rPr>
+              <a:t>를 클릭하여 회원가입 페이지로 이동할 수 있다</a:t>
+            </a:r>
+            <a:r>
+              <a:rPr lang="en-US" altLang="ko-KR" dirty="0">
+                <a:latin typeface="a옛날사진관4" pitchFamily="18" charset="-127"/>
+                <a:ea typeface="a옛날사진관4" pitchFamily="18" charset="-127"/>
+              </a:rPr>
+              <a:t>.</a:t>
+            </a:r>
+            <a:endParaRPr lang="ko-KR" altLang="en-US" dirty="0">
+              <a:latin typeface="a옛날사진관4" pitchFamily="18" charset="-127"/>
+              <a:ea typeface="a옛날사진관4" pitchFamily="18" charset="-127"/>
+            </a:endParaRPr>
+          </a:p>
+        </p:txBody>
+      </p:sp>
     </p:spTree>
     <p:extLst>
       <p:ext uri="{BB962C8B-B14F-4D97-AF65-F5344CB8AC3E}">
-        <p14:creationId xmlns:p14="http://schemas.microsoft.com/office/powerpoint/2010/main" val="1002431117"/>
+        <p14:creationId xmlns:p14="http://schemas.microsoft.com/office/powerpoint/2010/main" val="1466935011"/>
       </p:ext>
     </p:extLst>
   </p:cSld>
@@ -4501,8 +5027,8 @@
         </p:nvCxnSpPr>
         <p:spPr>
           <a:xfrm>
-            <a:off x="1691680" y="2708920"/>
-            <a:ext cx="5760640" cy="0"/>
+            <a:off x="-180528" y="404664"/>
+            <a:ext cx="1296144" cy="0"/>
           </a:xfrm>
           <a:prstGeom prst="line">
             <a:avLst/>
@@ -4526,14 +5052,14 @@
       </p:cxnSp>
       <p:sp>
         <p:nvSpPr>
-          <p:cNvPr id="8" name="TextBox 7"/>
+          <p:cNvPr id="9" name="TextBox 8"/>
           <p:cNvSpPr txBox="1"/>
           <p:nvPr/>
         </p:nvSpPr>
         <p:spPr>
           <a:xfrm>
-            <a:off x="1728700" y="1844824"/>
-            <a:ext cx="5688632" cy="630942"/>
+            <a:off x="107504" y="418506"/>
+            <a:ext cx="2808312" cy="369332"/>
           </a:xfrm>
           <a:prstGeom prst="rect">
             <a:avLst/>
@@ -4546,25 +5072,304 @@
           </a:bodyPr>
           <a:lstStyle/>
           <a:p>
-            <a:pPr algn="ctr"/>
-            <a:r>
-              <a:rPr lang="ko-KR" altLang="en-US" sz="3500" dirty="0" smtClean="0">
-                <a:latin typeface="a옛날목욕탕L" pitchFamily="18" charset="-127"/>
-                <a:ea typeface="a옛날목욕탕L" pitchFamily="18" charset="-127"/>
-              </a:rPr>
-              <a:t>중간제목</a:t>
-            </a:r>
-            <a:endParaRPr lang="en-US" altLang="ko-KR" sz="3500" dirty="0" smtClean="0">
-              <a:latin typeface="a옛날목욕탕L" pitchFamily="18" charset="-127"/>
-              <a:ea typeface="a옛날목욕탕L" pitchFamily="18" charset="-127"/>
+            <a:r>
+              <a:rPr lang="en-US" altLang="ko-KR" dirty="0" smtClean="0">
+                <a:latin typeface="a옛날목욕탕M" pitchFamily="18" charset="-127"/>
+                <a:ea typeface="a옛날목욕탕M" pitchFamily="18" charset="-127"/>
+              </a:rPr>
+              <a:t>Login</a:t>
+            </a:r>
+            <a:r>
+              <a:rPr lang="en-US" altLang="ko-KR" dirty="0" smtClean="0">
+                <a:latin typeface="a옛날목욕탕M" pitchFamily="18" charset="-127"/>
+                <a:ea typeface="a옛날목욕탕M" pitchFamily="18" charset="-127"/>
+              </a:rPr>
+              <a:t> </a:t>
+            </a:r>
+            <a:r>
+              <a:rPr lang="ko-KR" altLang="en-US" dirty="0" smtClean="0">
+                <a:latin typeface="a옛날목욕탕M" pitchFamily="18" charset="-127"/>
+                <a:ea typeface="a옛날목욕탕M" pitchFamily="18" charset="-127"/>
+              </a:rPr>
+              <a:t>페이</a:t>
+            </a:r>
+            <a:r>
+              <a:rPr lang="ko-KR" altLang="en-US" dirty="0">
+                <a:latin typeface="a옛날목욕탕M" pitchFamily="18" charset="-127"/>
+                <a:ea typeface="a옛날목욕탕M" pitchFamily="18" charset="-127"/>
+              </a:rPr>
+              <a:t>지 </a:t>
+            </a:r>
+            <a:r>
+              <a:rPr lang="ko-KR" altLang="en-US" dirty="0" smtClean="0">
+                <a:latin typeface="a옛날목욕탕M" pitchFamily="18" charset="-127"/>
+                <a:ea typeface="a옛날목욕탕M" pitchFamily="18" charset="-127"/>
+              </a:rPr>
+              <a:t>설명</a:t>
+            </a:r>
+            <a:endParaRPr lang="ko-KR" altLang="en-US" dirty="0">
+              <a:latin typeface="a옛날목욕탕M" pitchFamily="18" charset="-127"/>
+              <a:ea typeface="a옛날목욕탕M" pitchFamily="18" charset="-127"/>
             </a:endParaRPr>
           </a:p>
         </p:txBody>
       </p:sp>
+      <p:cxnSp>
+        <p:nvCxnSpPr>
+          <p:cNvPr id="10" name="직선 연결선 9"/>
+          <p:cNvCxnSpPr/>
+          <p:nvPr/>
+        </p:nvCxnSpPr>
+        <p:spPr>
+          <a:xfrm>
+            <a:off x="1835696" y="6525344"/>
+            <a:ext cx="7416824" cy="0"/>
+          </a:xfrm>
+          <a:prstGeom prst="line">
+            <a:avLst/>
+          </a:prstGeom>
+          <a:effectLst/>
+        </p:spPr>
+        <p:style>
+          <a:lnRef idx="3">
+            <a:schemeClr val="accent1"/>
+          </a:lnRef>
+          <a:fillRef idx="0">
+            <a:schemeClr val="accent1"/>
+          </a:fillRef>
+          <a:effectRef idx="2">
+            <a:schemeClr val="accent1"/>
+          </a:effectRef>
+          <a:fontRef idx="minor">
+            <a:schemeClr val="tx1"/>
+          </a:fontRef>
+        </p:style>
+      </p:cxnSp>
+      <p:pic>
+        <p:nvPicPr>
+          <p:cNvPr id="5123" name="Picture 3" descr="D:\iot_study\workspace\git\iot_jsp\iot_jsp2\iot_jsp_page\login_checkV.PNG"/>
+          <p:cNvPicPr>
+            <a:picLocks noChangeAspect="1" noChangeArrowheads="1"/>
+          </p:cNvPicPr>
+          <p:nvPr/>
+        </p:nvPicPr>
+        <p:blipFill>
+          <a:blip r:embed="rId2">
+            <a:extLst>
+              <a:ext uri="{28A0092B-C50C-407E-A947-70E740481C1C}">
+                <a14:useLocalDpi xmlns:a14="http://schemas.microsoft.com/office/drawing/2010/main" val="0"/>
+              </a:ext>
+            </a:extLst>
+          </a:blip>
+          <a:srcRect/>
+          <a:stretch>
+            <a:fillRect/>
+          </a:stretch>
+        </p:blipFill>
+        <p:spPr bwMode="auto">
+          <a:xfrm>
+            <a:off x="251520" y="1052736"/>
+            <a:ext cx="3800475" cy="4933950"/>
+          </a:xfrm>
+          <a:prstGeom prst="rect">
+            <a:avLst/>
+          </a:prstGeom>
+          <a:noFill/>
+          <a:extLst>
+            <a:ext uri="{909E8E84-426E-40DD-AFC4-6F175D3DCCD1}">
+              <a14:hiddenFill xmlns:a14="http://schemas.microsoft.com/office/drawing/2010/main">
+                <a:solidFill>
+                  <a:srgbClr val="FFFFFF"/>
+                </a:solidFill>
+              </a14:hiddenFill>
+            </a:ext>
+          </a:extLst>
+        </p:spPr>
+      </p:pic>
+      <p:sp>
+        <p:nvSpPr>
+          <p:cNvPr id="7" name="TextBox 6"/>
+          <p:cNvSpPr txBox="1"/>
+          <p:nvPr/>
+        </p:nvSpPr>
+        <p:spPr>
+          <a:xfrm>
+            <a:off x="4054899" y="1377643"/>
+            <a:ext cx="4752528" cy="292388"/>
+          </a:xfrm>
+          <a:prstGeom prst="rect">
+            <a:avLst/>
+          </a:prstGeom>
+          <a:noFill/>
+        </p:spPr>
+        <p:txBody>
+          <a:bodyPr wrap="square" rtlCol="0">
+            <a:spAutoFit/>
+          </a:bodyPr>
+          <a:lstStyle/>
+          <a:p>
+            <a:r>
+              <a:rPr lang="ko-KR" altLang="en-US" sz="1300" dirty="0" smtClean="0">
+                <a:latin typeface="a옛날사진관4" pitchFamily="18" charset="-127"/>
+                <a:ea typeface="a옛날사진관4" pitchFamily="18" charset="-127"/>
+              </a:rPr>
+              <a:t>아이디와 비밀번호가 입력되었는지 </a:t>
+            </a:r>
+            <a:r>
+              <a:rPr lang="ko-KR" altLang="en-US" sz="1300" dirty="0" err="1" smtClean="0">
+                <a:latin typeface="a옛날사진관4" pitchFamily="18" charset="-127"/>
+                <a:ea typeface="a옛날사진관4" pitchFamily="18" charset="-127"/>
+              </a:rPr>
+              <a:t>확인하는부분</a:t>
+            </a:r>
+            <a:endParaRPr lang="ko-KR" altLang="en-US" sz="1300" dirty="0">
+              <a:latin typeface="a옛날사진관4" pitchFamily="18" charset="-127"/>
+              <a:ea typeface="a옛날사진관4" pitchFamily="18" charset="-127"/>
+            </a:endParaRPr>
+          </a:p>
+        </p:txBody>
+      </p:sp>
+      <p:cxnSp>
+        <p:nvCxnSpPr>
+          <p:cNvPr id="11" name="직선 연결선 10"/>
+          <p:cNvCxnSpPr/>
+          <p:nvPr/>
+        </p:nvCxnSpPr>
+        <p:spPr>
+          <a:xfrm flipV="1">
+            <a:off x="2483768" y="1523837"/>
+            <a:ext cx="1568227" cy="609019"/>
+          </a:xfrm>
+          <a:prstGeom prst="line">
+            <a:avLst/>
+          </a:prstGeom>
+          <a:ln>
+            <a:solidFill>
+              <a:schemeClr val="tx2">
+                <a:lumMod val="60000"/>
+                <a:lumOff val="40000"/>
+              </a:schemeClr>
+            </a:solidFill>
+          </a:ln>
+          <a:effectLst/>
+        </p:spPr>
+        <p:style>
+          <a:lnRef idx="3">
+            <a:schemeClr val="accent1"/>
+          </a:lnRef>
+          <a:fillRef idx="0">
+            <a:schemeClr val="accent1"/>
+          </a:fillRef>
+          <a:effectRef idx="2">
+            <a:schemeClr val="accent1"/>
+          </a:effectRef>
+          <a:fontRef idx="minor">
+            <a:schemeClr val="tx1"/>
+          </a:fontRef>
+        </p:style>
+      </p:cxnSp>
+      <p:sp>
+        <p:nvSpPr>
+          <p:cNvPr id="12" name="TextBox 11"/>
+          <p:cNvSpPr txBox="1"/>
+          <p:nvPr/>
+        </p:nvSpPr>
+        <p:spPr>
+          <a:xfrm>
+            <a:off x="4774979" y="4293096"/>
+            <a:ext cx="4032448" cy="292388"/>
+          </a:xfrm>
+          <a:prstGeom prst="rect">
+            <a:avLst/>
+          </a:prstGeom>
+          <a:noFill/>
+        </p:spPr>
+        <p:txBody>
+          <a:bodyPr wrap="square" rtlCol="0">
+            <a:spAutoFit/>
+          </a:bodyPr>
+          <a:lstStyle/>
+          <a:p>
+            <a:r>
+              <a:rPr lang="ko-KR" altLang="en-US" sz="1300" dirty="0" smtClean="0">
+                <a:latin typeface="a옛날사진관4" pitchFamily="18" charset="-127"/>
+                <a:ea typeface="a옛날사진관4" pitchFamily="18" charset="-127"/>
+              </a:rPr>
+              <a:t>서버</a:t>
+            </a:r>
+            <a:r>
+              <a:rPr lang="ko-KR" altLang="en-US" sz="1300" dirty="0">
+                <a:latin typeface="a옛날사진관4" pitchFamily="18" charset="-127"/>
+                <a:ea typeface="a옛날사진관4" pitchFamily="18" charset="-127"/>
+              </a:rPr>
+              <a:t>에 </a:t>
+            </a:r>
+            <a:r>
+              <a:rPr lang="ko-KR" altLang="en-US" sz="1300" dirty="0" err="1" smtClean="0">
+                <a:latin typeface="a옛날사진관4" pitchFamily="18" charset="-127"/>
+                <a:ea typeface="a옛날사진관4" pitchFamily="18" charset="-127"/>
+              </a:rPr>
+              <a:t>로그인을</a:t>
+            </a:r>
+            <a:r>
+              <a:rPr lang="ko-KR" altLang="en-US" sz="1300" dirty="0" smtClean="0">
+                <a:latin typeface="a옛날사진관4" pitchFamily="18" charset="-127"/>
+                <a:ea typeface="a옛날사진관4" pitchFamily="18" charset="-127"/>
+              </a:rPr>
+              <a:t> 요청하고 그 결과를 받아오는 부분</a:t>
+            </a:r>
+            <a:endParaRPr lang="ko-KR" altLang="en-US" sz="1300" dirty="0">
+              <a:latin typeface="a옛날사진관4" pitchFamily="18" charset="-127"/>
+              <a:ea typeface="a옛날사진관4" pitchFamily="18" charset="-127"/>
+            </a:endParaRPr>
+          </a:p>
+        </p:txBody>
+      </p:sp>
+      <p:cxnSp>
+        <p:nvCxnSpPr>
+          <p:cNvPr id="14" name="직선 연결선 13"/>
+          <p:cNvCxnSpPr>
+            <a:stCxn id="12" idx="1"/>
+          </p:cNvCxnSpPr>
+          <p:nvPr/>
+        </p:nvCxnSpPr>
+        <p:spPr>
+          <a:xfrm flipH="1">
+            <a:off x="3131840" y="4439290"/>
+            <a:ext cx="1643139" cy="0"/>
+          </a:xfrm>
+          <a:prstGeom prst="line">
+            <a:avLst/>
+          </a:prstGeom>
+          <a:ln>
+            <a:solidFill>
+              <a:schemeClr val="tx2">
+                <a:lumMod val="60000"/>
+                <a:lumOff val="40000"/>
+              </a:schemeClr>
+            </a:solidFill>
+          </a:ln>
+          <a:effectLst/>
+        </p:spPr>
+        <p:style>
+          <a:lnRef idx="3">
+            <a:schemeClr val="accent1"/>
+          </a:lnRef>
+          <a:fillRef idx="0">
+            <a:schemeClr val="accent1"/>
+          </a:fillRef>
+          <a:effectRef idx="2">
+            <a:schemeClr val="accent1"/>
+          </a:effectRef>
+          <a:fontRef idx="minor">
+            <a:schemeClr val="tx1"/>
+          </a:fontRef>
+        </p:style>
+      </p:cxnSp>
     </p:spTree>
     <p:extLst>
       <p:ext uri="{BB962C8B-B14F-4D97-AF65-F5344CB8AC3E}">
-        <p14:creationId xmlns:p14="http://schemas.microsoft.com/office/powerpoint/2010/main" val="4189046899"/>
+        <p14:creationId xmlns:p14="http://schemas.microsoft.com/office/powerpoint/2010/main" val="3424597925"/>
       </p:ext>
     </p:extLst>
   </p:cSld>
@@ -4645,11 +5450,32 @@
           <a:lstStyle/>
           <a:p>
             <a:r>
+              <a:rPr lang="en-US" altLang="ko-KR" dirty="0" smtClean="0">
+                <a:latin typeface="a옛날목욕탕M" pitchFamily="18" charset="-127"/>
+                <a:ea typeface="a옛날목욕탕M" pitchFamily="18" charset="-127"/>
+              </a:rPr>
+              <a:t>Index </a:t>
+            </a:r>
+            <a:r>
               <a:rPr lang="ko-KR" altLang="en-US" dirty="0" smtClean="0">
                 <a:latin typeface="a옛날목욕탕M" pitchFamily="18" charset="-127"/>
                 <a:ea typeface="a옛날목욕탕M" pitchFamily="18" charset="-127"/>
               </a:rPr>
-              <a:t>여기는 설명 페이지</a:t>
+              <a:t>페이</a:t>
+            </a:r>
+            <a:r>
+              <a:rPr lang="ko-KR" altLang="en-US" dirty="0">
+                <a:latin typeface="a옛날목욕탕M" pitchFamily="18" charset="-127"/>
+                <a:ea typeface="a옛날목욕탕M" pitchFamily="18" charset="-127"/>
+              </a:rPr>
+              <a:t>지 </a:t>
+            </a:r>
+            <a:r>
+              <a:rPr lang="ko-KR" altLang="en-US" dirty="0" smtClean="0">
+                <a:latin typeface="a옛날목욕탕M" pitchFamily="18" charset="-127"/>
+                <a:ea typeface="a옛날목욕탕M" pitchFamily="18" charset="-127"/>
+              </a:rPr>
+              <a:t>설명</a:t>
             </a:r>
             <a:endParaRPr lang="ko-KR" altLang="en-US" dirty="0">
               <a:latin typeface="a옛날목욕탕M" pitchFamily="18" charset="-127"/>
@@ -4692,7 +5518,7 @@
     </p:spTree>
     <p:extLst>
       <p:ext uri="{BB962C8B-B14F-4D97-AF65-F5344CB8AC3E}">
-        <p14:creationId xmlns:p14="http://schemas.microsoft.com/office/powerpoint/2010/main" val="1149277995"/>
+        <p14:creationId xmlns:p14="http://schemas.microsoft.com/office/powerpoint/2010/main" val="3133457227"/>
       </p:ext>
     </p:extLst>
   </p:cSld>
@@ -4719,51 +5545,6 @@
           <a:chExt cx="0" cy="0"/>
         </a:xfrm>
       </p:grpSpPr>
-      <p:sp>
-        <p:nvSpPr>
-          <p:cNvPr id="3" name="내용 개체 틀 2"/>
-          <p:cNvSpPr>
-            <a:spLocks noGrp="1"/>
-          </p:cNvSpPr>
-          <p:nvPr>
-            <p:ph idx="1"/>
-          </p:nvPr>
-        </p:nvSpPr>
-        <p:spPr>
-          <a:xfrm>
-            <a:off x="3095836" y="2635878"/>
-            <a:ext cx="2952328" cy="792088"/>
-          </a:xfrm>
-        </p:spPr>
-        <p:txBody>
-          <a:bodyPr>
-            <a:noAutofit/>
-          </a:bodyPr>
-          <a:lstStyle/>
-          <a:p>
-            <a:pPr marL="0" indent="0" algn="ctr">
-              <a:buNone/>
-            </a:pPr>
-            <a:r>
-              <a:rPr lang="ko-KR" altLang="en-US" sz="4500" dirty="0" smtClean="0">
-                <a:solidFill>
-                  <a:schemeClr val="accent1"/>
-                </a:solidFill>
-                <a:latin typeface="a옛날목욕탕L" pitchFamily="18" charset="-127"/>
-                <a:ea typeface="a옛날목욕탕L" pitchFamily="18" charset="-127"/>
-              </a:rPr>
-              <a:t>감사합니다</a:t>
-            </a:r>
-            <a:endParaRPr lang="ko-KR" altLang="en-US" sz="4500" dirty="0">
-              <a:solidFill>
-                <a:schemeClr val="accent1"/>
-              </a:solidFill>
-              <a:latin typeface="a옛날목욕탕L" pitchFamily="18" charset="-127"/>
-              <a:ea typeface="a옛날목욕탕L" pitchFamily="18" charset="-127"/>
-            </a:endParaRPr>
-          </a:p>
-        </p:txBody>
-      </p:sp>
       <p:cxnSp>
         <p:nvCxnSpPr>
           <p:cNvPr id="5" name="직선 연결선 4"/>
@@ -4772,17 +5553,12 @@
         </p:nvCxnSpPr>
         <p:spPr>
           <a:xfrm>
-            <a:off x="5724128" y="3315780"/>
-            <a:ext cx="3528392" cy="0"/>
+            <a:off x="-180528" y="404664"/>
+            <a:ext cx="1296144" cy="0"/>
           </a:xfrm>
           <a:prstGeom prst="line">
             <a:avLst/>
           </a:prstGeom>
-          <a:ln>
-            <a:solidFill>
-              <a:schemeClr val="accent1"/>
-            </a:solidFill>
-          </a:ln>
           <a:effectLst/>
         </p:spPr>
         <p:style>
@@ -4800,6 +5576,63 @@
           </a:fontRef>
         </p:style>
       </p:cxnSp>
+      <p:sp>
+        <p:nvSpPr>
+          <p:cNvPr id="9" name="TextBox 8"/>
+          <p:cNvSpPr txBox="1"/>
+          <p:nvPr/>
+        </p:nvSpPr>
+        <p:spPr>
+          <a:xfrm>
+            <a:off x="107504" y="418506"/>
+            <a:ext cx="2808312" cy="369332"/>
+          </a:xfrm>
+          <a:prstGeom prst="rect">
+            <a:avLst/>
+          </a:prstGeom>
+          <a:noFill/>
+        </p:spPr>
+        <p:txBody>
+          <a:bodyPr wrap="square" rtlCol="0">
+            <a:spAutoFit/>
+          </a:bodyPr>
+          <a:lstStyle/>
+          <a:p>
+            <a:r>
+              <a:rPr lang="en-US" altLang="ko-KR" dirty="0" smtClean="0">
+                <a:latin typeface="a옛날목욕탕M" pitchFamily="18" charset="-127"/>
+                <a:ea typeface="a옛날목욕탕M" pitchFamily="18" charset="-127"/>
+              </a:rPr>
+              <a:t>Index </a:t>
+            </a:r>
+            <a:r>
+              <a:rPr lang="ko-KR" altLang="en-US" dirty="0" smtClean="0">
+                <a:latin typeface="a옛날목욕탕M" pitchFamily="18" charset="-127"/>
+                <a:ea typeface="a옛날목욕탕M" pitchFamily="18" charset="-127"/>
+              </a:rPr>
+              <a:t>페이</a:t>
+            </a:r>
+            <a:r>
+              <a:rPr lang="ko-KR" altLang="en-US" dirty="0">
+                <a:latin typeface="a옛날목욕탕M" pitchFamily="18" charset="-127"/>
+                <a:ea typeface="a옛날목욕탕M" pitchFamily="18" charset="-127"/>
+              </a:rPr>
+              <a:t>지 </a:t>
+            </a:r>
+            <a:r>
+              <a:rPr lang="ko-KR" altLang="en-US" dirty="0" smtClean="0">
+                <a:latin typeface="a옛날목욕탕M" pitchFamily="18" charset="-127"/>
+                <a:ea typeface="a옛날목욕탕M" pitchFamily="18" charset="-127"/>
+              </a:rPr>
+              <a:t>설명</a:t>
+            </a:r>
+            <a:endParaRPr lang="ko-KR" altLang="en-US" dirty="0">
+              <a:latin typeface="a옛날목욕탕M" pitchFamily="18" charset="-127"/>
+              <a:ea typeface="a옛날목욕탕M" pitchFamily="18" charset="-127"/>
+            </a:endParaRPr>
+          </a:p>
+        </p:txBody>
+      </p:sp>
       <p:cxnSp>
         <p:nvCxnSpPr>
           <p:cNvPr id="10" name="직선 연결선 9"/>
@@ -4807,18 +5640,13 @@
           <p:nvPr/>
         </p:nvCxnSpPr>
         <p:spPr>
-          <a:xfrm flipH="1">
-            <a:off x="-108520" y="2791762"/>
-            <a:ext cx="3672408" cy="0"/>
+          <a:xfrm>
+            <a:off x="1835696" y="6525344"/>
+            <a:ext cx="7416824" cy="0"/>
           </a:xfrm>
           <a:prstGeom prst="line">
             <a:avLst/>
           </a:prstGeom>
-          <a:ln>
-            <a:solidFill>
-              <a:schemeClr val="accent1"/>
-            </a:solidFill>
-          </a:ln>
           <a:effectLst/>
         </p:spPr>
         <p:style>
@@ -4839,7 +5667,112 @@
     </p:spTree>
     <p:extLst>
       <p:ext uri="{BB962C8B-B14F-4D97-AF65-F5344CB8AC3E}">
-        <p14:creationId xmlns:p14="http://schemas.microsoft.com/office/powerpoint/2010/main" val="2132497842"/>
+        <p14:creationId xmlns:p14="http://schemas.microsoft.com/office/powerpoint/2010/main" val="1232315116"/>
+      </p:ext>
+    </p:extLst>
+  </p:cSld>
+  <p:clrMapOvr>
+    <a:masterClrMapping/>
+  </p:clrMapOvr>
+</p:sld>
+</file>
+
+<file path=ppt/slides/slide19.xml><?xml version="1.0" encoding="utf-8"?>
+<p:sld xmlns:a="http://schemas.openxmlformats.org/drawingml/2006/main" xmlns:r="http://schemas.openxmlformats.org/officeDocument/2006/relationships" xmlns:p="http://schemas.openxmlformats.org/presentationml/2006/main">
+  <p:cSld>
+    <p:spTree>
+      <p:nvGrpSpPr>
+        <p:cNvPr id="1" name=""/>
+        <p:cNvGrpSpPr/>
+        <p:nvPr/>
+      </p:nvGrpSpPr>
+      <p:grpSpPr>
+        <a:xfrm>
+          <a:off x="0" y="0"/>
+          <a:ext cx="0" cy="0"/>
+          <a:chOff x="0" y="0"/>
+          <a:chExt cx="0" cy="0"/>
+        </a:xfrm>
+      </p:grpSpPr>
+      <p:cxnSp>
+        <p:nvCxnSpPr>
+          <p:cNvPr id="5" name="직선 연결선 4"/>
+          <p:cNvCxnSpPr/>
+          <p:nvPr/>
+        </p:nvCxnSpPr>
+        <p:spPr>
+          <a:xfrm>
+            <a:off x="1691680" y="2708920"/>
+            <a:ext cx="5760640" cy="0"/>
+          </a:xfrm>
+          <a:prstGeom prst="line">
+            <a:avLst/>
+          </a:prstGeom>
+          <a:effectLst/>
+        </p:spPr>
+        <p:style>
+          <a:lnRef idx="3">
+            <a:schemeClr val="accent1"/>
+          </a:lnRef>
+          <a:fillRef idx="0">
+            <a:schemeClr val="accent1"/>
+          </a:fillRef>
+          <a:effectRef idx="2">
+            <a:schemeClr val="accent1"/>
+          </a:effectRef>
+          <a:fontRef idx="minor">
+            <a:schemeClr val="tx1"/>
+          </a:fontRef>
+        </p:style>
+      </p:cxnSp>
+      <p:sp>
+        <p:nvSpPr>
+          <p:cNvPr id="8" name="TextBox 7"/>
+          <p:cNvSpPr txBox="1"/>
+          <p:nvPr/>
+        </p:nvSpPr>
+        <p:spPr>
+          <a:xfrm>
+            <a:off x="1728700" y="1844824"/>
+            <a:ext cx="5688632" cy="630942"/>
+          </a:xfrm>
+          <a:prstGeom prst="rect">
+            <a:avLst/>
+          </a:prstGeom>
+          <a:noFill/>
+        </p:spPr>
+        <p:txBody>
+          <a:bodyPr wrap="square" rtlCol="0">
+            <a:spAutoFit/>
+          </a:bodyPr>
+          <a:lstStyle/>
+          <a:p>
+            <a:pPr algn="ctr"/>
+            <a:r>
+              <a:rPr lang="en-US" altLang="ko-KR" sz="3500" dirty="0" smtClean="0">
+                <a:latin typeface="a옛날목욕탕L" pitchFamily="18" charset="-127"/>
+                <a:ea typeface="a옛날목욕탕L" pitchFamily="18" charset="-127"/>
+              </a:rPr>
+              <a:t>Sign Up </a:t>
+            </a:r>
+            <a:r>
+              <a:rPr lang="ko-KR" altLang="en-US" sz="3500" dirty="0" smtClean="0">
+                <a:latin typeface="a옛날목욕탕L" pitchFamily="18" charset="-127"/>
+                <a:ea typeface="a옛날목욕탕L" pitchFamily="18" charset="-127"/>
+              </a:rPr>
+              <a:t>설명</a:t>
+            </a:r>
+            <a:endParaRPr lang="en-US" altLang="ko-KR" sz="3500" dirty="0" smtClean="0">
+              <a:latin typeface="a옛날목욕탕L" pitchFamily="18" charset="-127"/>
+              <a:ea typeface="a옛날목욕탕L" pitchFamily="18" charset="-127"/>
+            </a:endParaRPr>
+          </a:p>
+        </p:txBody>
+      </p:sp>
+    </p:spTree>
+    <p:extLst>
+      <p:ext uri="{BB962C8B-B14F-4D97-AF65-F5344CB8AC3E}">
+        <p14:creationId xmlns:p14="http://schemas.microsoft.com/office/powerpoint/2010/main" val="2161654057"/>
       </p:ext>
     </p:extLst>
   </p:cSld>
@@ -5093,6 +6026,1508 @@
     <p:extLst>
       <p:ext uri="{BB962C8B-B14F-4D97-AF65-F5344CB8AC3E}">
         <p14:creationId xmlns:p14="http://schemas.microsoft.com/office/powerpoint/2010/main" val="2026184477"/>
+      </p:ext>
+    </p:extLst>
+  </p:cSld>
+  <p:clrMapOvr>
+    <a:masterClrMapping/>
+  </p:clrMapOvr>
+</p:sld>
+</file>
+
+<file path=ppt/slides/slide20.xml><?xml version="1.0" encoding="utf-8"?>
+<p:sld xmlns:a="http://schemas.openxmlformats.org/drawingml/2006/main" xmlns:r="http://schemas.openxmlformats.org/officeDocument/2006/relationships" xmlns:p="http://schemas.openxmlformats.org/presentationml/2006/main">
+  <p:cSld>
+    <p:spTree>
+      <p:nvGrpSpPr>
+        <p:cNvPr id="1" name=""/>
+        <p:cNvGrpSpPr/>
+        <p:nvPr/>
+      </p:nvGrpSpPr>
+      <p:grpSpPr>
+        <a:xfrm>
+          <a:off x="0" y="0"/>
+          <a:ext cx="0" cy="0"/>
+          <a:chOff x="0" y="0"/>
+          <a:chExt cx="0" cy="0"/>
+        </a:xfrm>
+      </p:grpSpPr>
+      <p:cxnSp>
+        <p:nvCxnSpPr>
+          <p:cNvPr id="5" name="직선 연결선 4"/>
+          <p:cNvCxnSpPr/>
+          <p:nvPr/>
+        </p:nvCxnSpPr>
+        <p:spPr>
+          <a:xfrm>
+            <a:off x="-180528" y="404664"/>
+            <a:ext cx="1296144" cy="0"/>
+          </a:xfrm>
+          <a:prstGeom prst="line">
+            <a:avLst/>
+          </a:prstGeom>
+          <a:effectLst/>
+        </p:spPr>
+        <p:style>
+          <a:lnRef idx="3">
+            <a:schemeClr val="accent1"/>
+          </a:lnRef>
+          <a:fillRef idx="0">
+            <a:schemeClr val="accent1"/>
+          </a:fillRef>
+          <a:effectRef idx="2">
+            <a:schemeClr val="accent1"/>
+          </a:effectRef>
+          <a:fontRef idx="minor">
+            <a:schemeClr val="tx1"/>
+          </a:fontRef>
+        </p:style>
+      </p:cxnSp>
+      <p:sp>
+        <p:nvSpPr>
+          <p:cNvPr id="9" name="TextBox 8"/>
+          <p:cNvSpPr txBox="1"/>
+          <p:nvPr/>
+        </p:nvSpPr>
+        <p:spPr>
+          <a:xfrm>
+            <a:off x="107504" y="418506"/>
+            <a:ext cx="2808312" cy="369332"/>
+          </a:xfrm>
+          <a:prstGeom prst="rect">
+            <a:avLst/>
+          </a:prstGeom>
+          <a:noFill/>
+        </p:spPr>
+        <p:txBody>
+          <a:bodyPr wrap="square" rtlCol="0">
+            <a:spAutoFit/>
+          </a:bodyPr>
+          <a:lstStyle/>
+          <a:p>
+            <a:r>
+              <a:rPr lang="en-US" altLang="ko-KR" dirty="0" smtClean="0">
+                <a:latin typeface="a옛날목욕탕M" pitchFamily="18" charset="-127"/>
+                <a:ea typeface="a옛날목욕탕M" pitchFamily="18" charset="-127"/>
+              </a:rPr>
+              <a:t>Sign-up</a:t>
+            </a:r>
+            <a:endParaRPr lang="ko-KR" altLang="en-US" dirty="0">
+              <a:latin typeface="a옛날목욕탕M" pitchFamily="18" charset="-127"/>
+              <a:ea typeface="a옛날목욕탕M" pitchFamily="18" charset="-127"/>
+            </a:endParaRPr>
+          </a:p>
+        </p:txBody>
+      </p:sp>
+      <p:cxnSp>
+        <p:nvCxnSpPr>
+          <p:cNvPr id="10" name="직선 연결선 9"/>
+          <p:cNvCxnSpPr/>
+          <p:nvPr/>
+        </p:nvCxnSpPr>
+        <p:spPr>
+          <a:xfrm>
+            <a:off x="1835696" y="6525344"/>
+            <a:ext cx="7416824" cy="0"/>
+          </a:xfrm>
+          <a:prstGeom prst="line">
+            <a:avLst/>
+          </a:prstGeom>
+          <a:effectLst/>
+        </p:spPr>
+        <p:style>
+          <a:lnRef idx="3">
+            <a:schemeClr val="accent1"/>
+          </a:lnRef>
+          <a:fillRef idx="0">
+            <a:schemeClr val="accent1"/>
+          </a:fillRef>
+          <a:effectRef idx="2">
+            <a:schemeClr val="accent1"/>
+          </a:effectRef>
+          <a:fontRef idx="minor">
+            <a:schemeClr val="tx1"/>
+          </a:fontRef>
+        </p:style>
+      </p:cxnSp>
+      <p:sp>
+        <p:nvSpPr>
+          <p:cNvPr id="6" name="TextBox 5"/>
+          <p:cNvSpPr txBox="1"/>
+          <p:nvPr/>
+        </p:nvSpPr>
+        <p:spPr>
+          <a:xfrm>
+            <a:off x="1724345" y="5301208"/>
+            <a:ext cx="7200800" cy="646331"/>
+          </a:xfrm>
+          <a:prstGeom prst="rect">
+            <a:avLst/>
+          </a:prstGeom>
+          <a:noFill/>
+        </p:spPr>
+        <p:txBody>
+          <a:bodyPr wrap="square" rtlCol="0">
+            <a:spAutoFit/>
+          </a:bodyPr>
+          <a:lstStyle/>
+          <a:p>
+            <a:r>
+              <a:rPr lang="en-US" altLang="ko-KR" dirty="0" err="1" smtClean="0">
+                <a:latin typeface="a옛날사진관4" pitchFamily="18" charset="-127"/>
+                <a:ea typeface="a옛날사진관4" pitchFamily="18" charset="-127"/>
+              </a:rPr>
+              <a:t>UserAge</a:t>
+            </a:r>
+            <a:r>
+              <a:rPr lang="ko-KR" altLang="en-US" dirty="0" smtClean="0">
+                <a:latin typeface="a옛날사진관4" pitchFamily="18" charset="-127"/>
+                <a:ea typeface="a옛날사진관4" pitchFamily="18" charset="-127"/>
+              </a:rPr>
+              <a:t>에서는 숫자만 입력 가능하다</a:t>
+            </a:r>
+            <a:r>
+              <a:rPr lang="en-US" altLang="ko-KR" dirty="0" smtClean="0">
+                <a:latin typeface="a옛날사진관4" pitchFamily="18" charset="-127"/>
+                <a:ea typeface="a옛날사진관4" pitchFamily="18" charset="-127"/>
+              </a:rPr>
+              <a:t>.</a:t>
+            </a:r>
+          </a:p>
+          <a:p>
+            <a:r>
+              <a:rPr lang="ko-KR" altLang="en-US" dirty="0" smtClean="0">
+                <a:latin typeface="a옛날사진관4" pitchFamily="18" charset="-127"/>
+                <a:ea typeface="a옛날사진관4" pitchFamily="18" charset="-127"/>
+              </a:rPr>
+              <a:t>회원가입이 완료되면 </a:t>
+            </a:r>
+            <a:r>
+              <a:rPr lang="en-US" altLang="ko-KR" dirty="0" smtClean="0">
+                <a:latin typeface="a옛날사진관4" pitchFamily="18" charset="-127"/>
+                <a:ea typeface="a옛날사진관4" pitchFamily="18" charset="-127"/>
+              </a:rPr>
+              <a:t>Login </a:t>
+            </a:r>
+            <a:r>
+              <a:rPr lang="ko-KR" altLang="en-US" dirty="0" smtClean="0">
+                <a:latin typeface="a옛날사진관4" pitchFamily="18" charset="-127"/>
+                <a:ea typeface="a옛날사진관4" pitchFamily="18" charset="-127"/>
+              </a:rPr>
+              <a:t>페이지로 이동한다</a:t>
+            </a:r>
+            <a:r>
+              <a:rPr lang="en-US" altLang="ko-KR" dirty="0" smtClean="0">
+                <a:latin typeface="a옛날사진관4" pitchFamily="18" charset="-127"/>
+                <a:ea typeface="a옛날사진관4" pitchFamily="18" charset="-127"/>
+              </a:rPr>
+              <a:t>.</a:t>
+            </a:r>
+          </a:p>
+        </p:txBody>
+      </p:sp>
+      <p:pic>
+        <p:nvPicPr>
+          <p:cNvPr id="4099" name="Picture 3" descr="C:\Users\DJA\Downloads\screencapture-localhost-view-user-signin-1515569451506.png"/>
+          <p:cNvPicPr>
+            <a:picLocks noChangeAspect="1" noChangeArrowheads="1"/>
+          </p:cNvPicPr>
+          <p:nvPr/>
+        </p:nvPicPr>
+        <p:blipFill>
+          <a:blip r:embed="rId2">
+            <a:extLst>
+              <a:ext uri="{28A0092B-C50C-407E-A947-70E740481C1C}">
+                <a14:useLocalDpi xmlns:a14="http://schemas.microsoft.com/office/drawing/2010/main" val="0"/>
+              </a:ext>
+            </a:extLst>
+          </a:blip>
+          <a:srcRect/>
+          <a:stretch>
+            <a:fillRect/>
+          </a:stretch>
+        </p:blipFill>
+        <p:spPr bwMode="auto">
+          <a:xfrm>
+            <a:off x="0" y="787838"/>
+            <a:ext cx="9144000" cy="4405313"/>
+          </a:xfrm>
+          <a:prstGeom prst="rect">
+            <a:avLst/>
+          </a:prstGeom>
+          <a:noFill/>
+          <a:ln>
+            <a:solidFill>
+              <a:schemeClr val="bg1">
+                <a:lumMod val="75000"/>
+              </a:schemeClr>
+            </a:solidFill>
+          </a:ln>
+          <a:extLst>
+            <a:ext uri="{909E8E84-426E-40DD-AFC4-6F175D3DCCD1}">
+              <a14:hiddenFill xmlns:a14="http://schemas.microsoft.com/office/drawing/2010/main">
+                <a:solidFill>
+                  <a:srgbClr val="FFFFFF"/>
+                </a:solidFill>
+              </a14:hiddenFill>
+            </a:ext>
+          </a:extLst>
+        </p:spPr>
+      </p:pic>
+    </p:spTree>
+    <p:extLst>
+      <p:ext uri="{BB962C8B-B14F-4D97-AF65-F5344CB8AC3E}">
+        <p14:creationId xmlns:p14="http://schemas.microsoft.com/office/powerpoint/2010/main" val="2710222129"/>
+      </p:ext>
+    </p:extLst>
+  </p:cSld>
+  <p:clrMapOvr>
+    <a:masterClrMapping/>
+  </p:clrMapOvr>
+</p:sld>
+</file>
+
+<file path=ppt/slides/slide21.xml><?xml version="1.0" encoding="utf-8"?>
+<p:sld xmlns:a="http://schemas.openxmlformats.org/drawingml/2006/main" xmlns:r="http://schemas.openxmlformats.org/officeDocument/2006/relationships" xmlns:p="http://schemas.openxmlformats.org/presentationml/2006/main">
+  <p:cSld>
+    <p:spTree>
+      <p:nvGrpSpPr>
+        <p:cNvPr id="1" name=""/>
+        <p:cNvGrpSpPr/>
+        <p:nvPr/>
+      </p:nvGrpSpPr>
+      <p:grpSpPr>
+        <a:xfrm>
+          <a:off x="0" y="0"/>
+          <a:ext cx="0" cy="0"/>
+          <a:chOff x="0" y="0"/>
+          <a:chExt cx="0" cy="0"/>
+        </a:xfrm>
+      </p:grpSpPr>
+      <p:cxnSp>
+        <p:nvCxnSpPr>
+          <p:cNvPr id="5" name="직선 연결선 4"/>
+          <p:cNvCxnSpPr/>
+          <p:nvPr/>
+        </p:nvCxnSpPr>
+        <p:spPr>
+          <a:xfrm>
+            <a:off x="-180528" y="404664"/>
+            <a:ext cx="1296144" cy="0"/>
+          </a:xfrm>
+          <a:prstGeom prst="line">
+            <a:avLst/>
+          </a:prstGeom>
+          <a:effectLst/>
+        </p:spPr>
+        <p:style>
+          <a:lnRef idx="3">
+            <a:schemeClr val="accent1"/>
+          </a:lnRef>
+          <a:fillRef idx="0">
+            <a:schemeClr val="accent1"/>
+          </a:fillRef>
+          <a:effectRef idx="2">
+            <a:schemeClr val="accent1"/>
+          </a:effectRef>
+          <a:fontRef idx="minor">
+            <a:schemeClr val="tx1"/>
+          </a:fontRef>
+        </p:style>
+      </p:cxnSp>
+      <p:sp>
+        <p:nvSpPr>
+          <p:cNvPr id="9" name="TextBox 8"/>
+          <p:cNvSpPr txBox="1"/>
+          <p:nvPr/>
+        </p:nvSpPr>
+        <p:spPr>
+          <a:xfrm>
+            <a:off x="107504" y="418506"/>
+            <a:ext cx="2808312" cy="369332"/>
+          </a:xfrm>
+          <a:prstGeom prst="rect">
+            <a:avLst/>
+          </a:prstGeom>
+          <a:noFill/>
+        </p:spPr>
+        <p:txBody>
+          <a:bodyPr wrap="square" rtlCol="0">
+            <a:spAutoFit/>
+          </a:bodyPr>
+          <a:lstStyle/>
+          <a:p>
+            <a:r>
+              <a:rPr lang="en-US" altLang="ko-KR" dirty="0">
+                <a:latin typeface="a옛날목욕탕M" pitchFamily="18" charset="-127"/>
+                <a:ea typeface="a옛날목욕탕M" pitchFamily="18" charset="-127"/>
+              </a:rPr>
+              <a:t>User List</a:t>
+            </a:r>
+            <a:endParaRPr lang="ko-KR" altLang="en-US" dirty="0">
+              <a:latin typeface="a옛날목욕탕M" pitchFamily="18" charset="-127"/>
+              <a:ea typeface="a옛날목욕탕M" pitchFamily="18" charset="-127"/>
+            </a:endParaRPr>
+          </a:p>
+        </p:txBody>
+      </p:sp>
+      <p:cxnSp>
+        <p:nvCxnSpPr>
+          <p:cNvPr id="10" name="직선 연결선 9"/>
+          <p:cNvCxnSpPr/>
+          <p:nvPr/>
+        </p:nvCxnSpPr>
+        <p:spPr>
+          <a:xfrm>
+            <a:off x="1835696" y="6525344"/>
+            <a:ext cx="7416824" cy="0"/>
+          </a:xfrm>
+          <a:prstGeom prst="line">
+            <a:avLst/>
+          </a:prstGeom>
+          <a:effectLst/>
+        </p:spPr>
+        <p:style>
+          <a:lnRef idx="3">
+            <a:schemeClr val="accent1"/>
+          </a:lnRef>
+          <a:fillRef idx="0">
+            <a:schemeClr val="accent1"/>
+          </a:fillRef>
+          <a:effectRef idx="2">
+            <a:schemeClr val="accent1"/>
+          </a:effectRef>
+          <a:fontRef idx="minor">
+            <a:schemeClr val="tx1"/>
+          </a:fontRef>
+        </p:style>
+      </p:cxnSp>
+      <p:pic>
+        <p:nvPicPr>
+          <p:cNvPr id="5122" name="Picture 2" descr="C:\Users\DJA\Downloads\screencapture-localhost-view-user-list-1515569571286.png"/>
+          <p:cNvPicPr>
+            <a:picLocks noChangeAspect="1" noChangeArrowheads="1"/>
+          </p:cNvPicPr>
+          <p:nvPr/>
+        </p:nvPicPr>
+        <p:blipFill>
+          <a:blip r:embed="rId2">
+            <a:extLst>
+              <a:ext uri="{28A0092B-C50C-407E-A947-70E740481C1C}">
+                <a14:useLocalDpi xmlns:a14="http://schemas.microsoft.com/office/drawing/2010/main" val="0"/>
+              </a:ext>
+            </a:extLst>
+          </a:blip>
+          <a:srcRect/>
+          <a:stretch>
+            <a:fillRect/>
+          </a:stretch>
+        </p:blipFill>
+        <p:spPr bwMode="auto">
+          <a:xfrm>
+            <a:off x="0" y="787837"/>
+            <a:ext cx="9144000" cy="4405313"/>
+          </a:xfrm>
+          <a:prstGeom prst="rect">
+            <a:avLst/>
+          </a:prstGeom>
+          <a:noFill/>
+          <a:ln>
+            <a:solidFill>
+              <a:schemeClr val="bg1">
+                <a:lumMod val="75000"/>
+              </a:schemeClr>
+            </a:solidFill>
+          </a:ln>
+          <a:extLst>
+            <a:ext uri="{909E8E84-426E-40DD-AFC4-6F175D3DCCD1}">
+              <a14:hiddenFill xmlns:a14="http://schemas.microsoft.com/office/drawing/2010/main">
+                <a:solidFill>
+                  <a:srgbClr val="FFFFFF"/>
+                </a:solidFill>
+              </a14:hiddenFill>
+            </a:ext>
+          </a:extLst>
+        </p:spPr>
+      </p:pic>
+      <p:sp>
+        <p:nvSpPr>
+          <p:cNvPr id="6" name="TextBox 5"/>
+          <p:cNvSpPr txBox="1"/>
+          <p:nvPr/>
+        </p:nvSpPr>
+        <p:spPr>
+          <a:xfrm>
+            <a:off x="1724345" y="5301208"/>
+            <a:ext cx="7200800" cy="646331"/>
+          </a:xfrm>
+          <a:prstGeom prst="rect">
+            <a:avLst/>
+          </a:prstGeom>
+          <a:noFill/>
+        </p:spPr>
+        <p:txBody>
+          <a:bodyPr wrap="square" rtlCol="0">
+            <a:spAutoFit/>
+          </a:bodyPr>
+          <a:lstStyle/>
+          <a:p>
+            <a:r>
+              <a:rPr lang="ko-KR" altLang="en-US" dirty="0" smtClean="0">
+                <a:latin typeface="a옛날사진관4" pitchFamily="18" charset="-127"/>
+                <a:ea typeface="a옛날사진관4" pitchFamily="18" charset="-127"/>
+              </a:rPr>
+              <a:t>오른쪽 위 검색 기능으로 원하는 값을 검색할 수 있다</a:t>
+            </a:r>
+            <a:r>
+              <a:rPr lang="en-US" altLang="ko-KR" dirty="0" smtClean="0">
+                <a:latin typeface="a옛날사진관4" pitchFamily="18" charset="-127"/>
+                <a:ea typeface="a옛날사진관4" pitchFamily="18" charset="-127"/>
+              </a:rPr>
+              <a:t>.</a:t>
+            </a:r>
+          </a:p>
+          <a:p>
+            <a:r>
+              <a:rPr lang="ko-KR" altLang="en-US" dirty="0" smtClean="0">
+                <a:latin typeface="a옛날사진관4" pitchFamily="18" charset="-127"/>
+                <a:ea typeface="a옛날사진관4" pitchFamily="18" charset="-127"/>
+              </a:rPr>
+              <a:t>각각</a:t>
+            </a:r>
+            <a:r>
+              <a:rPr lang="ko-KR" altLang="en-US" dirty="0">
+                <a:latin typeface="a옛날사진관4" pitchFamily="18" charset="-127"/>
+                <a:ea typeface="a옛날사진관4" pitchFamily="18" charset="-127"/>
+              </a:rPr>
+              <a:t>의 </a:t>
+            </a:r>
+            <a:r>
+              <a:rPr lang="ko-KR" altLang="en-US" dirty="0" smtClean="0">
+                <a:latin typeface="a옛날사진관4" pitchFamily="18" charset="-127"/>
+                <a:ea typeface="a옛날사진관4" pitchFamily="18" charset="-127"/>
+              </a:rPr>
+              <a:t>리스트의 </a:t>
+            </a:r>
+            <a:r>
+              <a:rPr lang="en-US" altLang="ko-KR" dirty="0" smtClean="0">
+                <a:latin typeface="a옛날사진관4" pitchFamily="18" charset="-127"/>
+                <a:ea typeface="a옛날사진관4" pitchFamily="18" charset="-127"/>
+              </a:rPr>
+              <a:t>* </a:t>
+            </a:r>
+            <a:r>
+              <a:rPr lang="ko-KR" altLang="en-US" dirty="0" smtClean="0">
+                <a:latin typeface="a옛날사진관4" pitchFamily="18" charset="-127"/>
+                <a:ea typeface="a옛날사진관4" pitchFamily="18" charset="-127"/>
+              </a:rPr>
+              <a:t>밑에 있는 버튼으로 수정과 삭제를 할 수 있다</a:t>
+            </a:r>
+            <a:r>
+              <a:rPr lang="en-US" altLang="ko-KR" dirty="0" smtClean="0">
+                <a:latin typeface="a옛날사진관4" pitchFamily="18" charset="-127"/>
+                <a:ea typeface="a옛날사진관4" pitchFamily="18" charset="-127"/>
+              </a:rPr>
+              <a:t>.</a:t>
+            </a:r>
+          </a:p>
+        </p:txBody>
+      </p:sp>
+    </p:spTree>
+    <p:extLst>
+      <p:ext uri="{BB962C8B-B14F-4D97-AF65-F5344CB8AC3E}">
+        <p14:creationId xmlns:p14="http://schemas.microsoft.com/office/powerpoint/2010/main" val="1917544431"/>
+      </p:ext>
+    </p:extLst>
+  </p:cSld>
+  <p:clrMapOvr>
+    <a:masterClrMapping/>
+  </p:clrMapOvr>
+</p:sld>
+</file>
+
+<file path=ppt/slides/slide22.xml><?xml version="1.0" encoding="utf-8"?>
+<p:sld xmlns:a="http://schemas.openxmlformats.org/drawingml/2006/main" xmlns:r="http://schemas.openxmlformats.org/officeDocument/2006/relationships" xmlns:p="http://schemas.openxmlformats.org/presentationml/2006/main">
+  <p:cSld>
+    <p:spTree>
+      <p:nvGrpSpPr>
+        <p:cNvPr id="1" name=""/>
+        <p:cNvGrpSpPr/>
+        <p:nvPr/>
+      </p:nvGrpSpPr>
+      <p:grpSpPr>
+        <a:xfrm>
+          <a:off x="0" y="0"/>
+          <a:ext cx="0" cy="0"/>
+          <a:chOff x="0" y="0"/>
+          <a:chExt cx="0" cy="0"/>
+        </a:xfrm>
+      </p:grpSpPr>
+      <p:cxnSp>
+        <p:nvCxnSpPr>
+          <p:cNvPr id="5" name="직선 연결선 4"/>
+          <p:cNvCxnSpPr/>
+          <p:nvPr/>
+        </p:nvCxnSpPr>
+        <p:spPr>
+          <a:xfrm>
+            <a:off x="-180528" y="404664"/>
+            <a:ext cx="1296144" cy="0"/>
+          </a:xfrm>
+          <a:prstGeom prst="line">
+            <a:avLst/>
+          </a:prstGeom>
+          <a:effectLst/>
+        </p:spPr>
+        <p:style>
+          <a:lnRef idx="3">
+            <a:schemeClr val="accent1"/>
+          </a:lnRef>
+          <a:fillRef idx="0">
+            <a:schemeClr val="accent1"/>
+          </a:fillRef>
+          <a:effectRef idx="2">
+            <a:schemeClr val="accent1"/>
+          </a:effectRef>
+          <a:fontRef idx="minor">
+            <a:schemeClr val="tx1"/>
+          </a:fontRef>
+        </p:style>
+      </p:cxnSp>
+      <p:sp>
+        <p:nvSpPr>
+          <p:cNvPr id="9" name="TextBox 8"/>
+          <p:cNvSpPr txBox="1"/>
+          <p:nvPr/>
+        </p:nvSpPr>
+        <p:spPr>
+          <a:xfrm>
+            <a:off x="107504" y="418506"/>
+            <a:ext cx="2808312" cy="369332"/>
+          </a:xfrm>
+          <a:prstGeom prst="rect">
+            <a:avLst/>
+          </a:prstGeom>
+          <a:noFill/>
+        </p:spPr>
+        <p:txBody>
+          <a:bodyPr wrap="square" rtlCol="0">
+            <a:spAutoFit/>
+          </a:bodyPr>
+          <a:lstStyle/>
+          <a:p>
+            <a:r>
+              <a:rPr lang="en-US" altLang="ko-KR" dirty="0" smtClean="0">
+                <a:latin typeface="a옛날목욕탕M" pitchFamily="18" charset="-127"/>
+                <a:ea typeface="a옛날목욕탕M" pitchFamily="18" charset="-127"/>
+              </a:rPr>
+              <a:t>Class List</a:t>
+            </a:r>
+            <a:endParaRPr lang="ko-KR" altLang="en-US" dirty="0">
+              <a:latin typeface="a옛날목욕탕M" pitchFamily="18" charset="-127"/>
+              <a:ea typeface="a옛날목욕탕M" pitchFamily="18" charset="-127"/>
+            </a:endParaRPr>
+          </a:p>
+        </p:txBody>
+      </p:sp>
+      <p:cxnSp>
+        <p:nvCxnSpPr>
+          <p:cNvPr id="10" name="직선 연결선 9"/>
+          <p:cNvCxnSpPr/>
+          <p:nvPr/>
+        </p:nvCxnSpPr>
+        <p:spPr>
+          <a:xfrm>
+            <a:off x="1835696" y="6525344"/>
+            <a:ext cx="7416824" cy="0"/>
+          </a:xfrm>
+          <a:prstGeom prst="line">
+            <a:avLst/>
+          </a:prstGeom>
+          <a:effectLst/>
+        </p:spPr>
+        <p:style>
+          <a:lnRef idx="3">
+            <a:schemeClr val="accent1"/>
+          </a:lnRef>
+          <a:fillRef idx="0">
+            <a:schemeClr val="accent1"/>
+          </a:fillRef>
+          <a:effectRef idx="2">
+            <a:schemeClr val="accent1"/>
+          </a:effectRef>
+          <a:fontRef idx="minor">
+            <a:schemeClr val="tx1"/>
+          </a:fontRef>
+        </p:style>
+      </p:cxnSp>
+      <p:pic>
+        <p:nvPicPr>
+          <p:cNvPr id="6146" name="Picture 2" descr="C:\Users\DJA\Downloads\screencapture-localhost-view-class-list-1515569901225.png"/>
+          <p:cNvPicPr>
+            <a:picLocks noChangeAspect="1" noChangeArrowheads="1"/>
+          </p:cNvPicPr>
+          <p:nvPr/>
+        </p:nvPicPr>
+        <p:blipFill>
+          <a:blip r:embed="rId2">
+            <a:extLst>
+              <a:ext uri="{28A0092B-C50C-407E-A947-70E740481C1C}">
+                <a14:useLocalDpi xmlns:a14="http://schemas.microsoft.com/office/drawing/2010/main" val="0"/>
+              </a:ext>
+            </a:extLst>
+          </a:blip>
+          <a:srcRect/>
+          <a:stretch>
+            <a:fillRect/>
+          </a:stretch>
+        </p:blipFill>
+        <p:spPr bwMode="auto">
+          <a:xfrm>
+            <a:off x="0" y="787838"/>
+            <a:ext cx="9144000" cy="4405313"/>
+          </a:xfrm>
+          <a:prstGeom prst="rect">
+            <a:avLst/>
+          </a:prstGeom>
+          <a:noFill/>
+          <a:ln>
+            <a:solidFill>
+              <a:schemeClr val="bg1">
+                <a:lumMod val="75000"/>
+              </a:schemeClr>
+            </a:solidFill>
+          </a:ln>
+          <a:extLst>
+            <a:ext uri="{909E8E84-426E-40DD-AFC4-6F175D3DCCD1}">
+              <a14:hiddenFill xmlns:a14="http://schemas.microsoft.com/office/drawing/2010/main">
+                <a:solidFill>
+                  <a:srgbClr val="FFFFFF"/>
+                </a:solidFill>
+              </a14:hiddenFill>
+            </a:ext>
+          </a:extLst>
+        </p:spPr>
+      </p:pic>
+      <p:sp>
+        <p:nvSpPr>
+          <p:cNvPr id="6" name="TextBox 5"/>
+          <p:cNvSpPr txBox="1"/>
+          <p:nvPr/>
+        </p:nvSpPr>
+        <p:spPr>
+          <a:xfrm>
+            <a:off x="1724345" y="5301208"/>
+            <a:ext cx="7200800" cy="369332"/>
+          </a:xfrm>
+          <a:prstGeom prst="rect">
+            <a:avLst/>
+          </a:prstGeom>
+          <a:noFill/>
+        </p:spPr>
+        <p:txBody>
+          <a:bodyPr wrap="square" rtlCol="0">
+            <a:spAutoFit/>
+          </a:bodyPr>
+          <a:lstStyle/>
+          <a:p>
+            <a:r>
+              <a:rPr lang="ko-KR" altLang="en-US" dirty="0" smtClean="0">
+                <a:latin typeface="a옛날사진관4" pitchFamily="18" charset="-127"/>
+                <a:ea typeface="a옛날사진관4" pitchFamily="18" charset="-127"/>
+              </a:rPr>
+              <a:t>리스</a:t>
+            </a:r>
+            <a:r>
+              <a:rPr lang="ko-KR" altLang="en-US" dirty="0">
+                <a:latin typeface="a옛날사진관4" pitchFamily="18" charset="-127"/>
+                <a:ea typeface="a옛날사진관4" pitchFamily="18" charset="-127"/>
+              </a:rPr>
+              <a:t>트 </a:t>
+            </a:r>
+            <a:r>
+              <a:rPr lang="ko-KR" altLang="en-US" dirty="0" smtClean="0">
+                <a:latin typeface="a옛날사진관4" pitchFamily="18" charset="-127"/>
+                <a:ea typeface="a옛날사진관4" pitchFamily="18" charset="-127"/>
+              </a:rPr>
+              <a:t>하단의 </a:t>
+            </a:r>
+            <a:r>
+              <a:rPr lang="en-US" altLang="ko-KR" dirty="0" smtClean="0">
+                <a:latin typeface="a옛날사진관4" pitchFamily="18" charset="-127"/>
+                <a:ea typeface="a옛날사진관4" pitchFamily="18" charset="-127"/>
+              </a:rPr>
+              <a:t>+</a:t>
+            </a:r>
+            <a:r>
+              <a:rPr lang="ko-KR" altLang="en-US" dirty="0" smtClean="0">
+                <a:latin typeface="a옛날사진관4" pitchFamily="18" charset="-127"/>
+                <a:ea typeface="a옛날사진관4" pitchFamily="18" charset="-127"/>
+              </a:rPr>
+              <a:t>버튼으로 반을 추가할 수 있다</a:t>
+            </a:r>
+            <a:r>
+              <a:rPr lang="en-US" altLang="ko-KR" dirty="0" smtClean="0">
+                <a:latin typeface="a옛날사진관4" pitchFamily="18" charset="-127"/>
+                <a:ea typeface="a옛날사진관4" pitchFamily="18" charset="-127"/>
+              </a:rPr>
+              <a:t>.</a:t>
+            </a:r>
+          </a:p>
+        </p:txBody>
+      </p:sp>
+    </p:spTree>
+    <p:extLst>
+      <p:ext uri="{BB962C8B-B14F-4D97-AF65-F5344CB8AC3E}">
+        <p14:creationId xmlns:p14="http://schemas.microsoft.com/office/powerpoint/2010/main" val="1731848282"/>
+      </p:ext>
+    </p:extLst>
+  </p:cSld>
+  <p:clrMapOvr>
+    <a:masterClrMapping/>
+  </p:clrMapOvr>
+</p:sld>
+</file>
+
+<file path=ppt/slides/slide23.xml><?xml version="1.0" encoding="utf-8"?>
+<p:sld xmlns:a="http://schemas.openxmlformats.org/drawingml/2006/main" xmlns:r="http://schemas.openxmlformats.org/officeDocument/2006/relationships" xmlns:p="http://schemas.openxmlformats.org/presentationml/2006/main">
+  <p:cSld>
+    <p:spTree>
+      <p:nvGrpSpPr>
+        <p:cNvPr id="1" name=""/>
+        <p:cNvGrpSpPr/>
+        <p:nvPr/>
+      </p:nvGrpSpPr>
+      <p:grpSpPr>
+        <a:xfrm>
+          <a:off x="0" y="0"/>
+          <a:ext cx="0" cy="0"/>
+          <a:chOff x="0" y="0"/>
+          <a:chExt cx="0" cy="0"/>
+        </a:xfrm>
+      </p:grpSpPr>
+      <p:cxnSp>
+        <p:nvCxnSpPr>
+          <p:cNvPr id="5" name="직선 연결선 4"/>
+          <p:cNvCxnSpPr/>
+          <p:nvPr/>
+        </p:nvCxnSpPr>
+        <p:spPr>
+          <a:xfrm>
+            <a:off x="1691680" y="2708920"/>
+            <a:ext cx="5760640" cy="0"/>
+          </a:xfrm>
+          <a:prstGeom prst="line">
+            <a:avLst/>
+          </a:prstGeom>
+          <a:effectLst/>
+        </p:spPr>
+        <p:style>
+          <a:lnRef idx="3">
+            <a:schemeClr val="accent1"/>
+          </a:lnRef>
+          <a:fillRef idx="0">
+            <a:schemeClr val="accent1"/>
+          </a:fillRef>
+          <a:effectRef idx="2">
+            <a:schemeClr val="accent1"/>
+          </a:effectRef>
+          <a:fontRef idx="minor">
+            <a:schemeClr val="tx1"/>
+          </a:fontRef>
+        </p:style>
+      </p:cxnSp>
+      <p:sp>
+        <p:nvSpPr>
+          <p:cNvPr id="8" name="TextBox 7"/>
+          <p:cNvSpPr txBox="1"/>
+          <p:nvPr/>
+        </p:nvSpPr>
+        <p:spPr>
+          <a:xfrm>
+            <a:off x="1728700" y="1844824"/>
+            <a:ext cx="5688632" cy="630942"/>
+          </a:xfrm>
+          <a:prstGeom prst="rect">
+            <a:avLst/>
+          </a:prstGeom>
+          <a:noFill/>
+        </p:spPr>
+        <p:txBody>
+          <a:bodyPr wrap="square" rtlCol="0">
+            <a:spAutoFit/>
+          </a:bodyPr>
+          <a:lstStyle/>
+          <a:p>
+            <a:pPr algn="ctr"/>
+            <a:r>
+              <a:rPr lang="ko-KR" altLang="en-US" sz="3500" dirty="0" smtClean="0">
+                <a:latin typeface="a옛날목욕탕L" pitchFamily="18" charset="-127"/>
+                <a:ea typeface="a옛날목욕탕L" pitchFamily="18" charset="-127"/>
+              </a:rPr>
+              <a:t>화면 구조 설명</a:t>
+            </a:r>
+            <a:endParaRPr lang="en-US" altLang="ko-KR" sz="3500" dirty="0" smtClean="0">
+              <a:latin typeface="a옛날목욕탕L" pitchFamily="18" charset="-127"/>
+              <a:ea typeface="a옛날목욕탕L" pitchFamily="18" charset="-127"/>
+            </a:endParaRPr>
+          </a:p>
+        </p:txBody>
+      </p:sp>
+    </p:spTree>
+    <p:extLst>
+      <p:ext uri="{BB962C8B-B14F-4D97-AF65-F5344CB8AC3E}">
+        <p14:creationId xmlns:p14="http://schemas.microsoft.com/office/powerpoint/2010/main" val="362054839"/>
+      </p:ext>
+    </p:extLst>
+  </p:cSld>
+  <p:clrMapOvr>
+    <a:masterClrMapping/>
+  </p:clrMapOvr>
+</p:sld>
+</file>
+
+<file path=ppt/slides/slide24.xml><?xml version="1.0" encoding="utf-8"?>
+<p:sld xmlns:a="http://schemas.openxmlformats.org/drawingml/2006/main" xmlns:r="http://schemas.openxmlformats.org/officeDocument/2006/relationships" xmlns:p="http://schemas.openxmlformats.org/presentationml/2006/main">
+  <p:cSld>
+    <p:spTree>
+      <p:nvGrpSpPr>
+        <p:cNvPr id="1" name=""/>
+        <p:cNvGrpSpPr/>
+        <p:nvPr/>
+      </p:nvGrpSpPr>
+      <p:grpSpPr>
+        <a:xfrm>
+          <a:off x="0" y="0"/>
+          <a:ext cx="0" cy="0"/>
+          <a:chOff x="0" y="0"/>
+          <a:chExt cx="0" cy="0"/>
+        </a:xfrm>
+      </p:grpSpPr>
+      <p:cxnSp>
+        <p:nvCxnSpPr>
+          <p:cNvPr id="5" name="직선 연결선 4"/>
+          <p:cNvCxnSpPr/>
+          <p:nvPr/>
+        </p:nvCxnSpPr>
+        <p:spPr>
+          <a:xfrm>
+            <a:off x="-180528" y="404664"/>
+            <a:ext cx="1296144" cy="0"/>
+          </a:xfrm>
+          <a:prstGeom prst="line">
+            <a:avLst/>
+          </a:prstGeom>
+          <a:effectLst/>
+        </p:spPr>
+        <p:style>
+          <a:lnRef idx="3">
+            <a:schemeClr val="accent1"/>
+          </a:lnRef>
+          <a:fillRef idx="0">
+            <a:schemeClr val="accent1"/>
+          </a:fillRef>
+          <a:effectRef idx="2">
+            <a:schemeClr val="accent1"/>
+          </a:effectRef>
+          <a:fontRef idx="minor">
+            <a:schemeClr val="tx1"/>
+          </a:fontRef>
+        </p:style>
+      </p:cxnSp>
+      <p:sp>
+        <p:nvSpPr>
+          <p:cNvPr id="9" name="TextBox 8"/>
+          <p:cNvSpPr txBox="1"/>
+          <p:nvPr/>
+        </p:nvSpPr>
+        <p:spPr>
+          <a:xfrm>
+            <a:off x="107504" y="418506"/>
+            <a:ext cx="2808312" cy="369332"/>
+          </a:xfrm>
+          <a:prstGeom prst="rect">
+            <a:avLst/>
+          </a:prstGeom>
+          <a:noFill/>
+        </p:spPr>
+        <p:txBody>
+          <a:bodyPr wrap="square" rtlCol="0">
+            <a:spAutoFit/>
+          </a:bodyPr>
+          <a:lstStyle/>
+          <a:p>
+            <a:r>
+              <a:rPr lang="en-US" altLang="ko-KR" dirty="0" smtClean="0">
+                <a:latin typeface="a옛날목욕탕M" pitchFamily="18" charset="-127"/>
+                <a:ea typeface="a옛날목욕탕M" pitchFamily="18" charset="-127"/>
+              </a:rPr>
+              <a:t>Index </a:t>
+            </a:r>
+            <a:r>
+              <a:rPr lang="ko-KR" altLang="en-US" dirty="0" smtClean="0">
+                <a:latin typeface="a옛날목욕탕M" pitchFamily="18" charset="-127"/>
+                <a:ea typeface="a옛날목욕탕M" pitchFamily="18" charset="-127"/>
+              </a:rPr>
+              <a:t>페이</a:t>
+            </a:r>
+            <a:r>
+              <a:rPr lang="ko-KR" altLang="en-US" dirty="0">
+                <a:latin typeface="a옛날목욕탕M" pitchFamily="18" charset="-127"/>
+                <a:ea typeface="a옛날목욕탕M" pitchFamily="18" charset="-127"/>
+              </a:rPr>
+              <a:t>지 </a:t>
+            </a:r>
+            <a:r>
+              <a:rPr lang="ko-KR" altLang="en-US" dirty="0" smtClean="0">
+                <a:latin typeface="a옛날목욕탕M" pitchFamily="18" charset="-127"/>
+                <a:ea typeface="a옛날목욕탕M" pitchFamily="18" charset="-127"/>
+              </a:rPr>
+              <a:t>설명</a:t>
+            </a:r>
+            <a:endParaRPr lang="ko-KR" altLang="en-US" dirty="0">
+              <a:latin typeface="a옛날목욕탕M" pitchFamily="18" charset="-127"/>
+              <a:ea typeface="a옛날목욕탕M" pitchFamily="18" charset="-127"/>
+            </a:endParaRPr>
+          </a:p>
+        </p:txBody>
+      </p:sp>
+      <p:cxnSp>
+        <p:nvCxnSpPr>
+          <p:cNvPr id="10" name="직선 연결선 9"/>
+          <p:cNvCxnSpPr/>
+          <p:nvPr/>
+        </p:nvCxnSpPr>
+        <p:spPr>
+          <a:xfrm>
+            <a:off x="1835696" y="6525344"/>
+            <a:ext cx="7416824" cy="0"/>
+          </a:xfrm>
+          <a:prstGeom prst="line">
+            <a:avLst/>
+          </a:prstGeom>
+          <a:effectLst/>
+        </p:spPr>
+        <p:style>
+          <a:lnRef idx="3">
+            <a:schemeClr val="accent1"/>
+          </a:lnRef>
+          <a:fillRef idx="0">
+            <a:schemeClr val="accent1"/>
+          </a:fillRef>
+          <a:effectRef idx="2">
+            <a:schemeClr val="accent1"/>
+          </a:effectRef>
+          <a:fontRef idx="minor">
+            <a:schemeClr val="tx1"/>
+          </a:fontRef>
+        </p:style>
+      </p:cxnSp>
+    </p:spTree>
+    <p:extLst>
+      <p:ext uri="{BB962C8B-B14F-4D97-AF65-F5344CB8AC3E}">
+        <p14:creationId xmlns:p14="http://schemas.microsoft.com/office/powerpoint/2010/main" val="1900881418"/>
+      </p:ext>
+    </p:extLst>
+  </p:cSld>
+  <p:clrMapOvr>
+    <a:masterClrMapping/>
+  </p:clrMapOvr>
+</p:sld>
+</file>
+
+<file path=ppt/slides/slide25.xml><?xml version="1.0" encoding="utf-8"?>
+<p:sld xmlns:a="http://schemas.openxmlformats.org/drawingml/2006/main" xmlns:r="http://schemas.openxmlformats.org/officeDocument/2006/relationships" xmlns:p="http://schemas.openxmlformats.org/presentationml/2006/main">
+  <p:cSld>
+    <p:spTree>
+      <p:nvGrpSpPr>
+        <p:cNvPr id="1" name=""/>
+        <p:cNvGrpSpPr/>
+        <p:nvPr/>
+      </p:nvGrpSpPr>
+      <p:grpSpPr>
+        <a:xfrm>
+          <a:off x="0" y="0"/>
+          <a:ext cx="0" cy="0"/>
+          <a:chOff x="0" y="0"/>
+          <a:chExt cx="0" cy="0"/>
+        </a:xfrm>
+      </p:grpSpPr>
+      <p:cxnSp>
+        <p:nvCxnSpPr>
+          <p:cNvPr id="5" name="직선 연결선 4"/>
+          <p:cNvCxnSpPr/>
+          <p:nvPr/>
+        </p:nvCxnSpPr>
+        <p:spPr>
+          <a:xfrm>
+            <a:off x="-180528" y="404664"/>
+            <a:ext cx="1296144" cy="0"/>
+          </a:xfrm>
+          <a:prstGeom prst="line">
+            <a:avLst/>
+          </a:prstGeom>
+          <a:effectLst/>
+        </p:spPr>
+        <p:style>
+          <a:lnRef idx="3">
+            <a:schemeClr val="accent1"/>
+          </a:lnRef>
+          <a:fillRef idx="0">
+            <a:schemeClr val="accent1"/>
+          </a:fillRef>
+          <a:effectRef idx="2">
+            <a:schemeClr val="accent1"/>
+          </a:effectRef>
+          <a:fontRef idx="minor">
+            <a:schemeClr val="tx1"/>
+          </a:fontRef>
+        </p:style>
+      </p:cxnSp>
+      <p:sp>
+        <p:nvSpPr>
+          <p:cNvPr id="9" name="TextBox 8"/>
+          <p:cNvSpPr txBox="1"/>
+          <p:nvPr/>
+        </p:nvSpPr>
+        <p:spPr>
+          <a:xfrm>
+            <a:off x="107504" y="418506"/>
+            <a:ext cx="2808312" cy="369332"/>
+          </a:xfrm>
+          <a:prstGeom prst="rect">
+            <a:avLst/>
+          </a:prstGeom>
+          <a:noFill/>
+        </p:spPr>
+        <p:txBody>
+          <a:bodyPr wrap="square" rtlCol="0">
+            <a:spAutoFit/>
+          </a:bodyPr>
+          <a:lstStyle/>
+          <a:p>
+            <a:r>
+              <a:rPr lang="ko-KR" altLang="en-US" dirty="0" smtClean="0">
+                <a:latin typeface="a옛날목욕탕M" pitchFamily="18" charset="-127"/>
+                <a:ea typeface="a옛날목욕탕M" pitchFamily="18" charset="-127"/>
+              </a:rPr>
+              <a:t>여기는 설명 페이지</a:t>
+            </a:r>
+            <a:endParaRPr lang="ko-KR" altLang="en-US" dirty="0">
+              <a:latin typeface="a옛날목욕탕M" pitchFamily="18" charset="-127"/>
+              <a:ea typeface="a옛날목욕탕M" pitchFamily="18" charset="-127"/>
+            </a:endParaRPr>
+          </a:p>
+        </p:txBody>
+      </p:sp>
+      <p:cxnSp>
+        <p:nvCxnSpPr>
+          <p:cNvPr id="10" name="직선 연결선 9"/>
+          <p:cNvCxnSpPr/>
+          <p:nvPr/>
+        </p:nvCxnSpPr>
+        <p:spPr>
+          <a:xfrm>
+            <a:off x="1835696" y="6525344"/>
+            <a:ext cx="7416824" cy="0"/>
+          </a:xfrm>
+          <a:prstGeom prst="line">
+            <a:avLst/>
+          </a:prstGeom>
+          <a:effectLst/>
+        </p:spPr>
+        <p:style>
+          <a:lnRef idx="3">
+            <a:schemeClr val="accent1"/>
+          </a:lnRef>
+          <a:fillRef idx="0">
+            <a:schemeClr val="accent1"/>
+          </a:fillRef>
+          <a:effectRef idx="2">
+            <a:schemeClr val="accent1"/>
+          </a:effectRef>
+          <a:fontRef idx="minor">
+            <a:schemeClr val="tx1"/>
+          </a:fontRef>
+        </p:style>
+      </p:cxnSp>
+    </p:spTree>
+    <p:extLst>
+      <p:ext uri="{BB962C8B-B14F-4D97-AF65-F5344CB8AC3E}">
+        <p14:creationId xmlns:p14="http://schemas.microsoft.com/office/powerpoint/2010/main" val="1002431117"/>
+      </p:ext>
+    </p:extLst>
+  </p:cSld>
+  <p:clrMapOvr>
+    <a:masterClrMapping/>
+  </p:clrMapOvr>
+</p:sld>
+</file>
+
+<file path=ppt/slides/slide26.xml><?xml version="1.0" encoding="utf-8"?>
+<p:sld xmlns:a="http://schemas.openxmlformats.org/drawingml/2006/main" xmlns:r="http://schemas.openxmlformats.org/officeDocument/2006/relationships" xmlns:p="http://schemas.openxmlformats.org/presentationml/2006/main">
+  <p:cSld>
+    <p:spTree>
+      <p:nvGrpSpPr>
+        <p:cNvPr id="1" name=""/>
+        <p:cNvGrpSpPr/>
+        <p:nvPr/>
+      </p:nvGrpSpPr>
+      <p:grpSpPr>
+        <a:xfrm>
+          <a:off x="0" y="0"/>
+          <a:ext cx="0" cy="0"/>
+          <a:chOff x="0" y="0"/>
+          <a:chExt cx="0" cy="0"/>
+        </a:xfrm>
+      </p:grpSpPr>
+      <p:cxnSp>
+        <p:nvCxnSpPr>
+          <p:cNvPr id="5" name="직선 연결선 4"/>
+          <p:cNvCxnSpPr/>
+          <p:nvPr/>
+        </p:nvCxnSpPr>
+        <p:spPr>
+          <a:xfrm>
+            <a:off x="1691680" y="2708920"/>
+            <a:ext cx="5760640" cy="0"/>
+          </a:xfrm>
+          <a:prstGeom prst="line">
+            <a:avLst/>
+          </a:prstGeom>
+          <a:effectLst/>
+        </p:spPr>
+        <p:style>
+          <a:lnRef idx="3">
+            <a:schemeClr val="accent1"/>
+          </a:lnRef>
+          <a:fillRef idx="0">
+            <a:schemeClr val="accent1"/>
+          </a:fillRef>
+          <a:effectRef idx="2">
+            <a:schemeClr val="accent1"/>
+          </a:effectRef>
+          <a:fontRef idx="minor">
+            <a:schemeClr val="tx1"/>
+          </a:fontRef>
+        </p:style>
+      </p:cxnSp>
+      <p:sp>
+        <p:nvSpPr>
+          <p:cNvPr id="8" name="TextBox 7"/>
+          <p:cNvSpPr txBox="1"/>
+          <p:nvPr/>
+        </p:nvSpPr>
+        <p:spPr>
+          <a:xfrm>
+            <a:off x="1728700" y="1844824"/>
+            <a:ext cx="5688632" cy="630942"/>
+          </a:xfrm>
+          <a:prstGeom prst="rect">
+            <a:avLst/>
+          </a:prstGeom>
+          <a:noFill/>
+        </p:spPr>
+        <p:txBody>
+          <a:bodyPr wrap="square" rtlCol="0">
+            <a:spAutoFit/>
+          </a:bodyPr>
+          <a:lstStyle/>
+          <a:p>
+            <a:pPr algn="ctr"/>
+            <a:r>
+              <a:rPr lang="ko-KR" altLang="en-US" sz="3500" dirty="0" smtClean="0">
+                <a:latin typeface="a옛날목욕탕L" pitchFamily="18" charset="-127"/>
+                <a:ea typeface="a옛날목욕탕L" pitchFamily="18" charset="-127"/>
+              </a:rPr>
+              <a:t>중간제목</a:t>
+            </a:r>
+            <a:endParaRPr lang="en-US" altLang="ko-KR" sz="3500" dirty="0" smtClean="0">
+              <a:latin typeface="a옛날목욕탕L" pitchFamily="18" charset="-127"/>
+              <a:ea typeface="a옛날목욕탕L" pitchFamily="18" charset="-127"/>
+            </a:endParaRPr>
+          </a:p>
+        </p:txBody>
+      </p:sp>
+    </p:spTree>
+    <p:extLst>
+      <p:ext uri="{BB962C8B-B14F-4D97-AF65-F5344CB8AC3E}">
+        <p14:creationId xmlns:p14="http://schemas.microsoft.com/office/powerpoint/2010/main" val="4189046899"/>
+      </p:ext>
+    </p:extLst>
+  </p:cSld>
+  <p:clrMapOvr>
+    <a:masterClrMapping/>
+  </p:clrMapOvr>
+</p:sld>
+</file>
+
+<file path=ppt/slides/slide27.xml><?xml version="1.0" encoding="utf-8"?>
+<p:sld xmlns:a="http://schemas.openxmlformats.org/drawingml/2006/main" xmlns:r="http://schemas.openxmlformats.org/officeDocument/2006/relationships" xmlns:p="http://schemas.openxmlformats.org/presentationml/2006/main">
+  <p:cSld>
+    <p:spTree>
+      <p:nvGrpSpPr>
+        <p:cNvPr id="1" name=""/>
+        <p:cNvGrpSpPr/>
+        <p:nvPr/>
+      </p:nvGrpSpPr>
+      <p:grpSpPr>
+        <a:xfrm>
+          <a:off x="0" y="0"/>
+          <a:ext cx="0" cy="0"/>
+          <a:chOff x="0" y="0"/>
+          <a:chExt cx="0" cy="0"/>
+        </a:xfrm>
+      </p:grpSpPr>
+      <p:cxnSp>
+        <p:nvCxnSpPr>
+          <p:cNvPr id="5" name="직선 연결선 4"/>
+          <p:cNvCxnSpPr/>
+          <p:nvPr/>
+        </p:nvCxnSpPr>
+        <p:spPr>
+          <a:xfrm>
+            <a:off x="-180528" y="404664"/>
+            <a:ext cx="1296144" cy="0"/>
+          </a:xfrm>
+          <a:prstGeom prst="line">
+            <a:avLst/>
+          </a:prstGeom>
+          <a:effectLst/>
+        </p:spPr>
+        <p:style>
+          <a:lnRef idx="3">
+            <a:schemeClr val="accent1"/>
+          </a:lnRef>
+          <a:fillRef idx="0">
+            <a:schemeClr val="accent1"/>
+          </a:fillRef>
+          <a:effectRef idx="2">
+            <a:schemeClr val="accent1"/>
+          </a:effectRef>
+          <a:fontRef idx="minor">
+            <a:schemeClr val="tx1"/>
+          </a:fontRef>
+        </p:style>
+      </p:cxnSp>
+      <p:sp>
+        <p:nvSpPr>
+          <p:cNvPr id="9" name="TextBox 8"/>
+          <p:cNvSpPr txBox="1"/>
+          <p:nvPr/>
+        </p:nvSpPr>
+        <p:spPr>
+          <a:xfrm>
+            <a:off x="107504" y="418506"/>
+            <a:ext cx="2808312" cy="369332"/>
+          </a:xfrm>
+          <a:prstGeom prst="rect">
+            <a:avLst/>
+          </a:prstGeom>
+          <a:noFill/>
+        </p:spPr>
+        <p:txBody>
+          <a:bodyPr wrap="square" rtlCol="0">
+            <a:spAutoFit/>
+          </a:bodyPr>
+          <a:lstStyle/>
+          <a:p>
+            <a:r>
+              <a:rPr lang="ko-KR" altLang="en-US" dirty="0" smtClean="0">
+                <a:latin typeface="a옛날목욕탕M" pitchFamily="18" charset="-127"/>
+                <a:ea typeface="a옛날목욕탕M" pitchFamily="18" charset="-127"/>
+              </a:rPr>
+              <a:t>여기는 설명 페이지</a:t>
+            </a:r>
+            <a:endParaRPr lang="ko-KR" altLang="en-US" dirty="0">
+              <a:latin typeface="a옛날목욕탕M" pitchFamily="18" charset="-127"/>
+              <a:ea typeface="a옛날목욕탕M" pitchFamily="18" charset="-127"/>
+            </a:endParaRPr>
+          </a:p>
+        </p:txBody>
+      </p:sp>
+      <p:cxnSp>
+        <p:nvCxnSpPr>
+          <p:cNvPr id="10" name="직선 연결선 9"/>
+          <p:cNvCxnSpPr/>
+          <p:nvPr/>
+        </p:nvCxnSpPr>
+        <p:spPr>
+          <a:xfrm>
+            <a:off x="1835696" y="6525344"/>
+            <a:ext cx="7416824" cy="0"/>
+          </a:xfrm>
+          <a:prstGeom prst="line">
+            <a:avLst/>
+          </a:prstGeom>
+          <a:effectLst/>
+        </p:spPr>
+        <p:style>
+          <a:lnRef idx="3">
+            <a:schemeClr val="accent1"/>
+          </a:lnRef>
+          <a:fillRef idx="0">
+            <a:schemeClr val="accent1"/>
+          </a:fillRef>
+          <a:effectRef idx="2">
+            <a:schemeClr val="accent1"/>
+          </a:effectRef>
+          <a:fontRef idx="minor">
+            <a:schemeClr val="tx1"/>
+          </a:fontRef>
+        </p:style>
+      </p:cxnSp>
+    </p:spTree>
+    <p:extLst>
+      <p:ext uri="{BB962C8B-B14F-4D97-AF65-F5344CB8AC3E}">
+        <p14:creationId xmlns:p14="http://schemas.microsoft.com/office/powerpoint/2010/main" val="1149277995"/>
+      </p:ext>
+    </p:extLst>
+  </p:cSld>
+  <p:clrMapOvr>
+    <a:masterClrMapping/>
+  </p:clrMapOvr>
+</p:sld>
+</file>
+
+<file path=ppt/slides/slide28.xml><?xml version="1.0" encoding="utf-8"?>
+<p:sld xmlns:a="http://schemas.openxmlformats.org/drawingml/2006/main" xmlns:r="http://schemas.openxmlformats.org/officeDocument/2006/relationships" xmlns:p="http://schemas.openxmlformats.org/presentationml/2006/main">
+  <p:cSld>
+    <p:spTree>
+      <p:nvGrpSpPr>
+        <p:cNvPr id="1" name=""/>
+        <p:cNvGrpSpPr/>
+        <p:nvPr/>
+      </p:nvGrpSpPr>
+      <p:grpSpPr>
+        <a:xfrm>
+          <a:off x="0" y="0"/>
+          <a:ext cx="0" cy="0"/>
+          <a:chOff x="0" y="0"/>
+          <a:chExt cx="0" cy="0"/>
+        </a:xfrm>
+      </p:grpSpPr>
+      <p:sp>
+        <p:nvSpPr>
+          <p:cNvPr id="3" name="내용 개체 틀 2"/>
+          <p:cNvSpPr>
+            <a:spLocks noGrp="1"/>
+          </p:cNvSpPr>
+          <p:nvPr>
+            <p:ph idx="1"/>
+          </p:nvPr>
+        </p:nvSpPr>
+        <p:spPr>
+          <a:xfrm>
+            <a:off x="3095836" y="2635878"/>
+            <a:ext cx="2952328" cy="792088"/>
+          </a:xfrm>
+        </p:spPr>
+        <p:txBody>
+          <a:bodyPr>
+            <a:noAutofit/>
+          </a:bodyPr>
+          <a:lstStyle/>
+          <a:p>
+            <a:pPr marL="0" indent="0" algn="ctr">
+              <a:buNone/>
+            </a:pPr>
+            <a:r>
+              <a:rPr lang="ko-KR" altLang="en-US" sz="4500" dirty="0" smtClean="0">
+                <a:solidFill>
+                  <a:schemeClr val="accent1"/>
+                </a:solidFill>
+                <a:latin typeface="a옛날목욕탕L" pitchFamily="18" charset="-127"/>
+                <a:ea typeface="a옛날목욕탕L" pitchFamily="18" charset="-127"/>
+              </a:rPr>
+              <a:t>감사합니다</a:t>
+            </a:r>
+            <a:endParaRPr lang="ko-KR" altLang="en-US" sz="4500" dirty="0">
+              <a:solidFill>
+                <a:schemeClr val="accent1"/>
+              </a:solidFill>
+              <a:latin typeface="a옛날목욕탕L" pitchFamily="18" charset="-127"/>
+              <a:ea typeface="a옛날목욕탕L" pitchFamily="18" charset="-127"/>
+            </a:endParaRPr>
+          </a:p>
+        </p:txBody>
+      </p:sp>
+      <p:cxnSp>
+        <p:nvCxnSpPr>
+          <p:cNvPr id="5" name="직선 연결선 4"/>
+          <p:cNvCxnSpPr/>
+          <p:nvPr/>
+        </p:nvCxnSpPr>
+        <p:spPr>
+          <a:xfrm>
+            <a:off x="5724128" y="3315780"/>
+            <a:ext cx="3528392" cy="0"/>
+          </a:xfrm>
+          <a:prstGeom prst="line">
+            <a:avLst/>
+          </a:prstGeom>
+          <a:ln>
+            <a:solidFill>
+              <a:schemeClr val="accent1"/>
+            </a:solidFill>
+          </a:ln>
+          <a:effectLst/>
+        </p:spPr>
+        <p:style>
+          <a:lnRef idx="3">
+            <a:schemeClr val="accent1"/>
+          </a:lnRef>
+          <a:fillRef idx="0">
+            <a:schemeClr val="accent1"/>
+          </a:fillRef>
+          <a:effectRef idx="2">
+            <a:schemeClr val="accent1"/>
+          </a:effectRef>
+          <a:fontRef idx="minor">
+            <a:schemeClr val="tx1"/>
+          </a:fontRef>
+        </p:style>
+      </p:cxnSp>
+      <p:cxnSp>
+        <p:nvCxnSpPr>
+          <p:cNvPr id="10" name="직선 연결선 9"/>
+          <p:cNvCxnSpPr/>
+          <p:nvPr/>
+        </p:nvCxnSpPr>
+        <p:spPr>
+          <a:xfrm flipH="1">
+            <a:off x="-108520" y="2791762"/>
+            <a:ext cx="3672408" cy="0"/>
+          </a:xfrm>
+          <a:prstGeom prst="line">
+            <a:avLst/>
+          </a:prstGeom>
+          <a:ln>
+            <a:solidFill>
+              <a:schemeClr val="accent1"/>
+            </a:solidFill>
+          </a:ln>
+          <a:effectLst/>
+        </p:spPr>
+        <p:style>
+          <a:lnRef idx="3">
+            <a:schemeClr val="accent1"/>
+          </a:lnRef>
+          <a:fillRef idx="0">
+            <a:schemeClr val="accent1"/>
+          </a:fillRef>
+          <a:effectRef idx="2">
+            <a:schemeClr val="accent1"/>
+          </a:effectRef>
+          <a:fontRef idx="minor">
+            <a:schemeClr val="tx1"/>
+          </a:fontRef>
+        </p:style>
+      </p:cxnSp>
+    </p:spTree>
+    <p:extLst>
+      <p:ext uri="{BB962C8B-B14F-4D97-AF65-F5344CB8AC3E}">
+        <p14:creationId xmlns:p14="http://schemas.microsoft.com/office/powerpoint/2010/main" val="2132497842"/>
       </p:ext>
     </p:extLst>
   </p:cSld>
@@ -5178,7 +7613,35 @@
                 <a:latin typeface="a옛날목욕탕L" pitchFamily="18" charset="-127"/>
                 <a:ea typeface="a옛날목욕탕L" pitchFamily="18" charset="-127"/>
               </a:rPr>
-              <a:t>범용 페이지 설명</a:t>
+              <a:t>범용 </a:t>
+            </a:r>
+            <a:r>
+              <a:rPr lang="ko-KR" altLang="en-US" sz="3500" dirty="0" smtClean="0">
+                <a:latin typeface="a옛날목욕탕L" pitchFamily="18" charset="-127"/>
+                <a:ea typeface="a옛날목욕탕L" pitchFamily="18" charset="-127"/>
+              </a:rPr>
+              <a:t>페이지</a:t>
+            </a:r>
+            <a:r>
+              <a:rPr lang="en-US" altLang="ko-KR" sz="3500" dirty="0" smtClean="0">
+                <a:latin typeface="a옛날목욕탕L" pitchFamily="18" charset="-127"/>
+                <a:ea typeface="a옛날목욕탕L" pitchFamily="18" charset="-127"/>
+              </a:rPr>
+              <a:t>, </a:t>
+            </a:r>
+            <a:r>
+              <a:rPr lang="ko-KR" altLang="en-US" sz="3500" dirty="0" smtClean="0">
+                <a:latin typeface="a옛날목욕탕L" pitchFamily="18" charset="-127"/>
+                <a:ea typeface="a옛날목욕탕L" pitchFamily="18" charset="-127"/>
+              </a:rPr>
+              <a:t>코드 </a:t>
+            </a:r>
+            <a:r>
+              <a:rPr lang="ko-KR" altLang="en-US" sz="3500" dirty="0" smtClean="0">
+                <a:latin typeface="a옛날목욕탕L" pitchFamily="18" charset="-127"/>
+                <a:ea typeface="a옛날목욕탕L" pitchFamily="18" charset="-127"/>
+              </a:rPr>
+              <a:t>설명</a:t>
             </a:r>
             <a:endParaRPr lang="en-US" altLang="ko-KR" sz="3500" dirty="0" smtClean="0">
               <a:latin typeface="a옛날목욕탕L" pitchFamily="18" charset="-127"/>
@@ -5816,48 +8279,48 @@
           <a:p>
             <a:r>
               <a:rPr lang="ko-KR" altLang="en-US" dirty="0" err="1" smtClean="0">
-                <a:latin typeface="a옛날목욕탕B" pitchFamily="18" charset="-127"/>
-                <a:ea typeface="a옛날목욕탕B" pitchFamily="18" charset="-127"/>
+                <a:latin typeface="a옛날사진관4" pitchFamily="18" charset="-127"/>
+                <a:ea typeface="a옛날사진관4" pitchFamily="18" charset="-127"/>
               </a:rPr>
               <a:t>매뉴의</a:t>
             </a:r>
             <a:r>
               <a:rPr lang="ko-KR" altLang="en-US" dirty="0" smtClean="0">
-                <a:latin typeface="a옛날목욕탕B" pitchFamily="18" charset="-127"/>
-                <a:ea typeface="a옛날목욕탕B" pitchFamily="18" charset="-127"/>
+                <a:latin typeface="a옛날사진관4" pitchFamily="18" charset="-127"/>
+                <a:ea typeface="a옛날사진관4" pitchFamily="18" charset="-127"/>
               </a:rPr>
               <a:t> 링크를 변경하고 </a:t>
             </a:r>
             <a:endParaRPr lang="en-US" altLang="ko-KR" dirty="0" smtClean="0">
-              <a:latin typeface="a옛날목욕탕B" pitchFamily="18" charset="-127"/>
-              <a:ea typeface="a옛날목욕탕B" pitchFamily="18" charset="-127"/>
+              <a:latin typeface="a옛날사진관4" pitchFamily="18" charset="-127"/>
+              <a:ea typeface="a옛날사진관4" pitchFamily="18" charset="-127"/>
             </a:endParaRPr>
           </a:p>
           <a:p>
             <a:r>
               <a:rPr lang="ko-KR" altLang="en-US" dirty="0" smtClean="0">
-                <a:latin typeface="a옛날목욕탕B" pitchFamily="18" charset="-127"/>
-                <a:ea typeface="a옛날목욕탕B" pitchFamily="18" charset="-127"/>
+                <a:latin typeface="a옛날사진관4" pitchFamily="18" charset="-127"/>
+                <a:ea typeface="a옛날사진관4" pitchFamily="18" charset="-127"/>
               </a:rPr>
               <a:t>유</a:t>
             </a:r>
             <a:r>
               <a:rPr lang="ko-KR" altLang="en-US" dirty="0">
-                <a:latin typeface="a옛날목욕탕B" pitchFamily="18" charset="-127"/>
-                <a:ea typeface="a옛날목욕탕B" pitchFamily="18" charset="-127"/>
+                <a:latin typeface="a옛날사진관4" pitchFamily="18" charset="-127"/>
+                <a:ea typeface="a옛날사진관4" pitchFamily="18" charset="-127"/>
               </a:rPr>
               <a:t>저 </a:t>
             </a:r>
             <a:r>
               <a:rPr lang="ko-KR" altLang="en-US" dirty="0" smtClean="0">
-                <a:latin typeface="a옛날목욕탕B" pitchFamily="18" charset="-127"/>
-                <a:ea typeface="a옛날목욕탕B" pitchFamily="18" charset="-127"/>
+                <a:latin typeface="a옛날사진관4" pitchFamily="18" charset="-127"/>
+                <a:ea typeface="a옛날사진관4" pitchFamily="18" charset="-127"/>
               </a:rPr>
               <a:t>정보를 받아오기 위한 부분</a:t>
             </a:r>
             <a:endParaRPr lang="ko-KR" altLang="en-US" dirty="0">
-              <a:latin typeface="a옛날목욕탕B" pitchFamily="18" charset="-127"/>
-              <a:ea typeface="a옛날목욕탕B" pitchFamily="18" charset="-127"/>
+              <a:latin typeface="a옛날사진관4" pitchFamily="18" charset="-127"/>
+              <a:ea typeface="a옛날사진관4" pitchFamily="18" charset="-127"/>
             </a:endParaRPr>
           </a:p>
         </p:txBody>
@@ -5953,7 +8416,7 @@
         <p:spPr>
           <a:xfrm>
             <a:off x="5292080" y="4797152"/>
-            <a:ext cx="3384376" cy="369332"/>
+            <a:ext cx="3384376" cy="646331"/>
           </a:xfrm>
           <a:prstGeom prst="rect">
             <a:avLst/>
@@ -5968,42 +8431,42 @@
           <a:p>
             <a:r>
               <a:rPr lang="ko-KR" altLang="en-US" dirty="0" err="1" smtClean="0">
-                <a:latin typeface="a옛날목욕탕B" pitchFamily="18" charset="-127"/>
-                <a:ea typeface="a옛날목욕탕B" pitchFamily="18" charset="-127"/>
+                <a:latin typeface="a옛날사진관4" pitchFamily="18" charset="-127"/>
+                <a:ea typeface="a옛날사진관4" pitchFamily="18" charset="-127"/>
               </a:rPr>
               <a:t>매뉴의</a:t>
             </a:r>
             <a:r>
               <a:rPr lang="ko-KR" altLang="en-US" dirty="0" smtClean="0">
-                <a:latin typeface="a옛날목욕탕B" pitchFamily="18" charset="-127"/>
-                <a:ea typeface="a옛날목욕탕B" pitchFamily="18" charset="-127"/>
+                <a:latin typeface="a옛날사진관4" pitchFamily="18" charset="-127"/>
+                <a:ea typeface="a옛날사진관4" pitchFamily="18" charset="-127"/>
               </a:rPr>
               <a:t> 링크</a:t>
             </a:r>
             <a:r>
               <a:rPr lang="ko-KR" altLang="en-US" dirty="0">
-                <a:latin typeface="a옛날목욕탕B" pitchFamily="18" charset="-127"/>
-                <a:ea typeface="a옛날목욕탕B" pitchFamily="18" charset="-127"/>
+                <a:latin typeface="a옛날사진관4" pitchFamily="18" charset="-127"/>
+                <a:ea typeface="a옛날사진관4" pitchFamily="18" charset="-127"/>
               </a:rPr>
               <a:t>와 </a:t>
             </a:r>
             <a:r>
               <a:rPr lang="ko-KR" altLang="en-US" dirty="0" smtClean="0">
-                <a:latin typeface="a옛날목욕탕B" pitchFamily="18" charset="-127"/>
-                <a:ea typeface="a옛날목욕탕B" pitchFamily="18" charset="-127"/>
+                <a:latin typeface="a옛날사진관4" pitchFamily="18" charset="-127"/>
+                <a:ea typeface="a옛날사진관4" pitchFamily="18" charset="-127"/>
               </a:rPr>
               <a:t>이름을 </a:t>
             </a:r>
             <a:r>
               <a:rPr lang="ko-KR" altLang="en-US" dirty="0" err="1" smtClean="0">
-                <a:latin typeface="a옛날목욕탕B" pitchFamily="18" charset="-127"/>
-                <a:ea typeface="a옛날목욕탕B" pitchFamily="18" charset="-127"/>
+                <a:latin typeface="a옛날사진관4" pitchFamily="18" charset="-127"/>
+                <a:ea typeface="a옛날사진관4" pitchFamily="18" charset="-127"/>
               </a:rPr>
               <a:t>변경하는부분</a:t>
             </a:r>
             <a:endParaRPr lang="ko-KR" altLang="en-US" dirty="0">
-              <a:latin typeface="a옛날목욕탕B" pitchFamily="18" charset="-127"/>
-              <a:ea typeface="a옛날목욕탕B" pitchFamily="18" charset="-127"/>
+              <a:latin typeface="a옛날사진관4" pitchFamily="18" charset="-127"/>
+              <a:ea typeface="a옛날사진관4" pitchFamily="18" charset="-127"/>
             </a:endParaRPr>
           </a:p>
         </p:txBody>
@@ -6019,8 +8482,8 @@
         </p:nvCxnSpPr>
         <p:spPr>
           <a:xfrm flipV="1">
-            <a:off x="4572000" y="4981818"/>
-            <a:ext cx="720080" cy="303366"/>
+            <a:off x="4572000" y="5120318"/>
+            <a:ext cx="720080" cy="164866"/>
           </a:xfrm>
           <a:prstGeom prst="line">
             <a:avLst/>
@@ -6080,8 +8543,8 @@
         </p:nvCxnSpPr>
         <p:spPr>
           <a:xfrm>
-            <a:off x="1691680" y="2708920"/>
-            <a:ext cx="5760640" cy="0"/>
+            <a:off x="-180528" y="404664"/>
+            <a:ext cx="1296144" cy="0"/>
           </a:xfrm>
           <a:prstGeom prst="line">
             <a:avLst/>
@@ -6105,14 +8568,14 @@
       </p:cxnSp>
       <p:sp>
         <p:nvSpPr>
-          <p:cNvPr id="8" name="TextBox 7"/>
+          <p:cNvPr id="9" name="TextBox 8"/>
           <p:cNvSpPr txBox="1"/>
           <p:nvPr/>
         </p:nvSpPr>
         <p:spPr>
           <a:xfrm>
-            <a:off x="1728700" y="1844824"/>
-            <a:ext cx="5688632" cy="630942"/>
+            <a:off x="107504" y="418506"/>
+            <a:ext cx="2808312" cy="369332"/>
           </a:xfrm>
           <a:prstGeom prst="rect">
             <a:avLst/>
@@ -6125,32 +8588,445 @@
           </a:bodyPr>
           <a:lstStyle/>
           <a:p>
+            <a:r>
+              <a:rPr lang="en-US" altLang="ko-KR" dirty="0" err="1">
+                <a:latin typeface="a옛날목욕탕M" pitchFamily="18" charset="-127"/>
+                <a:ea typeface="a옛날목욕탕M" pitchFamily="18" charset="-127"/>
+              </a:rPr>
+              <a:t>common.jspf</a:t>
+            </a:r>
+            <a:endParaRPr lang="ko-KR" altLang="en-US" dirty="0">
+              <a:latin typeface="a옛날목욕탕M" pitchFamily="18" charset="-127"/>
+              <a:ea typeface="a옛날목욕탕M" pitchFamily="18" charset="-127"/>
+            </a:endParaRPr>
+          </a:p>
+        </p:txBody>
+      </p:sp>
+      <p:cxnSp>
+        <p:nvCxnSpPr>
+          <p:cNvPr id="10" name="직선 연결선 9"/>
+          <p:cNvCxnSpPr/>
+          <p:nvPr/>
+        </p:nvCxnSpPr>
+        <p:spPr>
+          <a:xfrm>
+            <a:off x="1835696" y="6525344"/>
+            <a:ext cx="7416824" cy="0"/>
+          </a:xfrm>
+          <a:prstGeom prst="line">
+            <a:avLst/>
+          </a:prstGeom>
+          <a:effectLst/>
+        </p:spPr>
+        <p:style>
+          <a:lnRef idx="3">
+            <a:schemeClr val="accent1"/>
+          </a:lnRef>
+          <a:fillRef idx="0">
+            <a:schemeClr val="accent1"/>
+          </a:fillRef>
+          <a:effectRef idx="2">
+            <a:schemeClr val="accent1"/>
+          </a:effectRef>
+          <a:fontRef idx="minor">
+            <a:schemeClr val="tx1"/>
+          </a:fontRef>
+        </p:style>
+      </p:cxnSp>
+      <p:pic>
+        <p:nvPicPr>
+          <p:cNvPr id="1026" name="Picture 2" descr="C:\Users\DJA\Desktop\iot_jsp_page\common.PNG"/>
+          <p:cNvPicPr>
+            <a:picLocks noChangeAspect="1" noChangeArrowheads="1"/>
+          </p:cNvPicPr>
+          <p:nvPr/>
+        </p:nvPicPr>
+        <p:blipFill>
+          <a:blip r:embed="rId2">
+            <a:extLst>
+              <a:ext uri="{28A0092B-C50C-407E-A947-70E740481C1C}">
+                <a14:useLocalDpi xmlns:a14="http://schemas.microsoft.com/office/drawing/2010/main" val="0"/>
+              </a:ext>
+            </a:extLst>
+          </a:blip>
+          <a:srcRect/>
+          <a:stretch>
+            <a:fillRect/>
+          </a:stretch>
+        </p:blipFill>
+        <p:spPr bwMode="auto">
+          <a:xfrm>
+            <a:off x="277366" y="1484784"/>
+            <a:ext cx="4438650" cy="2066925"/>
+          </a:xfrm>
+          <a:prstGeom prst="rect">
+            <a:avLst/>
+          </a:prstGeom>
+          <a:noFill/>
+          <a:ln>
+            <a:solidFill>
+              <a:schemeClr val="bg1">
+                <a:lumMod val="75000"/>
+              </a:schemeClr>
+            </a:solidFill>
+          </a:ln>
+          <a:extLst>
+            <a:ext uri="{909E8E84-426E-40DD-AFC4-6F175D3DCCD1}">
+              <a14:hiddenFill xmlns:a14="http://schemas.microsoft.com/office/drawing/2010/main">
+                <a:solidFill>
+                  <a:srgbClr val="FFFFFF"/>
+                </a:solidFill>
+              </a14:hiddenFill>
+            </a:ext>
+          </a:extLst>
+        </p:spPr>
+      </p:pic>
+      <p:sp>
+        <p:nvSpPr>
+          <p:cNvPr id="2" name="TextBox 1"/>
+          <p:cNvSpPr txBox="1"/>
+          <p:nvPr/>
+        </p:nvSpPr>
+        <p:spPr>
+          <a:xfrm>
+            <a:off x="4895528" y="1137181"/>
+            <a:ext cx="4248472" cy="646331"/>
+          </a:xfrm>
+          <a:prstGeom prst="rect">
+            <a:avLst/>
+          </a:prstGeom>
+          <a:noFill/>
+        </p:spPr>
+        <p:txBody>
+          <a:bodyPr wrap="square" rtlCol="0">
+            <a:spAutoFit/>
+          </a:bodyPr>
+          <a:lstStyle/>
+          <a:p>
+            <a:r>
+              <a:rPr lang="ko-KR" altLang="en-US" dirty="0" smtClean="0">
+                <a:latin typeface="a옛날사진관4" pitchFamily="18" charset="-127"/>
+                <a:ea typeface="a옛날사진관4" pitchFamily="18" charset="-127"/>
+              </a:rPr>
+              <a:t>현</a:t>
+            </a:r>
+            <a:r>
+              <a:rPr lang="ko-KR" altLang="en-US" dirty="0">
+                <a:latin typeface="a옛날사진관4" pitchFamily="18" charset="-127"/>
+                <a:ea typeface="a옛날사진관4" pitchFamily="18" charset="-127"/>
+              </a:rPr>
+              <a:t>재 </a:t>
+            </a:r>
+            <a:r>
+              <a:rPr lang="ko-KR" altLang="en-US" dirty="0" smtClean="0">
+                <a:latin typeface="a옛날사진관4" pitchFamily="18" charset="-127"/>
+                <a:ea typeface="a옛날사진관4" pitchFamily="18" charset="-127"/>
+              </a:rPr>
+              <a:t>정보를 받아오고</a:t>
+            </a:r>
+            <a:endParaRPr lang="en-US" altLang="ko-KR" dirty="0" smtClean="0">
+              <a:latin typeface="a옛날사진관4" pitchFamily="18" charset="-127"/>
+              <a:ea typeface="a옛날사진관4" pitchFamily="18" charset="-127"/>
+            </a:endParaRPr>
+          </a:p>
+          <a:p>
+            <a:r>
+              <a:rPr lang="ko-KR" altLang="en-US" dirty="0" smtClean="0">
+                <a:latin typeface="a옛날사진관4" pitchFamily="18" charset="-127"/>
+                <a:ea typeface="a옛날사진관4" pitchFamily="18" charset="-127"/>
+              </a:rPr>
+              <a:t>로그</a:t>
+            </a:r>
+            <a:r>
+              <a:rPr lang="ko-KR" altLang="en-US" dirty="0">
+                <a:latin typeface="a옛날사진관4" pitchFamily="18" charset="-127"/>
+                <a:ea typeface="a옛날사진관4" pitchFamily="18" charset="-127"/>
+              </a:rPr>
+              <a:t>인 </a:t>
+            </a:r>
+            <a:r>
+              <a:rPr lang="ko-KR" altLang="en-US" dirty="0" smtClean="0">
+                <a:latin typeface="a옛날사진관4" pitchFamily="18" charset="-127"/>
+                <a:ea typeface="a옛날사진관4" pitchFamily="18" charset="-127"/>
+              </a:rPr>
+              <a:t>중이 </a:t>
+            </a:r>
+            <a:r>
+              <a:rPr lang="ko-KR" altLang="en-US" dirty="0" err="1" smtClean="0">
+                <a:latin typeface="a옛날사진관4" pitchFamily="18" charset="-127"/>
+                <a:ea typeface="a옛날사진관4" pitchFamily="18" charset="-127"/>
+              </a:rPr>
+              <a:t>아닐시</a:t>
+            </a:r>
+            <a:r>
+              <a:rPr lang="ko-KR" altLang="en-US" dirty="0" smtClean="0">
+                <a:latin typeface="a옛날사진관4" pitchFamily="18" charset="-127"/>
+                <a:ea typeface="a옛날사진관4" pitchFamily="18" charset="-127"/>
+              </a:rPr>
+              <a:t> </a:t>
+            </a:r>
+            <a:r>
+              <a:rPr lang="ko-KR" altLang="en-US" dirty="0" err="1" smtClean="0">
+                <a:latin typeface="a옛날사진관4" pitchFamily="18" charset="-127"/>
+                <a:ea typeface="a옛날사진관4" pitchFamily="18" charset="-127"/>
+              </a:rPr>
+              <a:t>로그인창으로</a:t>
+            </a:r>
+            <a:r>
+              <a:rPr lang="ko-KR" altLang="en-US" dirty="0" smtClean="0">
+                <a:latin typeface="a옛날사진관4" pitchFamily="18" charset="-127"/>
+                <a:ea typeface="a옛날사진관4" pitchFamily="18" charset="-127"/>
+              </a:rPr>
+              <a:t> 보낸다</a:t>
+            </a:r>
+            <a:r>
+              <a:rPr lang="en-US" altLang="ko-KR" dirty="0" smtClean="0">
+                <a:latin typeface="a옛날사진관4" pitchFamily="18" charset="-127"/>
+                <a:ea typeface="a옛날사진관4" pitchFamily="18" charset="-127"/>
+              </a:rPr>
+              <a:t>.</a:t>
+            </a:r>
+            <a:endParaRPr lang="ko-KR" altLang="en-US" dirty="0">
+              <a:latin typeface="a옛날사진관4" pitchFamily="18" charset="-127"/>
+              <a:ea typeface="a옛날사진관4" pitchFamily="18" charset="-127"/>
+            </a:endParaRPr>
+          </a:p>
+        </p:txBody>
+      </p:sp>
+      <p:sp>
+        <p:nvSpPr>
+          <p:cNvPr id="3" name="직사각형 2"/>
+          <p:cNvSpPr/>
+          <p:nvPr/>
+        </p:nvSpPr>
+        <p:spPr>
+          <a:xfrm>
+            <a:off x="277366" y="1621123"/>
+            <a:ext cx="4245351" cy="1008113"/>
+          </a:xfrm>
+          <a:prstGeom prst="rect">
+            <a:avLst/>
+          </a:prstGeom>
+          <a:noFill/>
+          <a:ln>
+            <a:solidFill>
+              <a:schemeClr val="tx2">
+                <a:lumMod val="60000"/>
+                <a:lumOff val="40000"/>
+              </a:schemeClr>
+            </a:solidFill>
+          </a:ln>
+        </p:spPr>
+        <p:style>
+          <a:lnRef idx="2">
+            <a:schemeClr val="accent1">
+              <a:shade val="50000"/>
+            </a:schemeClr>
+          </a:lnRef>
+          <a:fillRef idx="1">
+            <a:schemeClr val="accent1"/>
+          </a:fillRef>
+          <a:effectRef idx="0">
+            <a:schemeClr val="accent1"/>
+          </a:effectRef>
+          <a:fontRef idx="minor">
+            <a:schemeClr val="lt1"/>
+          </a:fontRef>
+        </p:style>
+        <p:txBody>
+          <a:bodyPr rtlCol="0" anchor="ctr"/>
+          <a:lstStyle/>
+          <a:p>
             <a:pPr algn="ctr"/>
-            <a:r>
-              <a:rPr lang="en-US" altLang="ko-KR" sz="3500" dirty="0" smtClean="0">
-                <a:latin typeface="a옛날목욕탕L" pitchFamily="18" charset="-127"/>
-                <a:ea typeface="a옛날목욕탕L" pitchFamily="18" charset="-127"/>
-              </a:rPr>
-              <a:t>Index </a:t>
-            </a:r>
-            <a:r>
-              <a:rPr lang="ko-KR" altLang="en-US" sz="3500" dirty="0" smtClean="0">
-                <a:latin typeface="a옛날목욕탕L" pitchFamily="18" charset="-127"/>
-                <a:ea typeface="a옛날목욕탕L" pitchFamily="18" charset="-127"/>
-              </a:rPr>
-              <a:t>설명</a:t>
-            </a:r>
-            <a:endParaRPr lang="en-US" altLang="ko-KR" sz="3500" dirty="0" smtClean="0">
-              <a:latin typeface="a옛날목욕탕L" pitchFamily="18" charset="-127"/>
-              <a:ea typeface="a옛날목욕탕L" pitchFamily="18" charset="-127"/>
+            <a:endParaRPr lang="ko-KR" altLang="en-US"/>
+          </a:p>
+        </p:txBody>
+      </p:sp>
+      <p:cxnSp>
+        <p:nvCxnSpPr>
+          <p:cNvPr id="6" name="직선 연결선 5"/>
+          <p:cNvCxnSpPr>
+            <a:stCxn id="3" idx="3"/>
+            <a:endCxn id="2" idx="1"/>
+          </p:cNvCxnSpPr>
+          <p:nvPr/>
+        </p:nvCxnSpPr>
+        <p:spPr>
+          <a:xfrm flipV="1">
+            <a:off x="4522717" y="1460347"/>
+            <a:ext cx="372811" cy="664833"/>
+          </a:xfrm>
+          <a:prstGeom prst="line">
+            <a:avLst/>
+          </a:prstGeom>
+          <a:effectLst/>
+        </p:spPr>
+        <p:style>
+          <a:lnRef idx="3">
+            <a:schemeClr val="accent1"/>
+          </a:lnRef>
+          <a:fillRef idx="0">
+            <a:schemeClr val="accent1"/>
+          </a:fillRef>
+          <a:effectRef idx="2">
+            <a:schemeClr val="accent1"/>
+          </a:effectRef>
+          <a:fontRef idx="minor">
+            <a:schemeClr val="tx1"/>
+          </a:fontRef>
+        </p:style>
+      </p:cxnSp>
+      <p:sp>
+        <p:nvSpPr>
+          <p:cNvPr id="13" name="직사각형 12"/>
+          <p:cNvSpPr/>
+          <p:nvPr/>
+        </p:nvSpPr>
+        <p:spPr>
+          <a:xfrm>
+            <a:off x="277366" y="2629236"/>
+            <a:ext cx="4245351" cy="922473"/>
+          </a:xfrm>
+          <a:prstGeom prst="rect">
+            <a:avLst/>
+          </a:prstGeom>
+          <a:noFill/>
+          <a:ln>
+            <a:solidFill>
+              <a:schemeClr val="tx2">
+                <a:lumMod val="60000"/>
+                <a:lumOff val="40000"/>
+              </a:schemeClr>
+            </a:solidFill>
+          </a:ln>
+        </p:spPr>
+        <p:style>
+          <a:lnRef idx="2">
+            <a:schemeClr val="accent1">
+              <a:shade val="50000"/>
+            </a:schemeClr>
+          </a:lnRef>
+          <a:fillRef idx="1">
+            <a:schemeClr val="accent1"/>
+          </a:fillRef>
+          <a:effectRef idx="0">
+            <a:schemeClr val="accent1"/>
+          </a:effectRef>
+          <a:fontRef idx="minor">
+            <a:schemeClr val="lt1"/>
+          </a:fontRef>
+        </p:style>
+        <p:txBody>
+          <a:bodyPr rtlCol="0" anchor="ctr"/>
+          <a:lstStyle/>
+          <a:p>
+            <a:pPr algn="ctr"/>
+            <a:endParaRPr lang="ko-KR" altLang="en-US"/>
+          </a:p>
+        </p:txBody>
+      </p:sp>
+      <p:sp>
+        <p:nvSpPr>
+          <p:cNvPr id="14" name="TextBox 13"/>
+          <p:cNvSpPr txBox="1"/>
+          <p:nvPr/>
+        </p:nvSpPr>
+        <p:spPr>
+          <a:xfrm>
+            <a:off x="4895528" y="3933056"/>
+            <a:ext cx="3996952" cy="369332"/>
+          </a:xfrm>
+          <a:prstGeom prst="rect">
+            <a:avLst/>
+          </a:prstGeom>
+          <a:noFill/>
+        </p:spPr>
+        <p:txBody>
+          <a:bodyPr wrap="square" rtlCol="0">
+            <a:spAutoFit/>
+          </a:bodyPr>
+          <a:lstStyle/>
+          <a:p>
+            <a:r>
+              <a:rPr lang="en-US" altLang="ko-KR" dirty="0" err="1" smtClean="0">
+                <a:latin typeface="a옛날사진관4" pitchFamily="18" charset="-127"/>
+                <a:ea typeface="a옛날사진관4" pitchFamily="18" charset="-127"/>
+              </a:rPr>
+              <a:t>Jquery</a:t>
+            </a:r>
+            <a:r>
+              <a:rPr lang="ko-KR" altLang="en-US" dirty="0" smtClean="0">
+                <a:latin typeface="a옛날사진관4" pitchFamily="18" charset="-127"/>
+                <a:ea typeface="a옛날사진관4" pitchFamily="18" charset="-127"/>
+              </a:rPr>
+              <a:t>와 </a:t>
+            </a:r>
+            <a:r>
+              <a:rPr lang="en-US" altLang="ko-KR" dirty="0" err="1" smtClean="0">
+                <a:latin typeface="a옛날사진관4" pitchFamily="18" charset="-127"/>
+                <a:ea typeface="a옛날사진관4" pitchFamily="18" charset="-127"/>
+              </a:rPr>
+              <a:t>css</a:t>
+            </a:r>
+            <a:r>
+              <a:rPr lang="ko-KR" altLang="en-US" dirty="0" smtClean="0">
+                <a:latin typeface="a옛날사진관4" pitchFamily="18" charset="-127"/>
+                <a:ea typeface="a옛날사진관4" pitchFamily="18" charset="-127"/>
+              </a:rPr>
+              <a:t>를 </a:t>
+            </a:r>
+            <a:r>
+              <a:rPr lang="ko-KR" altLang="en-US" dirty="0" err="1" smtClean="0">
+                <a:latin typeface="a옛날사진관4" pitchFamily="18" charset="-127"/>
+                <a:ea typeface="a옛날사진관4" pitchFamily="18" charset="-127"/>
+              </a:rPr>
+              <a:t>적용하는부분</a:t>
+            </a:r>
+            <a:endParaRPr lang="ko-KR" altLang="en-US" dirty="0">
+              <a:latin typeface="a옛날사진관4" pitchFamily="18" charset="-127"/>
+              <a:ea typeface="a옛날사진관4" pitchFamily="18" charset="-127"/>
             </a:endParaRPr>
           </a:p>
         </p:txBody>
       </p:sp>
+      <p:cxnSp>
+        <p:nvCxnSpPr>
+          <p:cNvPr id="16" name="직선 연결선 15"/>
+          <p:cNvCxnSpPr>
+            <a:stCxn id="13" idx="3"/>
+            <a:endCxn id="14" idx="1"/>
+          </p:cNvCxnSpPr>
+          <p:nvPr/>
+        </p:nvCxnSpPr>
+        <p:spPr>
+          <a:xfrm>
+            <a:off x="4522717" y="3090473"/>
+            <a:ext cx="372811" cy="1027249"/>
+          </a:xfrm>
+          <a:prstGeom prst="line">
+            <a:avLst/>
+          </a:prstGeom>
+          <a:effectLst/>
+        </p:spPr>
+        <p:style>
+          <a:lnRef idx="3">
+            <a:schemeClr val="accent1"/>
+          </a:lnRef>
+          <a:fillRef idx="0">
+            <a:schemeClr val="accent1"/>
+          </a:fillRef>
+          <a:effectRef idx="2">
+            <a:schemeClr val="accent1"/>
+          </a:effectRef>
+          <a:fontRef idx="minor">
+            <a:schemeClr val="tx1"/>
+          </a:fontRef>
+        </p:style>
+      </p:cxnSp>
     </p:spTree>
     <p:extLst>
       <p:ext uri="{BB962C8B-B14F-4D97-AF65-F5344CB8AC3E}">
-        <p14:creationId xmlns:p14="http://schemas.microsoft.com/office/powerpoint/2010/main" val="362054839"/>
+        <p14:creationId xmlns:p14="http://schemas.microsoft.com/office/powerpoint/2010/main" val="1342079389"/>
       </p:ext>
     </p:extLst>
   </p:cSld>
@@ -6231,11 +9107,25 @@
           <a:lstStyle/>
           <a:p>
             <a:r>
+              <a:rPr lang="en-US" altLang="ko-KR" dirty="0" err="1" smtClean="0">
+                <a:latin typeface="a옛날목욕탕M" pitchFamily="18" charset="-127"/>
+                <a:ea typeface="a옛날목욕탕M" pitchFamily="18" charset="-127"/>
+              </a:rPr>
+              <a:t>JspServlet</a:t>
+            </a:r>
+            <a:r>
               <a:rPr lang="ko-KR" altLang="en-US" dirty="0" smtClean="0">
                 <a:latin typeface="a옛날목욕탕M" pitchFamily="18" charset="-127"/>
                 <a:ea typeface="a옛날목욕탕M" pitchFamily="18" charset="-127"/>
               </a:rPr>
-              <a:t>화면 설명</a:t>
+              <a:t> </a:t>
+            </a:r>
+            <a:r>
+              <a:rPr lang="ko-KR" altLang="en-US" dirty="0" smtClean="0">
+                <a:latin typeface="a옛날목욕탕M" pitchFamily="18" charset="-127"/>
+                <a:ea typeface="a옛날목욕탕M" pitchFamily="18" charset="-127"/>
+              </a:rPr>
+              <a:t>설명</a:t>
             </a:r>
             <a:endParaRPr lang="ko-KR" altLang="en-US" dirty="0">
               <a:latin typeface="a옛날목욕탕M" pitchFamily="18" charset="-127"/>
@@ -6275,123 +9165,9 @@
           </a:fontRef>
         </p:style>
       </p:cxnSp>
-      <p:sp>
-        <p:nvSpPr>
-          <p:cNvPr id="15" name="TextBox 14"/>
-          <p:cNvSpPr txBox="1"/>
-          <p:nvPr/>
-        </p:nvSpPr>
-        <p:spPr>
-          <a:xfrm>
-            <a:off x="1691680" y="5301208"/>
-            <a:ext cx="7200800" cy="923330"/>
-          </a:xfrm>
-          <a:prstGeom prst="rect">
-            <a:avLst/>
-          </a:prstGeom>
-          <a:noFill/>
-        </p:spPr>
-        <p:txBody>
-          <a:bodyPr wrap="square" rtlCol="0">
-            <a:spAutoFit/>
-          </a:bodyPr>
-          <a:lstStyle/>
-          <a:p>
-            <a:r>
-              <a:rPr lang="ko-KR" altLang="en-US" dirty="0" smtClean="0">
-                <a:latin typeface="a옛날사진관4" pitchFamily="18" charset="-127"/>
-                <a:ea typeface="a옛날사진관4" pitchFamily="18" charset="-127"/>
-              </a:rPr>
-              <a:t>상단에</a:t>
-            </a:r>
-            <a:r>
-              <a:rPr lang="ko-KR" altLang="en-US" dirty="0">
-                <a:latin typeface="a옛날사진관4" pitchFamily="18" charset="-127"/>
-                <a:ea typeface="a옛날사진관4" pitchFamily="18" charset="-127"/>
-              </a:rPr>
-              <a:t>는 </a:t>
-            </a:r>
-            <a:r>
-              <a:rPr lang="ko-KR" altLang="en-US" dirty="0" err="1" smtClean="0">
-                <a:latin typeface="a옛날사진관4" pitchFamily="18" charset="-127"/>
-                <a:ea typeface="a옛날사진관4" pitchFamily="18" charset="-127"/>
-              </a:rPr>
-              <a:t>매뉴바가</a:t>
-            </a:r>
-            <a:r>
-              <a:rPr lang="ko-KR" altLang="en-US" dirty="0" smtClean="0">
-                <a:latin typeface="a옛날사진관4" pitchFamily="18" charset="-127"/>
-                <a:ea typeface="a옛날사진관4" pitchFamily="18" charset="-127"/>
-              </a:rPr>
-              <a:t> 적용되어있으며</a:t>
-            </a:r>
-            <a:endParaRPr lang="en-US" altLang="ko-KR" dirty="0" smtClean="0">
-              <a:latin typeface="a옛날사진관4" pitchFamily="18" charset="-127"/>
-              <a:ea typeface="a옛날사진관4" pitchFamily="18" charset="-127"/>
-            </a:endParaRPr>
-          </a:p>
-          <a:p>
-            <a:r>
-              <a:rPr lang="en-US" altLang="ko-KR" dirty="0" smtClean="0">
-                <a:latin typeface="a옛날사진관4" pitchFamily="18" charset="-127"/>
-                <a:ea typeface="a옛날사진관4" pitchFamily="18" charset="-127"/>
-              </a:rPr>
-              <a:t>Body </a:t>
-            </a:r>
-            <a:r>
-              <a:rPr lang="ko-KR" altLang="en-US" dirty="0" smtClean="0">
-                <a:latin typeface="a옛날사진관4" pitchFamily="18" charset="-127"/>
-                <a:ea typeface="a옛날사진관4" pitchFamily="18" charset="-127"/>
-              </a:rPr>
-              <a:t>부분에는 백그라운드로 영상을 출력해주었다</a:t>
-            </a:r>
-            <a:r>
-              <a:rPr lang="en-US" altLang="ko-KR" dirty="0" smtClean="0">
-                <a:latin typeface="a옛날사진관4" pitchFamily="18" charset="-127"/>
-                <a:ea typeface="a옛날사진관4" pitchFamily="18" charset="-127"/>
-              </a:rPr>
-              <a:t>.</a:t>
-            </a:r>
-          </a:p>
-          <a:p>
-            <a:r>
-              <a:rPr lang="ko-KR" altLang="en-US" dirty="0" smtClean="0">
-                <a:latin typeface="a옛날사진관4" pitchFamily="18" charset="-127"/>
-                <a:ea typeface="a옛날사진관4" pitchFamily="18" charset="-127"/>
-              </a:rPr>
-              <a:t>또</a:t>
-            </a:r>
-            <a:r>
-              <a:rPr lang="ko-KR" altLang="en-US" dirty="0">
-                <a:latin typeface="a옛날사진관4" pitchFamily="18" charset="-127"/>
-                <a:ea typeface="a옛날사진관4" pitchFamily="18" charset="-127"/>
-              </a:rPr>
-              <a:t>한 </a:t>
-            </a:r>
-            <a:r>
-              <a:rPr lang="ko-KR" altLang="en-US" dirty="0" smtClean="0">
-                <a:latin typeface="a옛날사진관4" pitchFamily="18" charset="-127"/>
-                <a:ea typeface="a옛날사진관4" pitchFamily="18" charset="-127"/>
-              </a:rPr>
-              <a:t>환영 메시지로 유저의 이름을 출력하였다</a:t>
-            </a:r>
-            <a:r>
-              <a:rPr lang="en-US" altLang="ko-KR" dirty="0" smtClean="0">
-                <a:latin typeface="a옛날사진관4" pitchFamily="18" charset="-127"/>
-                <a:ea typeface="a옛날사진관4" pitchFamily="18" charset="-127"/>
-              </a:rPr>
-              <a:t>.</a:t>
-            </a:r>
-            <a:endParaRPr lang="ko-KR" altLang="en-US" dirty="0">
-              <a:latin typeface="a옛날사진관4" pitchFamily="18" charset="-127"/>
-              <a:ea typeface="a옛날사진관4" pitchFamily="18" charset="-127"/>
-            </a:endParaRPr>
-          </a:p>
-        </p:txBody>
-      </p:sp>
       <p:pic>
         <p:nvPicPr>
-          <p:cNvPr id="2051" name="Picture 3" descr="C:\Users\DJA\Downloads\screencapture-localhost-1515568629566.png"/>
+          <p:cNvPr id="2050" name="Picture 2" descr="C:\Users\DJA\Desktop\iot_jsp_page\jspServlet.PNG"/>
           <p:cNvPicPr>
             <a:picLocks noChangeAspect="1" noChangeArrowheads="1"/>
           </p:cNvPicPr>
@@ -6412,8 +9188,8 @@
         </p:blipFill>
         <p:spPr bwMode="auto">
           <a:xfrm>
-            <a:off x="0" y="787838"/>
-            <a:ext cx="9144000" cy="4405313"/>
+            <a:off x="179511" y="1196752"/>
+            <a:ext cx="6488113" cy="3590925"/>
           </a:xfrm>
           <a:prstGeom prst="rect">
             <a:avLst/>
@@ -6437,10 +9213,81 @@
           </a:extLst>
         </p:spPr>
       </p:pic>
+      <p:sp>
+        <p:nvSpPr>
+          <p:cNvPr id="7" name="TextBox 6"/>
+          <p:cNvSpPr txBox="1"/>
+          <p:nvPr/>
+        </p:nvSpPr>
+        <p:spPr>
+          <a:xfrm>
+            <a:off x="3995936" y="5157192"/>
+            <a:ext cx="5040560" cy="369332"/>
+          </a:xfrm>
+          <a:prstGeom prst="rect">
+            <a:avLst/>
+          </a:prstGeom>
+          <a:noFill/>
+        </p:spPr>
+        <p:txBody>
+          <a:bodyPr wrap="square" rtlCol="0">
+            <a:spAutoFit/>
+          </a:bodyPr>
+          <a:lstStyle/>
+          <a:p>
+            <a:r>
+              <a:rPr lang="ko-KR" altLang="en-US" dirty="0" smtClean="0">
+                <a:latin typeface="a옛날사진관4" pitchFamily="18" charset="-127"/>
+                <a:ea typeface="a옛날사진관4" pitchFamily="18" charset="-127"/>
+              </a:rPr>
+              <a:t>주소</a:t>
+            </a:r>
+            <a:r>
+              <a:rPr lang="ko-KR" altLang="en-US" dirty="0">
+                <a:latin typeface="a옛날사진관4" pitchFamily="18" charset="-127"/>
+                <a:ea typeface="a옛날사진관4" pitchFamily="18" charset="-127"/>
+              </a:rPr>
+              <a:t>를 </a:t>
+            </a:r>
+            <a:r>
+              <a:rPr lang="ko-KR" altLang="en-US" dirty="0" smtClean="0">
+                <a:latin typeface="a옛날사진관4" pitchFamily="18" charset="-127"/>
+                <a:ea typeface="a옛날사진관4" pitchFamily="18" charset="-127"/>
+              </a:rPr>
+              <a:t>해당하는 </a:t>
+            </a:r>
+            <a:r>
+              <a:rPr lang="en-US" altLang="ko-KR" dirty="0" err="1" smtClean="0">
+                <a:latin typeface="a옛날사진관4" pitchFamily="18" charset="-127"/>
+                <a:ea typeface="a옛날사진관4" pitchFamily="18" charset="-127"/>
+              </a:rPr>
+              <a:t>jsp</a:t>
+            </a:r>
+            <a:r>
+              <a:rPr lang="ko-KR" altLang="en-US" dirty="0" smtClean="0">
+                <a:latin typeface="a옛날사진관4" pitchFamily="18" charset="-127"/>
+                <a:ea typeface="a옛날사진관4" pitchFamily="18" charset="-127"/>
+              </a:rPr>
+              <a:t>파일로 옮겨주는 역할을 한다</a:t>
+            </a:r>
+            <a:r>
+              <a:rPr lang="en-US" altLang="ko-KR" dirty="0" smtClean="0">
+                <a:latin typeface="a옛날사진관4" pitchFamily="18" charset="-127"/>
+                <a:ea typeface="a옛날사진관4" pitchFamily="18" charset="-127"/>
+              </a:rPr>
+              <a:t>.</a:t>
+            </a:r>
+            <a:endParaRPr lang="ko-KR" altLang="en-US" dirty="0">
+              <a:latin typeface="a옛날사진관4" pitchFamily="18" charset="-127"/>
+              <a:ea typeface="a옛날사진관4" pitchFamily="18" charset="-127"/>
+            </a:endParaRPr>
+          </a:p>
+        </p:txBody>
+      </p:sp>
     </p:spTree>
     <p:extLst>
       <p:ext uri="{BB962C8B-B14F-4D97-AF65-F5344CB8AC3E}">
-        <p14:creationId xmlns:p14="http://schemas.microsoft.com/office/powerpoint/2010/main" val="1295074175"/>
+        <p14:creationId xmlns:p14="http://schemas.microsoft.com/office/powerpoint/2010/main" val="1608532907"/>
       </p:ext>
     </p:extLst>
   </p:cSld>
@@ -6521,18 +9368,32 @@
           <a:lstStyle/>
           <a:p>
             <a:r>
-              <a:rPr lang="en-US" altLang="ko-KR" dirty="0" err="1" smtClean="0">
+              <a:rPr lang="en-US" altLang="ko-KR" dirty="0" smtClean="0">
                 <a:latin typeface="a옛날목욕탕M" pitchFamily="18" charset="-127"/>
                 <a:ea typeface="a옛날목욕탕M" pitchFamily="18" charset="-127"/>
               </a:rPr>
-              <a:t>Iframe</a:t>
+              <a:t>Index </a:t>
             </a:r>
             <a:r>
               <a:rPr lang="ko-KR" altLang="en-US" dirty="0" smtClean="0">
                 <a:latin typeface="a옛날목욕탕M" pitchFamily="18" charset="-127"/>
                 <a:ea typeface="a옛날목욕탕M" pitchFamily="18" charset="-127"/>
               </a:rPr>
-              <a:t> 설명</a:t>
+              <a:t>페이</a:t>
+            </a:r>
+            <a:r>
+              <a:rPr lang="ko-KR" altLang="en-US" dirty="0">
+                <a:latin typeface="a옛날목욕탕M" pitchFamily="18" charset="-127"/>
+                <a:ea typeface="a옛날목욕탕M" pitchFamily="18" charset="-127"/>
+              </a:rPr>
+              <a:t>지 </a:t>
+            </a:r>
+            <a:r>
+              <a:rPr lang="ko-KR" altLang="en-US" dirty="0" smtClean="0">
+                <a:latin typeface="a옛날목욕탕M" pitchFamily="18" charset="-127"/>
+                <a:ea typeface="a옛날목욕탕M" pitchFamily="18" charset="-127"/>
+              </a:rPr>
+              <a:t>설명</a:t>
             </a:r>
             <a:endParaRPr lang="ko-KR" altLang="en-US" dirty="0">
               <a:latin typeface="a옛날목욕탕M" pitchFamily="18" charset="-127"/>
@@ -6575,7 +9436,7 @@
     </p:spTree>
     <p:extLst>
       <p:ext uri="{BB962C8B-B14F-4D97-AF65-F5344CB8AC3E}">
-        <p14:creationId xmlns:p14="http://schemas.microsoft.com/office/powerpoint/2010/main" val="2852993343"/>
+        <p14:creationId xmlns:p14="http://schemas.microsoft.com/office/powerpoint/2010/main" val="1685918592"/>
       </p:ext>
     </p:extLst>
   </p:cSld>
@@ -6660,7 +9521,28 @@
                 <a:latin typeface="a옛날목욕탕M" pitchFamily="18" charset="-127"/>
                 <a:ea typeface="a옛날목욕탕M" pitchFamily="18" charset="-127"/>
               </a:rPr>
-              <a:t>Login</a:t>
+              <a:t>Index </a:t>
+            </a:r>
+            <a:r>
+              <a:rPr lang="ko-KR" altLang="en-US" dirty="0" smtClean="0">
+                <a:latin typeface="a옛날목욕탕M" pitchFamily="18" charset="-127"/>
+                <a:ea typeface="a옛날목욕탕M" pitchFamily="18" charset="-127"/>
+              </a:rPr>
+              <a:t>페이</a:t>
+            </a:r>
+            <a:r>
+              <a:rPr lang="ko-KR" altLang="en-US" dirty="0">
+                <a:latin typeface="a옛날목욕탕M" pitchFamily="18" charset="-127"/>
+                <a:ea typeface="a옛날목욕탕M" pitchFamily="18" charset="-127"/>
+              </a:rPr>
+              <a:t>지 </a:t>
+            </a:r>
+            <a:r>
+              <a:rPr lang="ko-KR" altLang="en-US" dirty="0" smtClean="0">
+                <a:latin typeface="a옛날목욕탕M" pitchFamily="18" charset="-127"/>
+                <a:ea typeface="a옛날목욕탕M" pitchFamily="18" charset="-127"/>
+              </a:rPr>
+              <a:t>설명</a:t>
             </a:r>
             <a:endParaRPr lang="ko-KR" altLang="en-US" dirty="0">
               <a:latin typeface="a옛날목욕탕M" pitchFamily="18" charset="-127"/>
@@ -6700,168 +9582,10 @@
           </a:fontRef>
         </p:style>
       </p:cxnSp>
-      <p:pic>
-        <p:nvPicPr>
-          <p:cNvPr id="1026" name="Picture 2" descr="C:\Users\DJA\Downloads\screencapture-localhost-user-logout-1515568594878.png"/>
-          <p:cNvPicPr>
-            <a:picLocks noChangeAspect="1" noChangeArrowheads="1"/>
-          </p:cNvPicPr>
-          <p:nvPr/>
-        </p:nvPicPr>
-        <p:blipFill>
-          <a:blip r:embed="rId2">
-            <a:extLst>
-              <a:ext uri="{28A0092B-C50C-407E-A947-70E740481C1C}">
-                <a14:useLocalDpi xmlns:a14="http://schemas.microsoft.com/office/drawing/2010/main" val="0"/>
-              </a:ext>
-            </a:extLst>
-          </a:blip>
-          <a:srcRect/>
-          <a:stretch>
-            <a:fillRect/>
-          </a:stretch>
-        </p:blipFill>
-        <p:spPr bwMode="auto">
-          <a:xfrm>
-            <a:off x="0" y="787838"/>
-            <a:ext cx="9144000" cy="4405313"/>
-          </a:xfrm>
-          <a:prstGeom prst="rect">
-            <a:avLst/>
-          </a:prstGeom>
-          <a:noFill/>
-          <a:ln>
-            <a:solidFill>
-              <a:schemeClr val="bg1">
-                <a:lumMod val="75000"/>
-              </a:schemeClr>
-            </a:solidFill>
-          </a:ln>
-          <a:extLst>
-            <a:ext uri="{909E8E84-426E-40DD-AFC4-6F175D3DCCD1}">
-              <a14:hiddenFill xmlns:a14="http://schemas.microsoft.com/office/drawing/2010/main">
-                <a:solidFill>
-                  <a:srgbClr val="FFFFFF"/>
-                </a:solidFill>
-              </a14:hiddenFill>
-            </a:ext>
-          </a:extLst>
-        </p:spPr>
-      </p:pic>
-      <p:sp>
-        <p:nvSpPr>
-          <p:cNvPr id="6" name="TextBox 5"/>
-          <p:cNvSpPr txBox="1"/>
-          <p:nvPr/>
-        </p:nvSpPr>
-        <p:spPr>
-          <a:xfrm>
-            <a:off x="1691680" y="5301208"/>
-            <a:ext cx="7200800" cy="923330"/>
-          </a:xfrm>
-          <a:prstGeom prst="rect">
-            <a:avLst/>
-          </a:prstGeom>
-          <a:noFill/>
-        </p:spPr>
-        <p:txBody>
-          <a:bodyPr wrap="square" rtlCol="0">
-            <a:spAutoFit/>
-          </a:bodyPr>
-          <a:lstStyle/>
-          <a:p>
-            <a:r>
-              <a:rPr lang="ko-KR" altLang="en-US" dirty="0">
-                <a:latin typeface="a옛날사진관4" pitchFamily="18" charset="-127"/>
-                <a:ea typeface="a옛날사진관4" pitchFamily="18" charset="-127"/>
-              </a:rPr>
-              <a:t>로그인 이 되어있지 않다면 이 페이지로 이동된다</a:t>
-            </a:r>
-            <a:r>
-              <a:rPr lang="en-US" altLang="ko-KR" dirty="0">
-                <a:latin typeface="a옛날사진관4" pitchFamily="18" charset="-127"/>
-                <a:ea typeface="a옛날사진관4" pitchFamily="18" charset="-127"/>
-              </a:rPr>
-              <a:t>.</a:t>
-            </a:r>
-          </a:p>
-          <a:p>
-            <a:r>
-              <a:rPr lang="ko-KR" altLang="en-US" dirty="0">
-                <a:latin typeface="a옛날사진관4" pitchFamily="18" charset="-127"/>
-                <a:ea typeface="a옛날사진관4" pitchFamily="18" charset="-127"/>
-              </a:rPr>
-              <a:t>체크박스를 클릭한 뒤 </a:t>
-            </a:r>
-            <a:r>
-              <a:rPr lang="ko-KR" altLang="en-US" dirty="0" err="1">
-                <a:latin typeface="a옛날사진관4" pitchFamily="18" charset="-127"/>
-                <a:ea typeface="a옛날사진관4" pitchFamily="18" charset="-127"/>
-              </a:rPr>
-              <a:t>로그인할시</a:t>
-            </a:r>
-            <a:r>
-              <a:rPr lang="ko-KR" altLang="en-US" dirty="0">
-                <a:latin typeface="a옛날사진관4" pitchFamily="18" charset="-127"/>
-                <a:ea typeface="a옛날사진관4" pitchFamily="18" charset="-127"/>
-              </a:rPr>
-              <a:t> </a:t>
-            </a:r>
-            <a:r>
-              <a:rPr lang="en-US" altLang="ko-KR" dirty="0">
-                <a:latin typeface="a옛날사진관4" pitchFamily="18" charset="-127"/>
-                <a:ea typeface="a옛날사진관4" pitchFamily="18" charset="-127"/>
-              </a:rPr>
-              <a:t>Id</a:t>
-            </a:r>
-            <a:r>
-              <a:rPr lang="ko-KR" altLang="en-US" dirty="0">
-                <a:latin typeface="a옛날사진관4" pitchFamily="18" charset="-127"/>
-                <a:ea typeface="a옛날사진관4" pitchFamily="18" charset="-127"/>
-              </a:rPr>
-              <a:t>가 저장된다</a:t>
-            </a:r>
-            <a:r>
-              <a:rPr lang="en-US" altLang="ko-KR" dirty="0">
-                <a:latin typeface="a옛날사진관4" pitchFamily="18" charset="-127"/>
-                <a:ea typeface="a옛날사진관4" pitchFamily="18" charset="-127"/>
-              </a:rPr>
-              <a:t>.</a:t>
-            </a:r>
-          </a:p>
-          <a:p>
-            <a:r>
-              <a:rPr lang="en-US" altLang="ko-KR" dirty="0">
-                <a:latin typeface="a옛날사진관4" pitchFamily="18" charset="-127"/>
-                <a:ea typeface="a옛날사진관4" pitchFamily="18" charset="-127"/>
-              </a:rPr>
-              <a:t>Register</a:t>
-            </a:r>
-            <a:r>
-              <a:rPr lang="ko-KR" altLang="en-US" dirty="0">
-                <a:latin typeface="a옛날사진관4" pitchFamily="18" charset="-127"/>
-                <a:ea typeface="a옛날사진관4" pitchFamily="18" charset="-127"/>
-              </a:rPr>
-              <a:t>를 클릭하여 회원가입 페이지로 이동할 수 있다</a:t>
-            </a:r>
-            <a:r>
-              <a:rPr lang="en-US" altLang="ko-KR" dirty="0">
-                <a:latin typeface="a옛날사진관4" pitchFamily="18" charset="-127"/>
-                <a:ea typeface="a옛날사진관4" pitchFamily="18" charset="-127"/>
-              </a:rPr>
-              <a:t>.</a:t>
-            </a:r>
-            <a:endParaRPr lang="ko-KR" altLang="en-US" dirty="0">
-              <a:latin typeface="a옛날사진관4" pitchFamily="18" charset="-127"/>
-              <a:ea typeface="a옛날사진관4" pitchFamily="18" charset="-127"/>
-            </a:endParaRPr>
-          </a:p>
-        </p:txBody>
-      </p:sp>
     </p:spTree>
     <p:extLst>
       <p:ext uri="{BB962C8B-B14F-4D97-AF65-F5344CB8AC3E}">
-        <p14:creationId xmlns:p14="http://schemas.microsoft.com/office/powerpoint/2010/main" val="1466935011"/>
+        <p14:creationId xmlns:p14="http://schemas.microsoft.com/office/powerpoint/2010/main" val="1685918592"/>
       </p:ext>
     </p:extLst>
   </p:cSld>

--- a/iot_jsp2/iot_jsp_page/문희주_웹페이지_발표.pptx
+++ b/iot_jsp2/iot_jsp_page/문희주_웹페이지_발표.pptx
@@ -46,16 +46,16 @@
       <p:regular r:id="rId31"/>
     </p:embeddedFont>
     <p:embeddedFont>
-      <p:font typeface="a옛날목욕탕L" pitchFamily="18" charset="-127"/>
+      <p:font typeface="맑은 고딕" pitchFamily="50" charset="-127"/>
       <p:regular r:id="rId32"/>
-    </p:embeddedFont>
-    <p:embeddedFont>
-      <p:font typeface="맑은 고딕" pitchFamily="50" charset="-127"/>
-      <p:regular r:id="rId33"/>
-      <p:bold r:id="rId34"/>
+      <p:bold r:id="rId33"/>
     </p:embeddedFont>
     <p:embeddedFont>
       <p:font typeface="a옛날사진관4" pitchFamily="18" charset="-127"/>
+      <p:regular r:id="rId34"/>
+    </p:embeddedFont>
+    <p:embeddedFont>
+      <p:font typeface="a옛날목욕탕L" pitchFamily="18" charset="-127"/>
       <p:regular r:id="rId35"/>
     </p:embeddedFont>
   </p:embeddedFontLst>
@@ -338,7 +338,7 @@
           <a:p>
             <a:fld id="{A643A276-3D8B-4F89-91E1-AB6E4EF25AD0}" type="datetimeFigureOut">
               <a:rPr lang="ko-KR" altLang="en-US" smtClean="0"/>
-              <a:t>2018-01-11</a:t>
+              <a:t>2018-01-15</a:t>
             </a:fld>
             <a:endParaRPr lang="ko-KR" altLang="en-US"/>
           </a:p>
@@ -508,7 +508,7 @@
           <a:p>
             <a:fld id="{A643A276-3D8B-4F89-91E1-AB6E4EF25AD0}" type="datetimeFigureOut">
               <a:rPr lang="ko-KR" altLang="en-US" smtClean="0"/>
-              <a:t>2018-01-11</a:t>
+              <a:t>2018-01-15</a:t>
             </a:fld>
             <a:endParaRPr lang="ko-KR" altLang="en-US"/>
           </a:p>
@@ -688,7 +688,7 @@
           <a:p>
             <a:fld id="{A643A276-3D8B-4F89-91E1-AB6E4EF25AD0}" type="datetimeFigureOut">
               <a:rPr lang="ko-KR" altLang="en-US" smtClean="0"/>
-              <a:t>2018-01-11</a:t>
+              <a:t>2018-01-15</a:t>
             </a:fld>
             <a:endParaRPr lang="ko-KR" altLang="en-US"/>
           </a:p>
@@ -858,7 +858,7 @@
           <a:p>
             <a:fld id="{A643A276-3D8B-4F89-91E1-AB6E4EF25AD0}" type="datetimeFigureOut">
               <a:rPr lang="ko-KR" altLang="en-US" smtClean="0"/>
-              <a:t>2018-01-11</a:t>
+              <a:t>2018-01-15</a:t>
             </a:fld>
             <a:endParaRPr lang="ko-KR" altLang="en-US"/>
           </a:p>
@@ -1104,7 +1104,7 @@
           <a:p>
             <a:fld id="{A643A276-3D8B-4F89-91E1-AB6E4EF25AD0}" type="datetimeFigureOut">
               <a:rPr lang="ko-KR" altLang="en-US" smtClean="0"/>
-              <a:t>2018-01-11</a:t>
+              <a:t>2018-01-15</a:t>
             </a:fld>
             <a:endParaRPr lang="ko-KR" altLang="en-US"/>
           </a:p>
@@ -1392,7 +1392,7 @@
           <a:p>
             <a:fld id="{A643A276-3D8B-4F89-91E1-AB6E4EF25AD0}" type="datetimeFigureOut">
               <a:rPr lang="ko-KR" altLang="en-US" smtClean="0"/>
-              <a:t>2018-01-11</a:t>
+              <a:t>2018-01-15</a:t>
             </a:fld>
             <a:endParaRPr lang="ko-KR" altLang="en-US"/>
           </a:p>
@@ -1814,7 +1814,7 @@
           <a:p>
             <a:fld id="{A643A276-3D8B-4F89-91E1-AB6E4EF25AD0}" type="datetimeFigureOut">
               <a:rPr lang="ko-KR" altLang="en-US" smtClean="0"/>
-              <a:t>2018-01-11</a:t>
+              <a:t>2018-01-15</a:t>
             </a:fld>
             <a:endParaRPr lang="ko-KR" altLang="en-US"/>
           </a:p>
@@ -1932,7 +1932,7 @@
           <a:p>
             <a:fld id="{A643A276-3D8B-4F89-91E1-AB6E4EF25AD0}" type="datetimeFigureOut">
               <a:rPr lang="ko-KR" altLang="en-US" smtClean="0"/>
-              <a:t>2018-01-11</a:t>
+              <a:t>2018-01-15</a:t>
             </a:fld>
             <a:endParaRPr lang="ko-KR" altLang="en-US"/>
           </a:p>
@@ -2027,7 +2027,7 @@
           <a:p>
             <a:fld id="{A643A276-3D8B-4F89-91E1-AB6E4EF25AD0}" type="datetimeFigureOut">
               <a:rPr lang="ko-KR" altLang="en-US" smtClean="0"/>
-              <a:t>2018-01-11</a:t>
+              <a:t>2018-01-15</a:t>
             </a:fld>
             <a:endParaRPr lang="ko-KR" altLang="en-US"/>
           </a:p>
@@ -2304,7 +2304,7 @@
           <a:p>
             <a:fld id="{A643A276-3D8B-4F89-91E1-AB6E4EF25AD0}" type="datetimeFigureOut">
               <a:rPr lang="ko-KR" altLang="en-US" smtClean="0"/>
-              <a:t>2018-01-11</a:t>
+              <a:t>2018-01-15</a:t>
             </a:fld>
             <a:endParaRPr lang="ko-KR" altLang="en-US"/>
           </a:p>
@@ -2557,7 +2557,7 @@
           <a:p>
             <a:fld id="{A643A276-3D8B-4F89-91E1-AB6E4EF25AD0}" type="datetimeFigureOut">
               <a:rPr lang="ko-KR" altLang="en-US" smtClean="0"/>
-              <a:t>2018-01-11</a:t>
+              <a:t>2018-01-15</a:t>
             </a:fld>
             <a:endParaRPr lang="ko-KR" altLang="en-US"/>
           </a:p>
@@ -2770,7 +2770,7 @@
           <a:p>
             <a:fld id="{A643A276-3D8B-4F89-91E1-AB6E4EF25AD0}" type="datetimeFigureOut">
               <a:rPr lang="ko-KR" altLang="en-US" smtClean="0"/>
-              <a:t>2018-01-11</a:t>
+              <a:t>2018-01-15</a:t>
             </a:fld>
             <a:endParaRPr lang="ko-KR" altLang="en-US"/>
           </a:p>
@@ -3816,14 +3816,7 @@
                 <a:latin typeface="a옛날목욕탕M" pitchFamily="18" charset="-127"/>
                 <a:ea typeface="a옛날목욕탕M" pitchFamily="18" charset="-127"/>
               </a:rPr>
-              <a:t>코드 </a:t>
-            </a:r>
-            <a:r>
-              <a:rPr lang="ko-KR" altLang="en-US" dirty="0" smtClean="0">
-                <a:latin typeface="a옛날목욕탕M" pitchFamily="18" charset="-127"/>
-                <a:ea typeface="a옛날목욕탕M" pitchFamily="18" charset="-127"/>
-              </a:rPr>
-              <a:t>설명</a:t>
+              <a:t>코드 설명</a:t>
             </a:r>
             <a:endParaRPr lang="ko-KR" altLang="en-US" dirty="0">
               <a:latin typeface="a옛날목욕탕M" pitchFamily="18" charset="-127"/>
@@ -5077,14 +5070,7 @@
                 <a:latin typeface="a옛날목욕탕M" pitchFamily="18" charset="-127"/>
                 <a:ea typeface="a옛날목욕탕M" pitchFamily="18" charset="-127"/>
               </a:rPr>
-              <a:t>Login</a:t>
-            </a:r>
-            <a:r>
-              <a:rPr lang="en-US" altLang="ko-KR" dirty="0" smtClean="0">
-                <a:latin typeface="a옛날목욕탕M" pitchFamily="18" charset="-127"/>
-                <a:ea typeface="a옛날목욕탕M" pitchFamily="18" charset="-127"/>
-              </a:rPr>
-              <a:t> </a:t>
+              <a:t>Login </a:t>
             </a:r>
             <a:r>
               <a:rPr lang="ko-KR" altLang="en-US" dirty="0" smtClean="0">
@@ -7613,35 +7599,21 @@
                 <a:latin typeface="a옛날목욕탕L" pitchFamily="18" charset="-127"/>
                 <a:ea typeface="a옛날목욕탕L" pitchFamily="18" charset="-127"/>
               </a:rPr>
-              <a:t>범용 </a:t>
+              <a:t>범용 페이지</a:t>
+            </a:r>
+            <a:r>
+              <a:rPr lang="en-US" altLang="ko-KR" sz="3500" dirty="0" smtClean="0">
+                <a:latin typeface="a옛날목욕탕L" pitchFamily="18" charset="-127"/>
+                <a:ea typeface="a옛날목욕탕L" pitchFamily="18" charset="-127"/>
+              </a:rPr>
+              <a:t>, </a:t>
             </a:r>
             <a:r>
               <a:rPr lang="ko-KR" altLang="en-US" sz="3500" dirty="0" smtClean="0">
                 <a:latin typeface="a옛날목욕탕L" pitchFamily="18" charset="-127"/>
                 <a:ea typeface="a옛날목욕탕L" pitchFamily="18" charset="-127"/>
               </a:rPr>
-              <a:t>페이지</a:t>
-            </a:r>
-            <a:r>
-              <a:rPr lang="en-US" altLang="ko-KR" sz="3500" dirty="0" smtClean="0">
-                <a:latin typeface="a옛날목욕탕L" pitchFamily="18" charset="-127"/>
-                <a:ea typeface="a옛날목욕탕L" pitchFamily="18" charset="-127"/>
-              </a:rPr>
-              <a:t>, </a:t>
-            </a:r>
-            <a:r>
-              <a:rPr lang="ko-KR" altLang="en-US" sz="3500" dirty="0" smtClean="0">
-                <a:latin typeface="a옛날목욕탕L" pitchFamily="18" charset="-127"/>
-                <a:ea typeface="a옛날목욕탕L" pitchFamily="18" charset="-127"/>
-              </a:rPr>
-              <a:t>코드 </a:t>
-            </a:r>
-            <a:r>
-              <a:rPr lang="ko-KR" altLang="en-US" sz="3500" dirty="0" smtClean="0">
-                <a:latin typeface="a옛날목욕탕L" pitchFamily="18" charset="-127"/>
-                <a:ea typeface="a옛날목욕탕L" pitchFamily="18" charset="-127"/>
-              </a:rPr>
-              <a:t>설명</a:t>
+              <a:t>코드 설명</a:t>
             </a:r>
             <a:endParaRPr lang="en-US" altLang="ko-KR" sz="3500" dirty="0" smtClean="0">
               <a:latin typeface="a옛날목욕탕L" pitchFamily="18" charset="-127"/>
@@ -9118,14 +9090,7 @@
                 <a:latin typeface="a옛날목욕탕M" pitchFamily="18" charset="-127"/>
                 <a:ea typeface="a옛날목욕탕M" pitchFamily="18" charset="-127"/>
               </a:rPr>
-              <a:t> </a:t>
-            </a:r>
-            <a:r>
-              <a:rPr lang="ko-KR" altLang="en-US" dirty="0" smtClean="0">
-                <a:latin typeface="a옛날목욕탕M" pitchFamily="18" charset="-127"/>
-                <a:ea typeface="a옛날목욕탕M" pitchFamily="18" charset="-127"/>
-              </a:rPr>
-              <a:t>설명</a:t>
+              <a:t> 설명</a:t>
             </a:r>
             <a:endParaRPr lang="ko-KR" altLang="en-US" dirty="0">
               <a:latin typeface="a옛날목욕탕M" pitchFamily="18" charset="-127"/>
@@ -9368,25 +9333,18 @@
           <a:lstStyle/>
           <a:p>
             <a:r>
+              <a:rPr lang="en-US" altLang="ko-KR" dirty="0" err="1" smtClean="0">
+                <a:latin typeface="a옛날목욕탕M" pitchFamily="18" charset="-127"/>
+                <a:ea typeface="a옛날목욕탕M" pitchFamily="18" charset="-127"/>
+              </a:rPr>
+              <a:t>UserServlet</a:t>
+            </a:r>
+            <a:r>
               <a:rPr lang="en-US" altLang="ko-KR" dirty="0" smtClean="0">
                 <a:latin typeface="a옛날목욕탕M" pitchFamily="18" charset="-127"/>
                 <a:ea typeface="a옛날목욕탕M" pitchFamily="18" charset="-127"/>
               </a:rPr>
-              <a:t>Index </a:t>
-            </a:r>
-            <a:r>
-              <a:rPr lang="ko-KR" altLang="en-US" dirty="0" smtClean="0">
-                <a:latin typeface="a옛날목욕탕M" pitchFamily="18" charset="-127"/>
-                <a:ea typeface="a옛날목욕탕M" pitchFamily="18" charset="-127"/>
-              </a:rPr>
-              <a:t>페이</a:t>
-            </a:r>
-            <a:r>
-              <a:rPr lang="ko-KR" altLang="en-US" dirty="0">
-                <a:latin typeface="a옛날목욕탕M" pitchFamily="18" charset="-127"/>
-                <a:ea typeface="a옛날목욕탕M" pitchFamily="18" charset="-127"/>
-              </a:rPr>
-              <a:t>지 </a:t>
+              <a:t> </a:t>
             </a:r>
             <a:r>
               <a:rPr lang="ko-KR" altLang="en-US" dirty="0" smtClean="0">
@@ -9416,6 +9374,241 @@
           <a:prstGeom prst="line">
             <a:avLst/>
           </a:prstGeom>
+          <a:effectLst/>
+        </p:spPr>
+        <p:style>
+          <a:lnRef idx="3">
+            <a:schemeClr val="accent1"/>
+          </a:lnRef>
+          <a:fillRef idx="0">
+            <a:schemeClr val="accent1"/>
+          </a:fillRef>
+          <a:effectRef idx="2">
+            <a:schemeClr val="accent1"/>
+          </a:effectRef>
+          <a:fontRef idx="minor">
+            <a:schemeClr val="tx1"/>
+          </a:fontRef>
+        </p:style>
+      </p:cxnSp>
+      <p:pic>
+        <p:nvPicPr>
+          <p:cNvPr id="1026" name="Picture 2" descr="D:\iot_study\workspace\git\iot_jsp\iot_jsp2\iot_jsp_page\userServlet.PNG"/>
+          <p:cNvPicPr>
+            <a:picLocks noChangeAspect="1" noChangeArrowheads="1"/>
+          </p:cNvPicPr>
+          <p:nvPr/>
+        </p:nvPicPr>
+        <p:blipFill>
+          <a:blip r:embed="rId2">
+            <a:extLst>
+              <a:ext uri="{28A0092B-C50C-407E-A947-70E740481C1C}">
+                <a14:useLocalDpi xmlns:a14="http://schemas.microsoft.com/office/drawing/2010/main" val="0"/>
+              </a:ext>
+            </a:extLst>
+          </a:blip>
+          <a:srcRect/>
+          <a:stretch>
+            <a:fillRect/>
+          </a:stretch>
+        </p:blipFill>
+        <p:spPr bwMode="auto">
+          <a:xfrm>
+            <a:off x="64222" y="836712"/>
+            <a:ext cx="6564312" cy="5472608"/>
+          </a:xfrm>
+          <a:prstGeom prst="rect">
+            <a:avLst/>
+          </a:prstGeom>
+          <a:noFill/>
+          <a:extLst>
+            <a:ext uri="{909E8E84-426E-40DD-AFC4-6F175D3DCCD1}">
+              <a14:hiddenFill xmlns:a14="http://schemas.microsoft.com/office/drawing/2010/main">
+                <a:solidFill>
+                  <a:srgbClr val="FFFFFF"/>
+                </a:solidFill>
+              </a14:hiddenFill>
+            </a:ext>
+          </a:extLst>
+        </p:spPr>
+      </p:pic>
+      <p:sp>
+        <p:nvSpPr>
+          <p:cNvPr id="2" name="TextBox 1"/>
+          <p:cNvSpPr txBox="1"/>
+          <p:nvPr/>
+        </p:nvSpPr>
+        <p:spPr>
+          <a:xfrm>
+            <a:off x="3491880" y="603172"/>
+            <a:ext cx="3528392" cy="323165"/>
+          </a:xfrm>
+          <a:prstGeom prst="rect">
+            <a:avLst/>
+          </a:prstGeom>
+          <a:noFill/>
+        </p:spPr>
+        <p:txBody>
+          <a:bodyPr wrap="square" rtlCol="0">
+            <a:spAutoFit/>
+          </a:bodyPr>
+          <a:lstStyle/>
+          <a:p>
+            <a:r>
+              <a:rPr lang="ko-KR" altLang="en-US" sz="1500" dirty="0" smtClean="0">
+                <a:latin typeface="a옛날사진관4" pitchFamily="18" charset="-127"/>
+                <a:ea typeface="a옛날사진관4" pitchFamily="18" charset="-127"/>
+              </a:rPr>
+              <a:t>주소</a:t>
+            </a:r>
+            <a:r>
+              <a:rPr lang="ko-KR" altLang="en-US" sz="1500" dirty="0">
+                <a:latin typeface="a옛날사진관4" pitchFamily="18" charset="-127"/>
+                <a:ea typeface="a옛날사진관4" pitchFamily="18" charset="-127"/>
+              </a:rPr>
+              <a:t>의 </a:t>
+            </a:r>
+            <a:r>
+              <a:rPr lang="ko-KR" altLang="en-US" sz="1500" dirty="0" smtClean="0">
+                <a:latin typeface="a옛날사진관4" pitchFamily="18" charset="-127"/>
+                <a:ea typeface="a옛날사진관4" pitchFamily="18" charset="-127"/>
+              </a:rPr>
+              <a:t>명령어를 구별하는 역할을 한다</a:t>
+            </a:r>
+            <a:r>
+              <a:rPr lang="en-US" altLang="ko-KR" sz="1500" dirty="0" smtClean="0">
+                <a:latin typeface="a옛날사진관4" pitchFamily="18" charset="-127"/>
+                <a:ea typeface="a옛날사진관4" pitchFamily="18" charset="-127"/>
+              </a:rPr>
+              <a:t>.</a:t>
+            </a:r>
+            <a:endParaRPr lang="ko-KR" altLang="en-US" sz="1500" dirty="0">
+              <a:latin typeface="a옛날사진관4" pitchFamily="18" charset="-127"/>
+              <a:ea typeface="a옛날사진관4" pitchFamily="18" charset="-127"/>
+            </a:endParaRPr>
+          </a:p>
+        </p:txBody>
+      </p:sp>
+      <p:cxnSp>
+        <p:nvCxnSpPr>
+          <p:cNvPr id="4" name="직선 연결선 3"/>
+          <p:cNvCxnSpPr>
+            <a:endCxn id="2" idx="1"/>
+          </p:cNvCxnSpPr>
+          <p:nvPr/>
+        </p:nvCxnSpPr>
+        <p:spPr>
+          <a:xfrm flipV="1">
+            <a:off x="2627784" y="764755"/>
+            <a:ext cx="864096" cy="215973"/>
+          </a:xfrm>
+          <a:prstGeom prst="line">
+            <a:avLst/>
+          </a:prstGeom>
+          <a:ln>
+            <a:solidFill>
+              <a:schemeClr val="tx2">
+                <a:lumMod val="60000"/>
+                <a:lumOff val="40000"/>
+              </a:schemeClr>
+            </a:solidFill>
+          </a:ln>
+          <a:effectLst/>
+        </p:spPr>
+        <p:style>
+          <a:lnRef idx="3">
+            <a:schemeClr val="accent1"/>
+          </a:lnRef>
+          <a:fillRef idx="0">
+            <a:schemeClr val="accent1"/>
+          </a:fillRef>
+          <a:effectRef idx="2">
+            <a:schemeClr val="accent1"/>
+          </a:effectRef>
+          <a:fontRef idx="minor">
+            <a:schemeClr val="tx1"/>
+          </a:fontRef>
+        </p:style>
+      </p:cxnSp>
+      <p:sp>
+        <p:nvSpPr>
+          <p:cNvPr id="6" name="TextBox 5"/>
+          <p:cNvSpPr txBox="1"/>
+          <p:nvPr/>
+        </p:nvSpPr>
+        <p:spPr>
+          <a:xfrm>
+            <a:off x="5278941" y="4365104"/>
+            <a:ext cx="3744416" cy="323165"/>
+          </a:xfrm>
+          <a:prstGeom prst="rect">
+            <a:avLst/>
+          </a:prstGeom>
+          <a:noFill/>
+        </p:spPr>
+        <p:txBody>
+          <a:bodyPr wrap="square" rtlCol="0">
+            <a:spAutoFit/>
+          </a:bodyPr>
+          <a:lstStyle/>
+          <a:p>
+            <a:r>
+              <a:rPr lang="ko-KR" altLang="en-US" sz="1500" dirty="0" smtClean="0">
+                <a:latin typeface="a옛날사진관4" pitchFamily="18" charset="-127"/>
+                <a:ea typeface="a옛날사진관4" pitchFamily="18" charset="-127"/>
+              </a:rPr>
+              <a:t>명령에 따라 필요 </a:t>
+            </a:r>
+            <a:r>
+              <a:rPr lang="en-US" altLang="ko-KR" sz="1500" dirty="0" smtClean="0">
+                <a:latin typeface="a옛날사진관4" pitchFamily="18" charset="-127"/>
+                <a:ea typeface="a옛날사진관4" pitchFamily="18" charset="-127"/>
+              </a:rPr>
+              <a:t>service</a:t>
+            </a:r>
+            <a:r>
+              <a:rPr lang="ko-KR" altLang="en-US" sz="1500" dirty="0" smtClean="0">
+                <a:latin typeface="a옛날사진관4" pitchFamily="18" charset="-127"/>
+                <a:ea typeface="a옛날사진관4" pitchFamily="18" charset="-127"/>
+              </a:rPr>
+              <a:t>로 이동시킨다</a:t>
+            </a:r>
+            <a:r>
+              <a:rPr lang="en-US" altLang="ko-KR" sz="1500" dirty="0" smtClean="0">
+                <a:latin typeface="a옛날사진관4" pitchFamily="18" charset="-127"/>
+                <a:ea typeface="a옛날사진관4" pitchFamily="18" charset="-127"/>
+              </a:rPr>
+              <a:t>.</a:t>
+            </a:r>
+            <a:endParaRPr lang="ko-KR" altLang="en-US" sz="1500" dirty="0">
+              <a:latin typeface="a옛날사진관4" pitchFamily="18" charset="-127"/>
+              <a:ea typeface="a옛날사진관4" pitchFamily="18" charset="-127"/>
+            </a:endParaRPr>
+          </a:p>
+        </p:txBody>
+      </p:sp>
+      <p:cxnSp>
+        <p:nvCxnSpPr>
+          <p:cNvPr id="8" name="직선 연결선 7"/>
+          <p:cNvCxnSpPr/>
+          <p:nvPr/>
+        </p:nvCxnSpPr>
+        <p:spPr>
+          <a:xfrm flipH="1">
+            <a:off x="4283968" y="4526686"/>
+            <a:ext cx="972108" cy="270466"/>
+          </a:xfrm>
+          <a:prstGeom prst="line">
+            <a:avLst/>
+          </a:prstGeom>
+          <a:ln>
+            <a:solidFill>
+              <a:schemeClr val="tx2">
+                <a:lumMod val="60000"/>
+                <a:lumOff val="40000"/>
+              </a:schemeClr>
+            </a:solidFill>
+          </a:ln>
           <a:effectLst/>
         </p:spPr>
         <p:style>
@@ -9517,25 +9710,18 @@
           <a:lstStyle/>
           <a:p>
             <a:r>
+              <a:rPr lang="en-US" altLang="ko-KR" dirty="0" err="1" smtClean="0">
+                <a:latin typeface="a옛날목욕탕M" pitchFamily="18" charset="-127"/>
+                <a:ea typeface="a옛날목욕탕M" pitchFamily="18" charset="-127"/>
+              </a:rPr>
+              <a:t>ClassServlet</a:t>
+            </a:r>
+            <a:r>
               <a:rPr lang="en-US" altLang="ko-KR" dirty="0" smtClean="0">
                 <a:latin typeface="a옛날목욕탕M" pitchFamily="18" charset="-127"/>
                 <a:ea typeface="a옛날목욕탕M" pitchFamily="18" charset="-127"/>
               </a:rPr>
-              <a:t>Index </a:t>
-            </a:r>
-            <a:r>
-              <a:rPr lang="ko-KR" altLang="en-US" dirty="0" smtClean="0">
-                <a:latin typeface="a옛날목욕탕M" pitchFamily="18" charset="-127"/>
-                <a:ea typeface="a옛날목욕탕M" pitchFamily="18" charset="-127"/>
-              </a:rPr>
-              <a:t>페이</a:t>
-            </a:r>
-            <a:r>
-              <a:rPr lang="ko-KR" altLang="en-US" dirty="0">
-                <a:latin typeface="a옛날목욕탕M" pitchFamily="18" charset="-127"/>
-                <a:ea typeface="a옛날목욕탕M" pitchFamily="18" charset="-127"/>
-              </a:rPr>
-              <a:t>지 </a:t>
+              <a:t> </a:t>
             </a:r>
             <a:r>
               <a:rPr lang="ko-KR" altLang="en-US" dirty="0" smtClean="0">
